--- a/solutions/azure/modern-workspace/virtual-desktop/presales/solution-briefing.pptx
+++ b/solutions/azure/modern-workspace/virtual-desktop/presales/solution-briefing.pptx
@@ -3579,12 +3579,12 @@
             <a:picLocks noGrp="1" noChangeAspect="1"/>
           </p:cNvPicPr>
           <p:nvPr>
-            <p:ph type="pic" idx="13" sz="quarter"/>
+            <p:ph type="pic" idx="14" sz="quarter"/>
           </p:nvPr>
         </p:nvPicPr>
         <p:blipFill>
           <a:blip r:embed="rId2"/>
-          <a:srcRect t="6762" b="6762"/>
+          <a:srcRect t="6314" b="6314"/>
           <a:stretch>
             <a:fillRect/>
           </a:stretch>
@@ -3598,7 +3598,7 @@
             <a:spLocks noGrp="1"/>
           </p:cNvSpPr>
           <p:nvPr>
-            <p:ph type="body" idx="14" sz="quarter"/>
+            <p:ph type="body" idx="16" sz="quarter"/>
           </p:nvPr>
         </p:nvSpPr>
         <p:spPr/>
@@ -3630,6 +3630,22 @@
               <a:t>Modernize desktop management with cloud-based administration and simplified operations</a:t>
             </a:r>
           </a:p>
+        </p:txBody>
+      </p:sp>
+      <p:sp>
+        <p:nvSpPr>
+          <p:cNvPr id="5" name="Text Placeholder 4"/>
+          <p:cNvSpPr>
+            <a:spLocks noGrp="1"/>
+          </p:cNvSpPr>
+          <p:nvPr>
+            <p:ph type="body" idx="17" sz="quarter"/>
+          </p:nvPr>
+        </p:nvSpPr>
+        <p:spPr/>
+        <p:txBody>
+          <a:bodyPr/>
+          <a:lstStyle/>
           <a:p>
             <a:pPr/>
             <a:r>
@@ -3659,7 +3675,7 @@
       </p:sp>
       <p:pic>
         <p:nvPicPr>
-          <p:cNvPr id="5" name="Picture 4" descr="eo-framework-logo-real.png"/>
+          <p:cNvPr id="6" name="Picture 5" descr="eo-framework-logo-real.png"/>
           <p:cNvPicPr>
             <a:picLocks noChangeAspect="1"/>
           </p:cNvPicPr>
@@ -3825,22 +3841,22 @@
       </p:sp>
       <p:pic>
         <p:nvPicPr>
-          <p:cNvPr id="6" name="Picture 5" descr="eo-framework-logo-real.png"/>
+          <p:cNvPr id="6" name="Picture 5" descr="architecture-diagram.png"/>
           <p:cNvPicPr>
             <a:picLocks noChangeAspect="1"/>
           </p:cNvPicPr>
           <p:nvPr/>
         </p:nvPicPr>
         <p:blipFill>
-          <a:blip r:embed="rId3"/>
+          <a:blip r:embed="rId4"/>
           <a:stretch>
             <a:fillRect/>
           </a:stretch>
         </p:blipFill>
         <p:spPr>
           <a:xfrm>
-            <a:off x="6684264" y="4535424"/>
-            <a:ext cx="2139696" cy="530352"/>
+            <a:off x="4662488" y="1303034"/>
+            <a:ext cx="4337050" cy="2581389"/>
           </a:xfrm>
           <a:prstGeom prst="rect">
             <a:avLst/>
@@ -3973,50 +3989,25 @@
             <a:pPr/>
             <a:r>
               <a:rPr b="1"/>
-              <a:t>Phase 3: Application Deployment &amp; Testing (Weeks 6-8)</a:t>
+              <a:t>Phase 3: Application Deployment, Migration &amp; Hypercare (Weeks 6-10)</a:t>
             </a:r>
           </a:p>
           <a:p>
             <a:pPr lvl="1"/>
             <a:r>
-              <a:t>Deploy Microsoft 365 and critical business applications</a:t>
+              <a:t>Deploy Microsoft 365 and critical business applications with UAT validation</a:t>
             </a:r>
           </a:p>
           <a:p>
             <a:pPr lvl="1"/>
             <a:r>
-              <a:t>Validate application functionality and user experience</a:t>
+              <a:t>Migrate users in waves to new AVD environment with application testing</a:t>
             </a:r>
           </a:p>
           <a:p>
             <a:pPr lvl="1"/>
             <a:r>
-              <a:t>Conduct user acceptance testing with representative user groups</a:t>
-            </a:r>
-          </a:p>
-          <a:p>
-            <a:pPr/>
-            <a:r>
-              <a:rPr b="1"/>
-              <a:t>Phase 4: Migration &amp; Hypercare (Weeks 9-10)</a:t>
-            </a:r>
-          </a:p>
-          <a:p>
-            <a:pPr lvl="1"/>
-            <a:r>
-              <a:t>Migrate users in waves to new AVD environment</a:t>
-            </a:r>
-          </a:p>
-          <a:p>
-            <a:pPr lvl="1"/>
-            <a:r>
-              <a:t>Provide 30-day hypercare support for stabilization</a:t>
-            </a:r>
-          </a:p>
-          <a:p>
-            <a:pPr lvl="1"/>
-            <a:r>
-              <a:t>Transition to operations team with documentation and training</a:t>
+              <a:t>Provide 30-day hypercare support and transition to operations team</a:t>
             </a:r>
           </a:p>
         </p:txBody>
@@ -4117,7 +4108,7 @@
         </p:nvGraphicFramePr>
         <p:xfrm>
           <a:off x="256855" y="677011"/>
-          <a:ext cx="8710930" cy="1854200"/>
+          <a:ext cx="8710930" cy="1483360"/>
         </p:xfrm>
         <a:graphic>
           <a:graphicData uri="http://schemas.openxmlformats.org/drawingml/2006/table">
@@ -4138,7 +4129,7 @@
                     <a:lstStyle/>
                     <a:p>
                       <a:r>
-                        <a:rPr b="1" sz="1400">
+                        <a:rPr sz="1400">
                           <a:solidFill>
                             <a:srgbClr val="FFFFFF"/>
                           </a:solidFill>
@@ -4159,7 +4150,7 @@
                     <a:lstStyle/>
                     <a:p>
                       <a:r>
-                        <a:rPr b="1" sz="1400">
+                        <a:rPr sz="1400">
                           <a:solidFill>
                             <a:srgbClr val="FFFFFF"/>
                           </a:solidFill>
@@ -4180,7 +4171,7 @@
                     <a:lstStyle/>
                     <a:p>
                       <a:r>
-                        <a:rPr b="1" sz="1400">
+                        <a:rPr sz="1400">
                           <a:solidFill>
                             <a:srgbClr val="FFFFFF"/>
                           </a:solidFill>
@@ -4201,7 +4192,7 @@
                     <a:lstStyle/>
                     <a:p>
                       <a:r>
-                        <a:rPr b="1" sz="1400">
+                        <a:rPr sz="1400">
                           <a:solidFill>
                             <a:srgbClr val="FFFFFF"/>
                           </a:solidFill>
@@ -4382,7 +4373,7 @@
                     <a:p>
                       <a:r>
                         <a:rPr sz="1100"/>
-                        <a:t>Application Deployment &amp; Testing</a:t>
+                        <a:t>Application Deployment, Migration &amp; Hypercare</a:t>
                       </a:r>
                     </a:p>
                   </a:txBody>
@@ -4399,7 +4390,7 @@
                     <a:p>
                       <a:r>
                         <a:rPr sz="1100"/>
-                        <a:t>Weeks 6-8</a:t>
+                        <a:t>Weeks 6-10</a:t>
                       </a:r>
                     </a:p>
                   </a:txBody>
@@ -4416,77 +4407,7 @@
                     <a:p>
                       <a:r>
                         <a:rPr sz="1100"/>
-                        <a:t>Applications deployed, UAT completed, User readiness confirmed</a:t>
-                      </a:r>
-                    </a:p>
-                  </a:txBody>
-                  <a:tcPr>
-                    <a:solidFill>
-                      <a:srgbClr val="E7E6E6"/>
-                    </a:solidFill>
-                  </a:tcPr>
-                </a:tc>
-              </a:tr>
-              <a:tr h="370840">
-                <a:tc>
-                  <a:txBody>
-                    <a:bodyPr/>
-                    <a:lstStyle/>
-                    <a:p>
-                      <a:r>
-                        <a:rPr b="1" sz="1100"/>
-                        <a:t>Phase 4</a:t>
-                      </a:r>
-                    </a:p>
-                  </a:txBody>
-                  <a:tcPr>
-                    <a:solidFill>
-                      <a:srgbClr val="E7E6E6"/>
-                    </a:solidFill>
-                  </a:tcPr>
-                </a:tc>
-                <a:tc>
-                  <a:txBody>
-                    <a:bodyPr/>
-                    <a:lstStyle/>
-                    <a:p>
-                      <a:r>
-                        <a:rPr b="1" sz="1100"/>
-                        <a:t>Migration &amp; Hypercare</a:t>
-                      </a:r>
-                    </a:p>
-                  </a:txBody>
-                  <a:tcPr>
-                    <a:solidFill>
-                      <a:srgbClr val="E7E6E6"/>
-                    </a:solidFill>
-                  </a:tcPr>
-                </a:tc>
-                <a:tc>
-                  <a:txBody>
-                    <a:bodyPr/>
-                    <a:lstStyle/>
-                    <a:p>
-                      <a:r>
-                        <a:rPr b="1" sz="1100"/>
-                        <a:t>Weeks 9-10</a:t>
-                      </a:r>
-                    </a:p>
-                  </a:txBody>
-                  <a:tcPr>
-                    <a:solidFill>
-                      <a:srgbClr val="E7E6E6"/>
-                    </a:solidFill>
-                  </a:tcPr>
-                </a:tc>
-                <a:tc>
-                  <a:txBody>
-                    <a:bodyPr/>
-                    <a:lstStyle/>
-                    <a:p>
-                      <a:r>
-                        <a:rPr b="1" sz="1100"/>
-                        <a:t>Users migrated in waves, 30-day hypercare support, Operations handoff</a:t>
+                        <a:t>Applications deployed, Users migrated in waves, 30-day hypercare support</a:t>
                       </a:r>
                     </a:p>
                   </a:txBody>
@@ -4971,7 +4892,7 @@
                     <a:lstStyle/>
                     <a:p>
                       <a:r>
-                        <a:rPr b="1" sz="1400">
+                        <a:rPr sz="1400">
                           <a:solidFill>
                             <a:srgbClr val="FFFFFF"/>
                           </a:solidFill>
@@ -4992,7 +4913,7 @@
                     <a:lstStyle/>
                     <a:p>
                       <a:r>
-                        <a:rPr b="1" sz="1400">
+                        <a:rPr sz="1400">
                           <a:solidFill>
                             <a:srgbClr val="FFFFFF"/>
                           </a:solidFill>
@@ -5013,7 +4934,7 @@
                     <a:lstStyle/>
                     <a:p>
                       <a:r>
-                        <a:rPr b="1" sz="1400">
+                        <a:rPr sz="1400">
                           <a:solidFill>
                             <a:srgbClr val="FFFFFF"/>
                           </a:solidFill>
@@ -5034,7 +4955,7 @@
                     <a:lstStyle/>
                     <a:p>
                       <a:r>
-                        <a:rPr b="1" sz="1400">
+                        <a:rPr sz="1400">
                           <a:solidFill>
                             <a:srgbClr val="FFFFFF"/>
                           </a:solidFill>
@@ -5055,7 +4976,7 @@
                     <a:lstStyle/>
                     <a:p>
                       <a:r>
-                        <a:rPr b="1" sz="1400">
+                        <a:rPr sz="1400">
                           <a:solidFill>
                             <a:srgbClr val="FFFFFF"/>
                           </a:solidFill>
@@ -5076,7 +4997,7 @@
                     <a:lstStyle/>
                     <a:p>
                       <a:r>
-                        <a:rPr b="1" sz="1400">
+                        <a:rPr sz="1400">
                           <a:solidFill>
                             <a:srgbClr val="FFFFFF"/>
                           </a:solidFill>
@@ -5097,7 +5018,7 @@
                     <a:lstStyle/>
                     <a:p>
                       <a:r>
-                        <a:rPr b="1" sz="1400">
+                        <a:rPr sz="1400">
                           <a:solidFill>
                             <a:srgbClr val="FFFFFF"/>
                           </a:solidFill>
@@ -5821,49 +5742,81 @@
           <a:p>
             <a:pPr/>
             <a:r>
-              <a:t>Decision: Executive approval for AVD implementation by [specific date]</a:t>
+              <a:rPr b="1"/>
+              <a:t>Decision:</a:t>
+            </a:r>
+            <a:r>
+              <a:t> Executive approval for AVD implementation by [specific date]</a:t>
             </a:r>
           </a:p>
           <a:p>
             <a:pPr/>
             <a:r>
-              <a:t>Kickoff: Target deployment start date [30 days from approval]</a:t>
+              <a:rPr b="1"/>
+              <a:t>Kickoff:</a:t>
+            </a:r>
+            <a:r>
+              <a:t> Target deployment start date [30 days from approval]</a:t>
             </a:r>
           </a:p>
           <a:p>
             <a:pPr/>
             <a:r>
-              <a:t>Team Formation: Identify infrastructure owner, application SMEs, network contact</a:t>
+              <a:rPr b="1"/>
+              <a:t>Team Formation:</a:t>
+            </a:r>
+            <a:r>
+              <a:t> Identify infrastructure owner, application SMEs, network contact</a:t>
             </a:r>
           </a:p>
           <a:p>
             <a:pPr/>
             <a:r>
-              <a:t>Week 1-2: Contract finalization, Azure subscription setup, and detailed design</a:t>
+              <a:rPr b="1"/>
+              <a:t>Week 1-2:</a:t>
+            </a:r>
+            <a:r>
+              <a:t> Contract finalization, Azure subscription setup, and detailed design</a:t>
             </a:r>
           </a:p>
           <a:p>
             <a:pPr/>
             <a:r>
-              <a:t>Week 3-4: Azure infrastructure and session host deployment</a:t>
+              <a:rPr b="1"/>
+              <a:t>Week 3-4:</a:t>
+            </a:r>
+            <a:r>
+              <a:t> Azure infrastructure and session host deployment</a:t>
             </a:r>
           </a:p>
           <a:p>
             <a:pPr/>
             <a:r>
-              <a:t>Week 5-6: Application deployment and compatibility testing</a:t>
+              <a:rPr b="1"/>
+              <a:t>Week 5-6:</a:t>
+            </a:r>
+            <a:r>
+              <a:t> Application deployment and compatibility testing</a:t>
             </a:r>
           </a:p>
           <a:p>
             <a:pPr/>
             <a:r>
-              <a:t>Week 7-8: User acceptance testing and pilot migration</a:t>
+              <a:rPr b="1"/>
+              <a:t>Week 7-8:</a:t>
+            </a:r>
+            <a:r>
+              <a:t> User acceptance testing and pilot migration</a:t>
             </a:r>
           </a:p>
           <a:p>
             <a:pPr/>
             <a:r>
-              <a:t>Week 9-10: Full user migration and hypercare support</a:t>
+              <a:rPr b="1"/>
+              <a:t>Week 9-10:</a:t>
+            </a:r>
+            <a:r>
+              <a:t> Full user migration and hypercare support</a:t>
             </a:r>
           </a:p>
         </p:txBody>

--- a/solutions/azure/modern-workspace/virtual-desktop/presales/solution-briefing.pptx
+++ b/solutions/azure/modern-workspace/virtual-desktop/presales/solution-briefing.pptx
@@ -4108,7 +4108,7 @@
         </p:nvGraphicFramePr>
         <p:xfrm>
           <a:off x="256855" y="677011"/>
-          <a:ext cx="8710930" cy="1483360"/>
+          <a:ext cx="8710931" cy="1483360"/>
         </p:xfrm>
         <a:graphic>
           <a:graphicData uri="http://schemas.openxmlformats.org/drawingml/2006/table">
@@ -4117,10 +4117,10 @@
                 <a:tableStyleId>{5C22544A-7EE6-4342-B048-85BDC9FD1C3A}</a:tableStyleId>
               </a:tblPr>
               <a:tblGrid>
-                <a:gridCol w="1045311"/>
+                <a:gridCol w="871093"/>
                 <a:gridCol w="2177733"/>
-                <a:gridCol w="1045311"/>
-                <a:gridCol w="4442575"/>
+                <a:gridCol w="1306639"/>
+                <a:gridCol w="4355466"/>
               </a:tblGrid>
               <a:tr h="370840">
                 <a:tc>
@@ -4868,7 +4868,7 @@
         </p:nvGraphicFramePr>
         <p:xfrm>
           <a:off x="256855" y="677011"/>
-          <a:ext cx="8719641" cy="2225040"/>
+          <a:ext cx="8710929" cy="2225040"/>
         </p:xfrm>
         <a:graphic>
           <a:graphicData uri="http://schemas.openxmlformats.org/drawingml/2006/table">
@@ -4877,13 +4877,13 @@
                 <a:tableStyleId>{5C22544A-7EE6-4342-B048-85BDC9FD1C3A}</a:tableStyleId>
               </a:tblPr>
               <a:tblGrid>
-                <a:gridCol w="1567967"/>
+                <a:gridCol w="1742186"/>
+                <a:gridCol w="1045311"/>
+                <a:gridCol w="2003514"/>
                 <a:gridCol w="1132421"/>
-                <a:gridCol w="1742186"/>
-                <a:gridCol w="1132421"/>
-                <a:gridCol w="993046"/>
-                <a:gridCol w="993046"/>
-                <a:gridCol w="1158554"/>
+                <a:gridCol w="871093"/>
+                <a:gridCol w="871093"/>
+                <a:gridCol w="1045311"/>
               </a:tblGrid>
               <a:tr h="370840">
                 <a:tc>

--- a/solutions/azure/modern-workspace/virtual-desktop/presales/solution-briefing.pptx
+++ b/solutions/azure/modern-workspace/virtual-desktop/presales/solution-briefing.pptx
@@ -18,6 +18,7 @@
     <p:sldId id="263" r:id="rId14"/>
     <p:sldId id="264" r:id="rId15"/>
     <p:sldId id="265" r:id="rId16"/>
+    <p:sldId id="266" r:id="rId17"/>
   </p:sldIdLst>
   <p:sldSz cx="9144000" cy="5143500" type="screen16x9"/>
   <p:notesSz cx="5143500" cy="9144000"/>
@@ -3360,7 +3361,7 @@
           <a:lstStyle/>
           <a:p>
             <a:r>
-              <a:t>[Presenter Name] | November 15, 2025</a:t>
+              <a:t>Enterprise Solutions Architect | November 16, 2025</a:t>
             </a:r>
           </a:p>
         </p:txBody>
@@ -3398,6 +3399,174 @@
 </file>
 
 <file path=ppt/slides/slide10.xml><?xml version="1.0" encoding="utf-8"?>
+<p:sld xmlns:a="http://schemas.openxmlformats.org/drawingml/2006/main" xmlns:p="http://schemas.openxmlformats.org/presentationml/2006/main" xmlns:r="http://schemas.openxmlformats.org/officeDocument/2006/relationships">
+  <p:cSld>
+    <p:spTree>
+      <p:nvGrpSpPr>
+        <p:cNvPr id="1" name=""/>
+        <p:cNvGrpSpPr/>
+        <p:nvPr/>
+      </p:nvGrpSpPr>
+      <p:grpSpPr/>
+      <p:sp>
+        <p:nvSpPr>
+          <p:cNvPr id="2" name="Text Placeholder 1"/>
+          <p:cNvSpPr>
+            <a:spLocks noGrp="1"/>
+          </p:cNvSpPr>
+          <p:nvPr>
+            <p:ph type="body" idx="10" sz="quarter"/>
+          </p:nvPr>
+        </p:nvSpPr>
+        <p:spPr/>
+        <p:txBody>
+          <a:bodyPr/>
+          <a:lstStyle/>
+          <a:p>
+            <a:r>
+              <a:t>Next Steps</a:t>
+            </a:r>
+          </a:p>
+        </p:txBody>
+      </p:sp>
+      <p:pic>
+        <p:nvPicPr>
+          <p:cNvPr id="3" name="Picture Placeholder 2" descr="consulting_company_logo.png"/>
+          <p:cNvPicPr>
+            <a:picLocks noGrp="1" noChangeAspect="1"/>
+          </p:cNvPicPr>
+          <p:nvPr>
+            <p:ph type="pic" idx="13" sz="quarter"/>
+          </p:nvPr>
+        </p:nvPicPr>
+        <p:blipFill>
+          <a:blip r:embed="rId2"/>
+          <a:srcRect t="6762" b="6762"/>
+          <a:stretch>
+            <a:fillRect/>
+          </a:stretch>
+        </p:blipFill>
+        <p:spPr/>
+      </p:pic>
+      <p:sp>
+        <p:nvSpPr>
+          <p:cNvPr id="4" name="Text Placeholder 3"/>
+          <p:cNvSpPr>
+            <a:spLocks noGrp="1"/>
+          </p:cNvSpPr>
+          <p:nvPr>
+            <p:ph type="body" idx="14" sz="quarter"/>
+          </p:nvPr>
+        </p:nvSpPr>
+        <p:spPr/>
+        <p:txBody>
+          <a:bodyPr/>
+          <a:lstStyle/>
+          <a:p>
+            <a:pPr/>
+            <a:r>
+              <a:rPr b="1"/>
+              <a:t>Decision:</a:t>
+            </a:r>
+            <a:r>
+              <a:t> Board approval for AVD initiative by [specific date]</a:t>
+            </a:r>
+          </a:p>
+          <a:p>
+            <a:pPr/>
+            <a:r>
+              <a:rPr b="1"/>
+              <a:t>Kickoff:</a:t>
+            </a:r>
+            <a:r>
+              <a:t> Project start date of [target start date]</a:t>
+            </a:r>
+          </a:p>
+          <a:p>
+            <a:pPr/>
+            <a:r>
+              <a:rPr b="1"/>
+              <a:t>Team Formation:</a:t>
+            </a:r>
+            <a:r>
+              <a:t> Designate IT lead, network architect, and user champions</a:t>
+            </a:r>
+          </a:p>
+          <a:p>
+            <a:pPr/>
+            <a:r>
+              <a:rPr b="1"/>
+              <a:t>Week 1:</a:t>
+            </a:r>
+            <a:r>
+              <a:t> Contract finalization and project initiation</a:t>
+            </a:r>
+          </a:p>
+          <a:p>
+            <a:pPr/>
+            <a:r>
+              <a:rPr b="1"/>
+              <a:t>Week 2:</a:t>
+            </a:r>
+            <a:r>
+              <a:t> Discovery sessions and requirements gathering</a:t>
+            </a:r>
+          </a:p>
+          <a:p>
+            <a:pPr/>
+            <a:r>
+              <a:rPr b="1"/>
+              <a:t>Week 3:</a:t>
+            </a:r>
+            <a:r>
+              <a:t> Architecture design and golden image planning</a:t>
+            </a:r>
+          </a:p>
+          <a:p>
+            <a:pPr/>
+            <a:r>
+              <a:rPr b="1"/>
+              <a:t>Week 4:</a:t>
+            </a:r>
+            <a:r>
+              <a:t> Environment setup and pilot user selection</a:t>
+            </a:r>
+          </a:p>
+        </p:txBody>
+      </p:sp>
+      <p:pic>
+        <p:nvPicPr>
+          <p:cNvPr id="5" name="Picture 4" descr="eo-framework-logo-real.png"/>
+          <p:cNvPicPr>
+            <a:picLocks noChangeAspect="1"/>
+          </p:cNvPicPr>
+          <p:nvPr/>
+        </p:nvPicPr>
+        <p:blipFill>
+          <a:blip r:embed="rId3"/>
+          <a:stretch>
+            <a:fillRect/>
+          </a:stretch>
+        </p:blipFill>
+        <p:spPr>
+          <a:xfrm>
+            <a:off x="6684264" y="4535424"/>
+            <a:ext cx="2139696" cy="530352"/>
+          </a:xfrm>
+          <a:prstGeom prst="rect">
+            <a:avLst/>
+          </a:prstGeom>
+        </p:spPr>
+      </p:pic>
+    </p:spTree>
+  </p:cSld>
+  <p:clrMapOvr>
+    <a:masterClrMapping/>
+  </p:clrMapOvr>
+</p:sld>
+</file>
+
+<file path=ppt/slides/slide11.xml><?xml version="1.0" encoding="utf-8"?>
 <p:sld xmlns:a="http://schemas.openxmlformats.org/drawingml/2006/main" xmlns:p="http://schemas.openxmlformats.org/presentationml/2006/main" xmlns:r="http://schemas.openxmlformats.org/officeDocument/2006/relationships">
   <p:cSld>
     <p:spTree>
@@ -3615,19 +3784,25 @@
           <a:p>
             <a:pPr lvl="1"/>
             <a:r>
-              <a:t>Enable hybrid and remote workforce without compromising security or performance</a:t>
+              <a:t>Modernize desktop infrastructure to support secure remote work and flexible workplace models</a:t>
             </a:r>
           </a:p>
           <a:p>
             <a:pPr lvl="1"/>
             <a:r>
-              <a:t>Reduce infrastructure costs by 30-40% compared to traditional VDI and physical desktops</a:t>
+              <a:t>Reduce IT operational overhead by 40-50% through centralized cloud-based desktop management</a:t>
             </a:r>
           </a:p>
           <a:p>
             <a:pPr lvl="1"/>
             <a:r>
-              <a:t>Modernize desktop management with cloud-based administration and simplified operations</a:t>
+              <a:t>Enable employees to access corporate desktops from any device, location, or network connection</a:t>
+            </a:r>
+          </a:p>
+          <a:p>
+            <a:pPr lvl="1"/>
+            <a:r>
+              <a:t>Implement enterprise-grade security and compliance controls with multi-session efficiency</a:t>
             </a:r>
           </a:p>
         </p:txBody>
@@ -3656,19 +3831,25 @@
           <a:p>
             <a:pPr lvl="1"/>
             <a:r>
-              <a:t>100% user adoption with minimal support calls through intuitive experience</a:t>
+              <a:t>Deploy pooled and/or personal desktops with 99.9% availability within 8-10 weeks</a:t>
             </a:r>
           </a:p>
           <a:p>
             <a:pPr lvl="1"/>
             <a:r>
-              <a:t>20-30% reduction in IT operational costs through cloud-based management</a:t>
+              <a:t>Achieve 70%+ reduction in remote access VPN complexity and security incidents</a:t>
             </a:r>
           </a:p>
           <a:p>
             <a:pPr lvl="1"/>
             <a:r>
-              <a:t>ROI realization within 18-24 months through infrastructure consolidation and labor savings</a:t>
+              <a:t>Reduce per-user infrastructure costs by 35-45% compared to traditional VDI solutions</a:t>
+            </a:r>
+          </a:p>
+          <a:p>
+            <a:pPr lvl="1"/>
+            <a:r>
+              <a:t>Enable seamless user experience with sub-200ms latency across geographies</a:t>
             </a:r>
           </a:p>
         </p:txBody>
@@ -3730,6 +3911,1032 @@
           <a:bodyPr/>
           <a:lstStyle/>
           <a:p>
+            <a:pPr algn="l"/>
+            <a:r>
+              <a:rPr b="1"/>
+              <a:t>Engagement Scope</a:t>
+            </a:r>
+          </a:p>
+        </p:txBody>
+      </p:sp>
+      <p:pic>
+        <p:nvPicPr>
+          <p:cNvPr id="3" name="Picture Placeholder 2" descr="consulting_company_logo.png"/>
+          <p:cNvPicPr>
+            <a:picLocks noGrp="1" noChangeAspect="1"/>
+          </p:cNvPicPr>
+          <p:nvPr>
+            <p:ph type="pic" idx="13" sz="quarter"/>
+          </p:nvPr>
+        </p:nvPicPr>
+        <p:blipFill>
+          <a:blip r:embed="rId2"/>
+          <a:srcRect t="6404" b="6404"/>
+          <a:stretch>
+            <a:fillRect/>
+          </a:stretch>
+        </p:blipFill>
+        <p:spPr/>
+      </p:pic>
+      <p:graphicFrame>
+        <p:nvGraphicFramePr>
+          <p:cNvPr id="4" name="Table Placeholder 3"/>
+          <p:cNvGraphicFramePr>
+            <a:graphicFrameLocks noGrp="1"/>
+          </p:cNvGraphicFramePr>
+          <p:nvPr>
+            <p:ph type="tbl" idx="14" sz="quarter"/>
+          </p:nvPr>
+        </p:nvGraphicFramePr>
+        <p:xfrm>
+          <a:off x="256855" y="677011"/>
+          <a:ext cx="8710931" cy="6304280"/>
+        </p:xfrm>
+        <a:graphic>
+          <a:graphicData uri="http://schemas.openxmlformats.org/drawingml/2006/table">
+            <a:tbl>
+              <a:tblPr firstRow="1" bandRow="1">
+                <a:tableStyleId>{5C22544A-7EE6-4342-B048-85BDC9FD1C3A}</a:tableStyleId>
+              </a:tblPr>
+              <a:tblGrid>
+                <a:gridCol w="2613279"/>
+                <a:gridCol w="3048826"/>
+                <a:gridCol w="3048826"/>
+              </a:tblGrid>
+              <a:tr h="370840">
+                <a:tc>
+                  <a:txBody>
+                    <a:bodyPr/>
+                    <a:lstStyle/>
+                    <a:p>
+                      <a:r>
+                        <a:rPr sz="1400">
+                          <a:solidFill>
+                            <a:srgbClr val="FFFFFF"/>
+                          </a:solidFill>
+                        </a:rPr>
+                        <a:t>Category</a:t>
+                      </a:r>
+                    </a:p>
+                  </a:txBody>
+                  <a:tcPr>
+                    <a:solidFill>
+                      <a:srgbClr val="A01C02"/>
+                    </a:solidFill>
+                  </a:tcPr>
+                </a:tc>
+                <a:tc>
+                  <a:txBody>
+                    <a:bodyPr/>
+                    <a:lstStyle/>
+                    <a:p>
+                      <a:r>
+                        <a:rPr sz="1400">
+                          <a:solidFill>
+                            <a:srgbClr val="FFFFFF"/>
+                          </a:solidFill>
+                        </a:rPr>
+                        <a:t>Parameter</a:t>
+                      </a:r>
+                    </a:p>
+                  </a:txBody>
+                  <a:tcPr>
+                    <a:solidFill>
+                      <a:srgbClr val="A01C02"/>
+                    </a:solidFill>
+                  </a:tcPr>
+                </a:tc>
+                <a:tc>
+                  <a:txBody>
+                    <a:bodyPr/>
+                    <a:lstStyle/>
+                    <a:p>
+                      <a:r>
+                        <a:rPr sz="1400">
+                          <a:solidFill>
+                            <a:srgbClr val="FFFFFF"/>
+                          </a:solidFill>
+                        </a:rPr>
+                        <a:t>Scope</a:t>
+                      </a:r>
+                    </a:p>
+                  </a:txBody>
+                  <a:tcPr>
+                    <a:solidFill>
+                      <a:srgbClr val="A01C02"/>
+                    </a:solidFill>
+                  </a:tcPr>
+                </a:tc>
+              </a:tr>
+              <a:tr h="370840">
+                <a:tc>
+                  <a:txBody>
+                    <a:bodyPr/>
+                    <a:lstStyle/>
+                    <a:p>
+                      <a:r>
+                        <a:rPr sz="1100"/>
+                        <a:t>Solution Scope</a:t>
+                      </a:r>
+                    </a:p>
+                  </a:txBody>
+                  <a:tcPr>
+                    <a:solidFill>
+                      <a:srgbClr val="E7E6E6"/>
+                    </a:solidFill>
+                  </a:tcPr>
+                </a:tc>
+                <a:tc>
+                  <a:txBody>
+                    <a:bodyPr/>
+                    <a:lstStyle/>
+                    <a:p>
+                      <a:r>
+                        <a:rPr sz="1100"/>
+                        <a:t>Host Pools</a:t>
+                      </a:r>
+                    </a:p>
+                  </a:txBody>
+                  <a:tcPr>
+                    <a:solidFill>
+                      <a:srgbClr val="E7E6E6"/>
+                    </a:solidFill>
+                  </a:tcPr>
+                </a:tc>
+                <a:tc>
+                  <a:txBody>
+                    <a:bodyPr/>
+                    <a:lstStyle/>
+                    <a:p>
+                      <a:r>
+                        <a:rPr sz="1100"/>
+                        <a:t>3 host pools</a:t>
+                      </a:r>
+                    </a:p>
+                  </a:txBody>
+                  <a:tcPr>
+                    <a:solidFill>
+                      <a:srgbClr val="E7E6E6"/>
+                    </a:solidFill>
+                  </a:tcPr>
+                </a:tc>
+              </a:tr>
+              <a:tr h="370840">
+                <a:tc>
+                  <a:txBody>
+                    <a:bodyPr/>
+                    <a:lstStyle/>
+                    <a:p>
+                      <a:r>
+                        <a:rPr sz="1100"/>
+                        <a:t>Solution Scope</a:t>
+                      </a:r>
+                    </a:p>
+                  </a:txBody>
+                  <a:tcPr>
+                    <a:solidFill>
+                      <a:srgbClr val="E7E6E6"/>
+                    </a:solidFill>
+                  </a:tcPr>
+                </a:tc>
+                <a:tc>
+                  <a:txBody>
+                    <a:bodyPr/>
+                    <a:lstStyle/>
+                    <a:p>
+                      <a:r>
+                        <a:rPr sz="1100"/>
+                        <a:t>Application Groups</a:t>
+                      </a:r>
+                    </a:p>
+                  </a:txBody>
+                  <a:tcPr>
+                    <a:solidFill>
+                      <a:srgbClr val="E7E6E6"/>
+                    </a:solidFill>
+                  </a:tcPr>
+                </a:tc>
+                <a:tc>
+                  <a:txBody>
+                    <a:bodyPr/>
+                    <a:lstStyle/>
+                    <a:p>
+                      <a:r>
+                        <a:rPr sz="1100"/>
+                        <a:t>5-10 app groups</a:t>
+                      </a:r>
+                    </a:p>
+                  </a:txBody>
+                  <a:tcPr>
+                    <a:solidFill>
+                      <a:srgbClr val="E7E6E6"/>
+                    </a:solidFill>
+                  </a:tcPr>
+                </a:tc>
+              </a:tr>
+              <a:tr h="370840">
+                <a:tc>
+                  <a:txBody>
+                    <a:bodyPr/>
+                    <a:lstStyle/>
+                    <a:p>
+                      <a:r>
+                        <a:rPr sz="1100"/>
+                        <a:t>Integration</a:t>
+                      </a:r>
+                    </a:p>
+                  </a:txBody>
+                  <a:tcPr>
+                    <a:solidFill>
+                      <a:srgbClr val="E7E6E6"/>
+                    </a:solidFill>
+                  </a:tcPr>
+                </a:tc>
+                <a:tc>
+                  <a:txBody>
+                    <a:bodyPr/>
+                    <a:lstStyle/>
+                    <a:p>
+                      <a:r>
+                        <a:rPr sz="1100"/>
+                        <a:t>Identity Integration</a:t>
+                      </a:r>
+                    </a:p>
+                  </a:txBody>
+                  <a:tcPr>
+                    <a:solidFill>
+                      <a:srgbClr val="E7E6E6"/>
+                    </a:solidFill>
+                  </a:tcPr>
+                </a:tc>
+                <a:tc>
+                  <a:txBody>
+                    <a:bodyPr/>
+                    <a:lstStyle/>
+                    <a:p>
+                      <a:r>
+                        <a:rPr sz="1100"/>
+                        <a:t>Azure AD hybrid join</a:t>
+                      </a:r>
+                    </a:p>
+                  </a:txBody>
+                  <a:tcPr>
+                    <a:solidFill>
+                      <a:srgbClr val="E7E6E6"/>
+                    </a:solidFill>
+                  </a:tcPr>
+                </a:tc>
+              </a:tr>
+              <a:tr h="370840">
+                <a:tc>
+                  <a:txBody>
+                    <a:bodyPr/>
+                    <a:lstStyle/>
+                    <a:p>
+                      <a:r>
+                        <a:rPr sz="1100"/>
+                        <a:t>Integration</a:t>
+                      </a:r>
+                    </a:p>
+                  </a:txBody>
+                  <a:tcPr>
+                    <a:solidFill>
+                      <a:srgbClr val="E7E6E6"/>
+                    </a:solidFill>
+                  </a:tcPr>
+                </a:tc>
+                <a:tc>
+                  <a:txBody>
+                    <a:bodyPr/>
+                    <a:lstStyle/>
+                    <a:p>
+                      <a:r>
+                        <a:rPr sz="1100"/>
+                        <a:t>Profile Management</a:t>
+                      </a:r>
+                    </a:p>
+                  </a:txBody>
+                  <a:tcPr>
+                    <a:solidFill>
+                      <a:srgbClr val="E7E6E6"/>
+                    </a:solidFill>
+                  </a:tcPr>
+                </a:tc>
+                <a:tc>
+                  <a:txBody>
+                    <a:bodyPr/>
+                    <a:lstStyle/>
+                    <a:p>
+                      <a:r>
+                        <a:rPr sz="1100"/>
+                        <a:t>FSLogix profile containers</a:t>
+                      </a:r>
+                    </a:p>
+                  </a:txBody>
+                  <a:tcPr>
+                    <a:solidFill>
+                      <a:srgbClr val="E7E6E6"/>
+                    </a:solidFill>
+                  </a:tcPr>
+                </a:tc>
+              </a:tr>
+              <a:tr h="370840">
+                <a:tc>
+                  <a:txBody>
+                    <a:bodyPr/>
+                    <a:lstStyle/>
+                    <a:p>
+                      <a:r>
+                        <a:rPr sz="1100"/>
+                        <a:t>User Base</a:t>
+                      </a:r>
+                    </a:p>
+                  </a:txBody>
+                  <a:tcPr>
+                    <a:solidFill>
+                      <a:srgbClr val="E7E6E6"/>
+                    </a:solidFill>
+                  </a:tcPr>
+                </a:tc>
+                <a:tc>
+                  <a:txBody>
+                    <a:bodyPr/>
+                    <a:lstStyle/>
+                    <a:p>
+                      <a:r>
+                        <a:rPr sz="1100"/>
+                        <a:t>Total Users</a:t>
+                      </a:r>
+                    </a:p>
+                  </a:txBody>
+                  <a:tcPr>
+                    <a:solidFill>
+                      <a:srgbClr val="E7E6E6"/>
+                    </a:solidFill>
+                  </a:tcPr>
+                </a:tc>
+                <a:tc>
+                  <a:txBody>
+                    <a:bodyPr/>
+                    <a:lstStyle/>
+                    <a:p>
+                      <a:r>
+                        <a:rPr sz="1100"/>
+                        <a:t>200 concurrent users</a:t>
+                      </a:r>
+                    </a:p>
+                  </a:txBody>
+                  <a:tcPr>
+                    <a:solidFill>
+                      <a:srgbClr val="E7E6E6"/>
+                    </a:solidFill>
+                  </a:tcPr>
+                </a:tc>
+              </a:tr>
+              <a:tr h="370840">
+                <a:tc>
+                  <a:txBody>
+                    <a:bodyPr/>
+                    <a:lstStyle/>
+                    <a:p>
+                      <a:r>
+                        <a:rPr sz="1100"/>
+                        <a:t>User Base</a:t>
+                      </a:r>
+                    </a:p>
+                  </a:txBody>
+                  <a:tcPr>
+                    <a:solidFill>
+                      <a:srgbClr val="E7E6E6"/>
+                    </a:solidFill>
+                  </a:tcPr>
+                </a:tc>
+                <a:tc>
+                  <a:txBody>
+                    <a:bodyPr/>
+                    <a:lstStyle/>
+                    <a:p>
+                      <a:r>
+                        <a:rPr sz="1100"/>
+                        <a:t>User Roles</a:t>
+                      </a:r>
+                    </a:p>
+                  </a:txBody>
+                  <a:tcPr>
+                    <a:solidFill>
+                      <a:srgbClr val="E7E6E6"/>
+                    </a:solidFill>
+                  </a:tcPr>
+                </a:tc>
+                <a:tc>
+                  <a:txBody>
+                    <a:bodyPr/>
+                    <a:lstStyle/>
+                    <a:p>
+                      <a:r>
+                        <a:rPr sz="1100"/>
+                        <a:t>3 roles (standard power admin)</a:t>
+                      </a:r>
+                    </a:p>
+                  </a:txBody>
+                  <a:tcPr>
+                    <a:solidFill>
+                      <a:srgbClr val="E7E6E6"/>
+                    </a:solidFill>
+                  </a:tcPr>
+                </a:tc>
+              </a:tr>
+              <a:tr h="370840">
+                <a:tc>
+                  <a:txBody>
+                    <a:bodyPr/>
+                    <a:lstStyle/>
+                    <a:p>
+                      <a:r>
+                        <a:rPr sz="1100"/>
+                        <a:t>Data Volume</a:t>
+                      </a:r>
+                    </a:p>
+                  </a:txBody>
+                  <a:tcPr>
+                    <a:solidFill>
+                      <a:srgbClr val="E7E6E6"/>
+                    </a:solidFill>
+                  </a:tcPr>
+                </a:tc>
+                <a:tc>
+                  <a:txBody>
+                    <a:bodyPr/>
+                    <a:lstStyle/>
+                    <a:p>
+                      <a:r>
+                        <a:rPr sz="1100"/>
+                        <a:t>User Profiles</a:t>
+                      </a:r>
+                    </a:p>
+                  </a:txBody>
+                  <a:tcPr>
+                    <a:solidFill>
+                      <a:srgbClr val="E7E6E6"/>
+                    </a:solidFill>
+                  </a:tcPr>
+                </a:tc>
+                <a:tc>
+                  <a:txBody>
+                    <a:bodyPr/>
+                    <a:lstStyle/>
+                    <a:p>
+                      <a:r>
+                        <a:rPr sz="1100"/>
+                        <a:t>10 GB per user</a:t>
+                      </a:r>
+                    </a:p>
+                  </a:txBody>
+                  <a:tcPr>
+                    <a:solidFill>
+                      <a:srgbClr val="E7E6E6"/>
+                    </a:solidFill>
+                  </a:tcPr>
+                </a:tc>
+              </a:tr>
+              <a:tr h="370840">
+                <a:tc>
+                  <a:txBody>
+                    <a:bodyPr/>
+                    <a:lstStyle/>
+                    <a:p>
+                      <a:r>
+                        <a:rPr sz="1100"/>
+                        <a:t>Data Volume</a:t>
+                      </a:r>
+                    </a:p>
+                  </a:txBody>
+                  <a:tcPr>
+                    <a:solidFill>
+                      <a:srgbClr val="E7E6E6"/>
+                    </a:solidFill>
+                  </a:tcPr>
+                </a:tc>
+                <a:tc>
+                  <a:txBody>
+                    <a:bodyPr/>
+                    <a:lstStyle/>
+                    <a:p>
+                      <a:r>
+                        <a:rPr sz="1100"/>
+                        <a:t>Application Data</a:t>
+                      </a:r>
+                    </a:p>
+                  </a:txBody>
+                  <a:tcPr>
+                    <a:solidFill>
+                      <a:srgbClr val="E7E6E6"/>
+                    </a:solidFill>
+                  </a:tcPr>
+                </a:tc>
+                <a:tc>
+                  <a:txBody>
+                    <a:bodyPr/>
+                    <a:lstStyle/>
+                    <a:p>
+                      <a:r>
+                        <a:rPr sz="1100"/>
+                        <a:t>500 GB shared storage</a:t>
+                      </a:r>
+                    </a:p>
+                  </a:txBody>
+                  <a:tcPr>
+                    <a:solidFill>
+                      <a:srgbClr val="E7E6E6"/>
+                    </a:solidFill>
+                  </a:tcPr>
+                </a:tc>
+              </a:tr>
+              <a:tr h="370840">
+                <a:tc>
+                  <a:txBody>
+                    <a:bodyPr/>
+                    <a:lstStyle/>
+                    <a:p>
+                      <a:r>
+                        <a:rPr sz="1100"/>
+                        <a:t>Technical Environment</a:t>
+                      </a:r>
+                    </a:p>
+                  </a:txBody>
+                  <a:tcPr>
+                    <a:solidFill>
+                      <a:srgbClr val="E7E6E6"/>
+                    </a:solidFill>
+                  </a:tcPr>
+                </a:tc>
+                <a:tc>
+                  <a:txBody>
+                    <a:bodyPr/>
+                    <a:lstStyle/>
+                    <a:p>
+                      <a:r>
+                        <a:rPr sz="1100"/>
+                        <a:t>Deployment Regions</a:t>
+                      </a:r>
+                    </a:p>
+                  </a:txBody>
+                  <a:tcPr>
+                    <a:solidFill>
+                      <a:srgbClr val="E7E6E6"/>
+                    </a:solidFill>
+                  </a:tcPr>
+                </a:tc>
+                <a:tc>
+                  <a:txBody>
+                    <a:bodyPr/>
+                    <a:lstStyle/>
+                    <a:p>
+                      <a:r>
+                        <a:rPr sz="1100"/>
+                        <a:t>Single Azure region (East US)</a:t>
+                      </a:r>
+                    </a:p>
+                  </a:txBody>
+                  <a:tcPr>
+                    <a:solidFill>
+                      <a:srgbClr val="E7E6E6"/>
+                    </a:solidFill>
+                  </a:tcPr>
+                </a:tc>
+              </a:tr>
+              <a:tr h="370840">
+                <a:tc>
+                  <a:txBody>
+                    <a:bodyPr/>
+                    <a:lstStyle/>
+                    <a:p>
+                      <a:r>
+                        <a:rPr sz="1100"/>
+                        <a:t>Technical Environment</a:t>
+                      </a:r>
+                    </a:p>
+                  </a:txBody>
+                  <a:tcPr>
+                    <a:solidFill>
+                      <a:srgbClr val="E7E6E6"/>
+                    </a:solidFill>
+                  </a:tcPr>
+                </a:tc>
+                <a:tc>
+                  <a:txBody>
+                    <a:bodyPr/>
+                    <a:lstStyle/>
+                    <a:p>
+                      <a:r>
+                        <a:rPr sz="1100"/>
+                        <a:t>Availability Requirements</a:t>
+                      </a:r>
+                    </a:p>
+                  </a:txBody>
+                  <a:tcPr>
+                    <a:solidFill>
+                      <a:srgbClr val="E7E6E6"/>
+                    </a:solidFill>
+                  </a:tcPr>
+                </a:tc>
+                <a:tc>
+                  <a:txBody>
+                    <a:bodyPr/>
+                    <a:lstStyle/>
+                    <a:p>
+                      <a:r>
+                        <a:rPr sz="1100"/>
+                        <a:t>Standard (99.9%)</a:t>
+                      </a:r>
+                    </a:p>
+                  </a:txBody>
+                  <a:tcPr>
+                    <a:solidFill>
+                      <a:srgbClr val="E7E6E6"/>
+                    </a:solidFill>
+                  </a:tcPr>
+                </a:tc>
+              </a:tr>
+              <a:tr h="370840">
+                <a:tc>
+                  <a:txBody>
+                    <a:bodyPr/>
+                    <a:lstStyle/>
+                    <a:p>
+                      <a:r>
+                        <a:rPr sz="1100"/>
+                        <a:t>Technical Environment</a:t>
+                      </a:r>
+                    </a:p>
+                  </a:txBody>
+                  <a:tcPr>
+                    <a:solidFill>
+                      <a:srgbClr val="E7E6E6"/>
+                    </a:solidFill>
+                  </a:tcPr>
+                </a:tc>
+                <a:tc>
+                  <a:txBody>
+                    <a:bodyPr/>
+                    <a:lstStyle/>
+                    <a:p>
+                      <a:r>
+                        <a:rPr sz="1100"/>
+                        <a:t>Infrastructure Complexity</a:t>
+                      </a:r>
+                    </a:p>
+                  </a:txBody>
+                  <a:tcPr>
+                    <a:solidFill>
+                      <a:srgbClr val="E7E6E6"/>
+                    </a:solidFill>
+                  </a:tcPr>
+                </a:tc>
+                <a:tc>
+                  <a:txBody>
+                    <a:bodyPr/>
+                    <a:lstStyle/>
+                    <a:p>
+                      <a:r>
+                        <a:rPr sz="1100"/>
+                        <a:t>Multi-session Windows 11 hosts</a:t>
+                      </a:r>
+                    </a:p>
+                  </a:txBody>
+                  <a:tcPr>
+                    <a:solidFill>
+                      <a:srgbClr val="E7E6E6"/>
+                    </a:solidFill>
+                  </a:tcPr>
+                </a:tc>
+              </a:tr>
+              <a:tr h="370840">
+                <a:tc>
+                  <a:txBody>
+                    <a:bodyPr/>
+                    <a:lstStyle/>
+                    <a:p>
+                      <a:r>
+                        <a:rPr sz="1100"/>
+                        <a:t>Security &amp; Compliance</a:t>
+                      </a:r>
+                    </a:p>
+                  </a:txBody>
+                  <a:tcPr>
+                    <a:solidFill>
+                      <a:srgbClr val="E7E6E6"/>
+                    </a:solidFill>
+                  </a:tcPr>
+                </a:tc>
+                <a:tc>
+                  <a:txBody>
+                    <a:bodyPr/>
+                    <a:lstStyle/>
+                    <a:p>
+                      <a:r>
+                        <a:rPr sz="1100"/>
+                        <a:t>Security Requirements</a:t>
+                      </a:r>
+                    </a:p>
+                  </a:txBody>
+                  <a:tcPr>
+                    <a:solidFill>
+                      <a:srgbClr val="E7E6E6"/>
+                    </a:solidFill>
+                  </a:tcPr>
+                </a:tc>
+                <a:tc>
+                  <a:txBody>
+                    <a:bodyPr/>
+                    <a:lstStyle/>
+                    <a:p>
+                      <a:r>
+                        <a:rPr sz="1100"/>
+                        <a:t>Conditional Access MFA Intune</a:t>
+                      </a:r>
+                    </a:p>
+                  </a:txBody>
+                  <a:tcPr>
+                    <a:solidFill>
+                      <a:srgbClr val="E7E6E6"/>
+                    </a:solidFill>
+                  </a:tcPr>
+                </a:tc>
+              </a:tr>
+              <a:tr h="370840">
+                <a:tc>
+                  <a:txBody>
+                    <a:bodyPr/>
+                    <a:lstStyle/>
+                    <a:p>
+                      <a:r>
+                        <a:rPr sz="1100"/>
+                        <a:t>Security &amp; Compliance</a:t>
+                      </a:r>
+                    </a:p>
+                  </a:txBody>
+                  <a:tcPr>
+                    <a:solidFill>
+                      <a:srgbClr val="E7E6E6"/>
+                    </a:solidFill>
+                  </a:tcPr>
+                </a:tc>
+                <a:tc>
+                  <a:txBody>
+                    <a:bodyPr/>
+                    <a:lstStyle/>
+                    <a:p>
+                      <a:r>
+                        <a:rPr sz="1100"/>
+                        <a:t>Compliance Frameworks</a:t>
+                      </a:r>
+                    </a:p>
+                  </a:txBody>
+                  <a:tcPr>
+                    <a:solidFill>
+                      <a:srgbClr val="E7E6E6"/>
+                    </a:solidFill>
+                  </a:tcPr>
+                </a:tc>
+                <a:tc>
+                  <a:txBody>
+                    <a:bodyPr/>
+                    <a:lstStyle/>
+                    <a:p>
+                      <a:r>
+                        <a:rPr sz="1100"/>
+                        <a:t>SOC2</a:t>
+                      </a:r>
+                    </a:p>
+                  </a:txBody>
+                  <a:tcPr>
+                    <a:solidFill>
+                      <a:srgbClr val="E7E6E6"/>
+                    </a:solidFill>
+                  </a:tcPr>
+                </a:tc>
+              </a:tr>
+              <a:tr h="370840">
+                <a:tc>
+                  <a:txBody>
+                    <a:bodyPr/>
+                    <a:lstStyle/>
+                    <a:p>
+                      <a:r>
+                        <a:rPr sz="1100"/>
+                        <a:t>Performance</a:t>
+                      </a:r>
+                    </a:p>
+                  </a:txBody>
+                  <a:tcPr>
+                    <a:solidFill>
+                      <a:srgbClr val="E7E6E6"/>
+                    </a:solidFill>
+                  </a:tcPr>
+                </a:tc>
+                <a:tc>
+                  <a:txBody>
+                    <a:bodyPr/>
+                    <a:lstStyle/>
+                    <a:p>
+                      <a:r>
+                        <a:rPr sz="1100"/>
+                        <a:t>User Experience</a:t>
+                      </a:r>
+                    </a:p>
+                  </a:txBody>
+                  <a:tcPr>
+                    <a:solidFill>
+                      <a:srgbClr val="E7E6E6"/>
+                    </a:solidFill>
+                  </a:tcPr>
+                </a:tc>
+                <a:tc>
+                  <a:txBody>
+                    <a:bodyPr/>
+                    <a:lstStyle/>
+                    <a:p>
+                      <a:r>
+                        <a:rPr sz="1100"/>
+                        <a:t>Standard latency requirements</a:t>
+                      </a:r>
+                    </a:p>
+                  </a:txBody>
+                  <a:tcPr>
+                    <a:solidFill>
+                      <a:srgbClr val="E7E6E6"/>
+                    </a:solidFill>
+                  </a:tcPr>
+                </a:tc>
+              </a:tr>
+              <a:tr h="370840">
+                <a:tc>
+                  <a:txBody>
+                    <a:bodyPr/>
+                    <a:lstStyle/>
+                    <a:p>
+                      <a:r>
+                        <a:rPr sz="1100"/>
+                        <a:t>Performance</a:t>
+                      </a:r>
+                    </a:p>
+                  </a:txBody>
+                  <a:tcPr>
+                    <a:solidFill>
+                      <a:srgbClr val="E7E6E6"/>
+                    </a:solidFill>
+                  </a:tcPr>
+                </a:tc>
+                <a:tc>
+                  <a:txBody>
+                    <a:bodyPr/>
+                    <a:lstStyle/>
+                    <a:p>
+                      <a:r>
+                        <a:rPr sz="1100"/>
+                        <a:t>Graphics Requirements</a:t>
+                      </a:r>
+                    </a:p>
+                  </a:txBody>
+                  <a:tcPr>
+                    <a:solidFill>
+                      <a:srgbClr val="E7E6E6"/>
+                    </a:solidFill>
+                  </a:tcPr>
+                </a:tc>
+                <a:tc>
+                  <a:txBody>
+                    <a:bodyPr/>
+                    <a:lstStyle/>
+                    <a:p>
+                      <a:r>
+                        <a:rPr sz="1100"/>
+                        <a:t>Standard office workloads</a:t>
+                      </a:r>
+                    </a:p>
+                  </a:txBody>
+                  <a:tcPr>
+                    <a:solidFill>
+                      <a:srgbClr val="E7E6E6"/>
+                    </a:solidFill>
+                  </a:tcPr>
+                </a:tc>
+              </a:tr>
+              <a:tr h="370840">
+                <a:tc>
+                  <a:txBody>
+                    <a:bodyPr/>
+                    <a:lstStyle/>
+                    <a:p>
+                      <a:r>
+                        <a:rPr sz="1100"/>
+                        <a:t>Environment</a:t>
+                      </a:r>
+                    </a:p>
+                  </a:txBody>
+                  <a:tcPr>
+                    <a:solidFill>
+                      <a:srgbClr val="E7E6E6"/>
+                    </a:solidFill>
+                  </a:tcPr>
+                </a:tc>
+                <a:tc>
+                  <a:txBody>
+                    <a:bodyPr/>
+                    <a:lstStyle/>
+                    <a:p>
+                      <a:r>
+                        <a:rPr sz="1100"/>
+                        <a:t>Deployment Environments</a:t>
+                      </a:r>
+                    </a:p>
+                  </a:txBody>
+                  <a:tcPr>
+                    <a:solidFill>
+                      <a:srgbClr val="E7E6E6"/>
+                    </a:solidFill>
+                  </a:tcPr>
+                </a:tc>
+                <a:tc>
+                  <a:txBody>
+                    <a:bodyPr/>
+                    <a:lstStyle/>
+                    <a:p>
+                      <a:r>
+                        <a:rPr sz="1100"/>
+                        <a:t>2 environments (pilot prod)</a:t>
+                      </a:r>
+                    </a:p>
+                  </a:txBody>
+                  <a:tcPr>
+                    <a:solidFill>
+                      <a:srgbClr val="E7E6E6"/>
+                    </a:solidFill>
+                  </a:tcPr>
+                </a:tc>
+              </a:tr>
+            </a:tbl>
+          </a:graphicData>
+        </a:graphic>
+      </p:graphicFrame>
+      <p:pic>
+        <p:nvPicPr>
+          <p:cNvPr id="5" name="Picture 4" descr="eo-framework-logo-real.png"/>
+          <p:cNvPicPr>
+            <a:picLocks noChangeAspect="1"/>
+          </p:cNvPicPr>
+          <p:nvPr/>
+        </p:nvPicPr>
+        <p:blipFill>
+          <a:blip r:embed="rId3"/>
+          <a:stretch>
+            <a:fillRect/>
+          </a:stretch>
+        </p:blipFill>
+        <p:spPr>
+          <a:xfrm>
+            <a:off x="6684264" y="4535424"/>
+            <a:ext cx="2139696" cy="530352"/>
+          </a:xfrm>
+          <a:prstGeom prst="rect">
+            <a:avLst/>
+          </a:prstGeom>
+        </p:spPr>
+      </p:pic>
+    </p:spTree>
+  </p:cSld>
+  <p:clrMapOvr>
+    <a:masterClrMapping/>
+  </p:clrMapOvr>
+</p:sld>
+</file>
+
+<file path=ppt/slides/slide4.xml><?xml version="1.0" encoding="utf-8"?>
+<p:sld xmlns:a="http://schemas.openxmlformats.org/drawingml/2006/main" xmlns:p="http://schemas.openxmlformats.org/presentationml/2006/main" xmlns:r="http://schemas.openxmlformats.org/officeDocument/2006/relationships">
+  <p:cSld>
+    <p:spTree>
+      <p:nvGrpSpPr>
+        <p:cNvPr id="1" name=""/>
+        <p:cNvGrpSpPr/>
+        <p:nvPr/>
+      </p:nvGrpSpPr>
+      <p:grpSpPr/>
+      <p:sp>
+        <p:nvSpPr>
+          <p:cNvPr id="2" name="Text Placeholder 1"/>
+          <p:cNvSpPr>
+            <a:spLocks noGrp="1"/>
+          </p:cNvSpPr>
+          <p:nvPr>
+            <p:ph type="body" idx="10" sz="quarter"/>
+          </p:nvPr>
+        </p:nvSpPr>
+        <p:spPr/>
+        <p:txBody>
+          <a:bodyPr/>
+          <a:lstStyle/>
+          <a:p>
             <a:r>
               <a:t>Solution Overview</a:t>
             </a:r>
@@ -3785,56 +4992,110 @@
             <a:pPr/>
             <a:r>
               <a:rPr b="1"/>
-              <a:t>AVD Core Components</a:t>
+              <a:t>Key Components</a:t>
             </a:r>
           </a:p>
           <a:p>
             <a:pPr lvl="1"/>
             <a:r>
-              <a:t>Windows 11 Multi-Session VMs with 20 session hosts supporting 100 concurrent users</a:t>
+              <a:rPr b="1"/>
+              <a:t>Host Pools:</a:t>
+            </a:r>
+            <a:r>
+              <a:t> Pooled (multi-session Windows 10/11) or personal (dedicated per-user) configurations</a:t>
             </a:r>
           </a:p>
           <a:p>
             <a:pPr lvl="1"/>
             <a:r>
-              <a:t>Azure AD integration for unified identity and conditional access policies</a:t>
+              <a:rPr b="1"/>
+              <a:t>Session Hosts:</a:t>
+            </a:r>
+            <a:r>
+              <a:t> Azure VMs (D4s_v5 series) running Windows 10/11 Multi-session with load balancing</a:t>
             </a:r>
           </a:p>
           <a:p>
             <a:pPr lvl="1"/>
             <a:r>
-              <a:t>FSLogix user profile containers for seamless profile roaming and application persistence</a:t>
+              <a:rPr b="1"/>
+              <a:t>FSLogix Profile Management:</a:t>
+            </a:r>
+            <a:r>
+              <a:t> Unified profile containers and Office containers for persistent user data</a:t>
+            </a:r>
+          </a:p>
+          <a:p>
+            <a:pPr lvl="1"/>
+            <a:r>
+              <a:rPr b="1"/>
+              <a:t>Azure Files:</a:t>
+            </a:r>
+            <a:r>
+              <a:t> SMB-based storage for profile and user-specific data with fast access</a:t>
+            </a:r>
+          </a:p>
+          <a:p>
+            <a:pPr lvl="1"/>
+            <a:r>
+              <a:rPr b="1"/>
+              <a:t>Azure AD &amp; Conditional Access:</a:t>
+            </a:r>
+            <a:r>
+              <a:t> Enterprise identity management with policy-driven access control</a:t>
+            </a:r>
+          </a:p>
+          <a:p>
+            <a:pPr lvl="1"/>
+            <a:r>
+              <a:rPr b="1"/>
+              <a:t>Azure Monitor:</a:t>
+            </a:r>
+            <a:r>
+              <a:t> Real-time diagnostics, performance monitoring, and health alerts</a:t>
             </a:r>
           </a:p>
           <a:p>
             <a:pPr/>
             <a:r>
               <a:rPr b="1"/>
-              <a:t>Platform Architecture</a:t>
+              <a:t>Technology Stack</a:t>
             </a:r>
           </a:p>
           <a:p>
             <a:pPr lvl="1"/>
             <a:r>
-              <a:t>Azure Virtual Network with hub-spoke topology for connectivity and security</a:t>
+              <a:t>Platform: Azure Virtual Desktop (AVD)</a:t>
             </a:r>
           </a:p>
           <a:p>
             <a:pPr lvl="1"/>
             <a:r>
-              <a:t>Azure Files Premium storage for FSLogix containers and user data</a:t>
+              <a:t>Session Hosts: Windows 10/11 Multi-session (D4s_v5 VMs)</a:t>
             </a:r>
           </a:p>
           <a:p>
             <a:pPr lvl="1"/>
             <a:r>
-              <a:t>Azure Monitor with Log Analytics for comprehensive diagnostics and compliance</a:t>
+              <a:t>Storage: Azure Files + FSLogix</a:t>
             </a:r>
           </a:p>
           <a:p>
             <a:pPr lvl="1"/>
             <a:r>
-              <a:t>Intune device management for BYOD and corporate device support</a:t>
+              <a:t>Identity: Azure AD / Microsoft Entra ID</a:t>
+            </a:r>
+          </a:p>
+          <a:p>
+            <a:pPr lvl="1"/>
+            <a:r>
+              <a:t>Security: Network Security Groups, Private Endpoints</a:t>
+            </a:r>
+          </a:p>
+          <a:p>
+            <a:pPr lvl="1"/>
+            <a:r>
+              <a:t>Monitoring: Azure Monitor, Diagnostics Services</a:t>
             </a:r>
           </a:p>
         </p:txBody>
@@ -3857,179 +5118,6 @@
           <a:xfrm>
             <a:off x="4662488" y="1303034"/>
             <a:ext cx="4337050" cy="2581389"/>
-          </a:xfrm>
-          <a:prstGeom prst="rect">
-            <a:avLst/>
-          </a:prstGeom>
-        </p:spPr>
-      </p:pic>
-    </p:spTree>
-  </p:cSld>
-  <p:clrMapOvr>
-    <a:masterClrMapping/>
-  </p:clrMapOvr>
-</p:sld>
-</file>
-
-<file path=ppt/slides/slide4.xml><?xml version="1.0" encoding="utf-8"?>
-<p:sld xmlns:a="http://schemas.openxmlformats.org/drawingml/2006/main" xmlns:p="http://schemas.openxmlformats.org/presentationml/2006/main" xmlns:r="http://schemas.openxmlformats.org/officeDocument/2006/relationships">
-  <p:cSld>
-    <p:spTree>
-      <p:nvGrpSpPr>
-        <p:cNvPr id="1" name=""/>
-        <p:cNvGrpSpPr/>
-        <p:nvPr/>
-      </p:nvGrpSpPr>
-      <p:grpSpPr/>
-      <p:sp>
-        <p:nvSpPr>
-          <p:cNvPr id="2" name="Text Placeholder 1"/>
-          <p:cNvSpPr>
-            <a:spLocks noGrp="1"/>
-          </p:cNvSpPr>
-          <p:nvPr>
-            <p:ph type="body" idx="10" sz="quarter"/>
-          </p:nvPr>
-        </p:nvSpPr>
-        <p:spPr/>
-        <p:txBody>
-          <a:bodyPr/>
-          <a:lstStyle/>
-          <a:p>
-            <a:r>
-              <a:t>Implementation Approach</a:t>
-            </a:r>
-          </a:p>
-        </p:txBody>
-      </p:sp>
-      <p:pic>
-        <p:nvPicPr>
-          <p:cNvPr id="3" name="Picture Placeholder 2" descr="consulting_company_logo.png"/>
-          <p:cNvPicPr>
-            <a:picLocks noGrp="1" noChangeAspect="1"/>
-          </p:cNvPicPr>
-          <p:nvPr>
-            <p:ph type="pic" idx="13" sz="quarter"/>
-          </p:nvPr>
-        </p:nvPicPr>
-        <p:blipFill>
-          <a:blip r:embed="rId2"/>
-          <a:srcRect t="6762" b="6762"/>
-          <a:stretch>
-            <a:fillRect/>
-          </a:stretch>
-        </p:blipFill>
-        <p:spPr/>
-      </p:pic>
-      <p:sp>
-        <p:nvSpPr>
-          <p:cNvPr id="4" name="Text Placeholder 3"/>
-          <p:cNvSpPr>
-            <a:spLocks noGrp="1"/>
-          </p:cNvSpPr>
-          <p:nvPr>
-            <p:ph type="body" idx="14" sz="quarter"/>
-          </p:nvPr>
-        </p:nvSpPr>
-        <p:spPr/>
-        <p:txBody>
-          <a:bodyPr/>
-          <a:lstStyle/>
-          <a:p>
-            <a:pPr/>
-            <a:r>
-              <a:rPr b="1"/>
-              <a:t>Phase 1: Discovery &amp; Planning (Weeks 1-2)</a:t>
-            </a:r>
-          </a:p>
-          <a:p>
-            <a:pPr lvl="1"/>
-            <a:r>
-              <a:t>Assess current environment and user requirements</a:t>
-            </a:r>
-          </a:p>
-          <a:p>
-            <a:pPr lvl="1"/>
-            <a:r>
-              <a:t>Design AVD architecture with security and performance considerations</a:t>
-            </a:r>
-          </a:p>
-          <a:p>
-            <a:pPr lvl="1"/>
-            <a:r>
-              <a:t>Plan network connectivity and application compatibility validation</a:t>
-            </a:r>
-          </a:p>
-          <a:p>
-            <a:pPr/>
-            <a:r>
-              <a:rPr b="1"/>
-              <a:t>Phase 2: Infrastructure Deployment (Weeks 3-5)</a:t>
-            </a:r>
-          </a:p>
-          <a:p>
-            <a:pPr lvl="1"/>
-            <a:r>
-              <a:t>Deploy Azure Virtual Network and identity infrastructure</a:t>
-            </a:r>
-          </a:p>
-          <a:p>
-            <a:pPr lvl="1"/>
-            <a:r>
-              <a:t>Configure D4s_v5 session hosts with Windows 11 Multi-Session</a:t>
-            </a:r>
-          </a:p>
-          <a:p>
-            <a:pPr lvl="1"/>
-            <a:r>
-              <a:t>Set up Azure Files Premium and FSLogix profile containers</a:t>
-            </a:r>
-          </a:p>
-          <a:p>
-            <a:pPr/>
-            <a:r>
-              <a:rPr b="1"/>
-              <a:t>Phase 3: Application Deployment, Migration &amp; Hypercare (Weeks 6-10)</a:t>
-            </a:r>
-          </a:p>
-          <a:p>
-            <a:pPr lvl="1"/>
-            <a:r>
-              <a:t>Deploy Microsoft 365 and critical business applications with UAT validation</a:t>
-            </a:r>
-          </a:p>
-          <a:p>
-            <a:pPr lvl="1"/>
-            <a:r>
-              <a:t>Migrate users in waves to new AVD environment with application testing</a:t>
-            </a:r>
-          </a:p>
-          <a:p>
-            <a:pPr lvl="1"/>
-            <a:r>
-              <a:t>Provide 30-day hypercare support and transition to operations team</a:t>
-            </a:r>
-          </a:p>
-        </p:txBody>
-      </p:sp>
-      <p:pic>
-        <p:nvPicPr>
-          <p:cNvPr id="5" name="Picture 4" descr="eo-framework-logo-real.png"/>
-          <p:cNvPicPr>
-            <a:picLocks noChangeAspect="1"/>
-          </p:cNvPicPr>
-          <p:nvPr/>
-        </p:nvPicPr>
-        <p:blipFill>
-          <a:blip r:embed="rId3"/>
-          <a:stretch>
-            <a:fillRect/>
-          </a:stretch>
-        </p:blipFill>
-        <p:spPr>
-          <a:xfrm>
-            <a:off x="6684264" y="4535424"/>
-            <a:ext cx="2139696" cy="530352"/>
           </a:xfrm>
           <a:prstGeom prst="rect">
             <a:avLst/>
@@ -4069,10 +5157,8 @@
           <a:bodyPr/>
           <a:lstStyle/>
           <a:p>
-            <a:pPr algn="l"/>
-            <a:r>
-              <a:rPr b="1"/>
-              <a:t>Timeline &amp; Milestones</a:t>
+            <a:r>
+              <a:t>Implementation Approach</a:t>
             </a:r>
           </a:p>
         </p:txBody>
@@ -4089,339 +5175,131 @@
         </p:nvPicPr>
         <p:blipFill>
           <a:blip r:embed="rId2"/>
-          <a:srcRect t="6404" b="6404"/>
+          <a:srcRect t="6762" b="6762"/>
           <a:stretch>
             <a:fillRect/>
           </a:stretch>
         </p:blipFill>
         <p:spPr/>
       </p:pic>
-      <p:graphicFrame>
-        <p:nvGraphicFramePr>
-          <p:cNvPr id="4" name="Table Placeholder 3"/>
-          <p:cNvGraphicFramePr>
-            <a:graphicFrameLocks noGrp="1"/>
-          </p:cNvGraphicFramePr>
+      <p:sp>
+        <p:nvSpPr>
+          <p:cNvPr id="4" name="Text Placeholder 3"/>
+          <p:cNvSpPr>
+            <a:spLocks noGrp="1"/>
+          </p:cNvSpPr>
           <p:nvPr>
-            <p:ph type="tbl" idx="14" sz="quarter"/>
+            <p:ph type="body" idx="14" sz="quarter"/>
           </p:nvPr>
-        </p:nvGraphicFramePr>
-        <p:xfrm>
-          <a:off x="256855" y="677011"/>
-          <a:ext cx="8710931" cy="1483360"/>
-        </p:xfrm>
-        <a:graphic>
-          <a:graphicData uri="http://schemas.openxmlformats.org/drawingml/2006/table">
-            <a:tbl>
-              <a:tblPr firstRow="1" bandRow="1">
-                <a:tableStyleId>{5C22544A-7EE6-4342-B048-85BDC9FD1C3A}</a:tableStyleId>
-              </a:tblPr>
-              <a:tblGrid>
-                <a:gridCol w="871093"/>
-                <a:gridCol w="2177733"/>
-                <a:gridCol w="1306639"/>
-                <a:gridCol w="4355466"/>
-              </a:tblGrid>
-              <a:tr h="370840">
-                <a:tc>
-                  <a:txBody>
-                    <a:bodyPr/>
-                    <a:lstStyle/>
-                    <a:p>
-                      <a:r>
-                        <a:rPr sz="1400">
-                          <a:solidFill>
-                            <a:srgbClr val="FFFFFF"/>
-                          </a:solidFill>
-                        </a:rPr>
-                        <a:t>Phase No</a:t>
-                      </a:r>
-                    </a:p>
-                  </a:txBody>
-                  <a:tcPr>
-                    <a:solidFill>
-                      <a:srgbClr val="A01C02"/>
-                    </a:solidFill>
-                  </a:tcPr>
-                </a:tc>
-                <a:tc>
-                  <a:txBody>
-                    <a:bodyPr/>
-                    <a:lstStyle/>
-                    <a:p>
-                      <a:r>
-                        <a:rPr sz="1400">
-                          <a:solidFill>
-                            <a:srgbClr val="FFFFFF"/>
-                          </a:solidFill>
-                        </a:rPr>
-                        <a:t>Phase Description</a:t>
-                      </a:r>
-                    </a:p>
-                  </a:txBody>
-                  <a:tcPr>
-                    <a:solidFill>
-                      <a:srgbClr val="A01C02"/>
-                    </a:solidFill>
-                  </a:tcPr>
-                </a:tc>
-                <a:tc>
-                  <a:txBody>
-                    <a:bodyPr/>
-                    <a:lstStyle/>
-                    <a:p>
-                      <a:r>
-                        <a:rPr sz="1400">
-                          <a:solidFill>
-                            <a:srgbClr val="FFFFFF"/>
-                          </a:solidFill>
-                        </a:rPr>
-                        <a:t>Timeline</a:t>
-                      </a:r>
-                    </a:p>
-                  </a:txBody>
-                  <a:tcPr>
-                    <a:solidFill>
-                      <a:srgbClr val="A01C02"/>
-                    </a:solidFill>
-                  </a:tcPr>
-                </a:tc>
-                <a:tc>
-                  <a:txBody>
-                    <a:bodyPr/>
-                    <a:lstStyle/>
-                    <a:p>
-                      <a:r>
-                        <a:rPr sz="1400">
-                          <a:solidFill>
-                            <a:srgbClr val="FFFFFF"/>
-                          </a:solidFill>
-                        </a:rPr>
-                        <a:t>Key Deliverables</a:t>
-                      </a:r>
-                    </a:p>
-                  </a:txBody>
-                  <a:tcPr>
-                    <a:solidFill>
-                      <a:srgbClr val="A01C02"/>
-                    </a:solidFill>
-                  </a:tcPr>
-                </a:tc>
-              </a:tr>
-              <a:tr h="370840">
-                <a:tc>
-                  <a:txBody>
-                    <a:bodyPr/>
-                    <a:lstStyle/>
-                    <a:p>
-                      <a:r>
-                        <a:rPr sz="1100"/>
-                        <a:t>Phase 1</a:t>
-                      </a:r>
-                    </a:p>
-                  </a:txBody>
-                  <a:tcPr>
-                    <a:solidFill>
-                      <a:srgbClr val="E7E6E6"/>
-                    </a:solidFill>
-                  </a:tcPr>
-                </a:tc>
-                <a:tc>
-                  <a:txBody>
-                    <a:bodyPr/>
-                    <a:lstStyle/>
-                    <a:p>
-                      <a:r>
-                        <a:rPr sz="1100"/>
-                        <a:t>Discovery &amp; Planning</a:t>
-                      </a:r>
-                    </a:p>
-                  </a:txBody>
-                  <a:tcPr>
-                    <a:solidFill>
-                      <a:srgbClr val="E7E6E6"/>
-                    </a:solidFill>
-                  </a:tcPr>
-                </a:tc>
-                <a:tc>
-                  <a:txBody>
-                    <a:bodyPr/>
-                    <a:lstStyle/>
-                    <a:p>
-                      <a:r>
-                        <a:rPr sz="1100"/>
-                        <a:t>Weeks 1-2</a:t>
-                      </a:r>
-                    </a:p>
-                  </a:txBody>
-                  <a:tcPr>
-                    <a:solidFill>
-                      <a:srgbClr val="E7E6E6"/>
-                    </a:solidFill>
-                  </a:tcPr>
-                </a:tc>
-                <a:tc>
-                  <a:txBody>
-                    <a:bodyPr/>
-                    <a:lstStyle/>
-                    <a:p>
-                      <a:r>
-                        <a:rPr sz="1100"/>
-                        <a:t>Requirements validated, Architecture designed, Project plan approved</a:t>
-                      </a:r>
-                    </a:p>
-                  </a:txBody>
-                  <a:tcPr>
-                    <a:solidFill>
-                      <a:srgbClr val="E7E6E6"/>
-                    </a:solidFill>
-                  </a:tcPr>
-                </a:tc>
-              </a:tr>
-              <a:tr h="370840">
-                <a:tc>
-                  <a:txBody>
-                    <a:bodyPr/>
-                    <a:lstStyle/>
-                    <a:p>
-                      <a:r>
-                        <a:rPr sz="1100"/>
-                        <a:t>Phase 2</a:t>
-                      </a:r>
-                    </a:p>
-                  </a:txBody>
-                  <a:tcPr>
-                    <a:solidFill>
-                      <a:srgbClr val="E7E6E6"/>
-                    </a:solidFill>
-                  </a:tcPr>
-                </a:tc>
-                <a:tc>
-                  <a:txBody>
-                    <a:bodyPr/>
-                    <a:lstStyle/>
-                    <a:p>
-                      <a:r>
-                        <a:rPr sz="1100"/>
-                        <a:t>Infrastructure Deployment</a:t>
-                      </a:r>
-                    </a:p>
-                  </a:txBody>
-                  <a:tcPr>
-                    <a:solidFill>
-                      <a:srgbClr val="E7E6E6"/>
-                    </a:solidFill>
-                  </a:tcPr>
-                </a:tc>
-                <a:tc>
-                  <a:txBody>
-                    <a:bodyPr/>
-                    <a:lstStyle/>
-                    <a:p>
-                      <a:r>
-                        <a:rPr sz="1100"/>
-                        <a:t>Weeks 3-5</a:t>
-                      </a:r>
-                    </a:p>
-                  </a:txBody>
-                  <a:tcPr>
-                    <a:solidFill>
-                      <a:srgbClr val="E7E6E6"/>
-                    </a:solidFill>
-                  </a:tcPr>
-                </a:tc>
-                <a:tc>
-                  <a:txBody>
-                    <a:bodyPr/>
-                    <a:lstStyle/>
-                    <a:p>
-                      <a:r>
-                        <a:rPr sz="1100"/>
-                        <a:t>Azure networking live, Session hosts operational, FSLogix configured</a:t>
-                      </a:r>
-                    </a:p>
-                  </a:txBody>
-                  <a:tcPr>
-                    <a:solidFill>
-                      <a:srgbClr val="E7E6E6"/>
-                    </a:solidFill>
-                  </a:tcPr>
-                </a:tc>
-              </a:tr>
-              <a:tr h="370840">
-                <a:tc>
-                  <a:txBody>
-                    <a:bodyPr/>
-                    <a:lstStyle/>
-                    <a:p>
-                      <a:r>
-                        <a:rPr sz="1100"/>
-                        <a:t>Phase 3</a:t>
-                      </a:r>
-                    </a:p>
-                  </a:txBody>
-                  <a:tcPr>
-                    <a:solidFill>
-                      <a:srgbClr val="E7E6E6"/>
-                    </a:solidFill>
-                  </a:tcPr>
-                </a:tc>
-                <a:tc>
-                  <a:txBody>
-                    <a:bodyPr/>
-                    <a:lstStyle/>
-                    <a:p>
-                      <a:r>
-                        <a:rPr sz="1100"/>
-                        <a:t>Application Deployment, Migration &amp; Hypercare</a:t>
-                      </a:r>
-                    </a:p>
-                  </a:txBody>
-                  <a:tcPr>
-                    <a:solidFill>
-                      <a:srgbClr val="E7E6E6"/>
-                    </a:solidFill>
-                  </a:tcPr>
-                </a:tc>
-                <a:tc>
-                  <a:txBody>
-                    <a:bodyPr/>
-                    <a:lstStyle/>
-                    <a:p>
-                      <a:r>
-                        <a:rPr sz="1100"/>
-                        <a:t>Weeks 6-10</a:t>
-                      </a:r>
-                    </a:p>
-                  </a:txBody>
-                  <a:tcPr>
-                    <a:solidFill>
-                      <a:srgbClr val="E7E6E6"/>
-                    </a:solidFill>
-                  </a:tcPr>
-                </a:tc>
-                <a:tc>
-                  <a:txBody>
-                    <a:bodyPr/>
-                    <a:lstStyle/>
-                    <a:p>
-                      <a:r>
-                        <a:rPr sz="1100"/>
-                        <a:t>Applications deployed, Users migrated in waves, 30-day hypercare support</a:t>
-                      </a:r>
-                    </a:p>
-                  </a:txBody>
-                  <a:tcPr>
-                    <a:solidFill>
-                      <a:srgbClr val="E7E6E6"/>
-                    </a:solidFill>
-                  </a:tcPr>
-                </a:tc>
-              </a:tr>
-            </a:tbl>
-          </a:graphicData>
-        </a:graphic>
-      </p:graphicFrame>
+        </p:nvSpPr>
+        <p:spPr/>
+        <p:txBody>
+          <a:bodyPr/>
+          <a:lstStyle/>
+          <a:p>
+            <a:pPr/>
+            <a:r>
+              <a:rPr b="1"/>
+              <a:t>Phase 1: Assessment &amp; Design</a:t>
+            </a:r>
+            <a:r>
+              <a:t> *(Weeks 1-3)*</a:t>
+            </a:r>
+          </a:p>
+          <a:p>
+            <a:pPr lvl="1"/>
+            <a:r>
+              <a:t>Current desktop environment discovery and user requirements</a:t>
+            </a:r>
+          </a:p>
+          <a:p>
+            <a:pPr lvl="1"/>
+            <a:r>
+              <a:t>AVD architecture design (pooled vs. personal selection)</a:t>
+            </a:r>
+          </a:p>
+          <a:p>
+            <a:pPr lvl="1"/>
+            <a:r>
+              <a:t>Golden image strategy and application packaging</a:t>
+            </a:r>
+          </a:p>
+          <a:p>
+            <a:pPr lvl="1"/>
+            <a:r>
+              <a:t>Network and security design with NSG and Private Endpoints</a:t>
+            </a:r>
+          </a:p>
+          <a:p>
+            <a:pPr/>
+            <a:r>
+              <a:rPr b="1"/>
+              <a:t>Phase 2: Infrastructure &amp; Golden Image</a:t>
+            </a:r>
+            <a:r>
+              <a:t> *(Weeks 4-6)*</a:t>
+            </a:r>
+          </a:p>
+          <a:p>
+            <a:pPr lvl="1"/>
+            <a:r>
+              <a:t>Azure infrastructure provisioning (host pools, Azure Files, networking)</a:t>
+            </a:r>
+          </a:p>
+          <a:p>
+            <a:pPr lvl="1"/>
+            <a:r>
+              <a:t>Golden image creation and application deployment</a:t>
+            </a:r>
+          </a:p>
+          <a:p>
+            <a:pPr lvl="1"/>
+            <a:r>
+              <a:t>FSLogix profile configuration and testing</a:t>
+            </a:r>
+          </a:p>
+          <a:p>
+            <a:pPr lvl="1"/>
+            <a:r>
+              <a:t>Azure Monitor setup and baseline metrics</a:t>
+            </a:r>
+          </a:p>
+          <a:p>
+            <a:pPr/>
+            <a:r>
+              <a:rPr b="1"/>
+              <a:t>Phase 3: Deployment &amp; Validation</a:t>
+            </a:r>
+            <a:r>
+              <a:t> *(Weeks 7-10)*</a:t>
+            </a:r>
+          </a:p>
+          <a:p>
+            <a:pPr lvl="1"/>
+            <a:r>
+              <a:t>User and group assignment to host pools</a:t>
+            </a:r>
+          </a:p>
+          <a:p>
+            <a:pPr lvl="1"/>
+            <a:r>
+              <a:t>Pilot deployment with business users (10-15 users)</a:t>
+            </a:r>
+          </a:p>
+          <a:p>
+            <a:pPr lvl="1"/>
+            <a:r>
+              <a:t>Performance validation and optimization</a:t>
+            </a:r>
+          </a:p>
+          <a:p>
+            <a:pPr lvl="1"/>
+            <a:r>
+              <a:t>Training and handover to support team</a:t>
+            </a:r>
+          </a:p>
+        </p:txBody>
+      </p:sp>
       <p:pic>
         <p:nvPicPr>
           <p:cNvPr id="5" name="Picture 4" descr="eo-framework-logo-real.png"/>
@@ -4479,8 +5357,10 @@
           <a:bodyPr/>
           <a:lstStyle/>
           <a:p>
-            <a:r>
-              <a:t>Success Stories</a:t>
+            <a:pPr algn="l"/>
+            <a:r>
+              <a:rPr b="1"/>
+              <a:t>Timeline &amp; Milestones</a:t>
             </a:r>
           </a:p>
         </p:txBody>
@@ -4497,93 +5377,339 @@
         </p:nvPicPr>
         <p:blipFill>
           <a:blip r:embed="rId2"/>
-          <a:srcRect t="6762" b="6762"/>
+          <a:srcRect t="6404" b="6404"/>
           <a:stretch>
             <a:fillRect/>
           </a:stretch>
         </p:blipFill>
         <p:spPr/>
       </p:pic>
-      <p:sp>
-        <p:nvSpPr>
-          <p:cNvPr id="4" name="Text Placeholder 3"/>
-          <p:cNvSpPr>
-            <a:spLocks noGrp="1"/>
-          </p:cNvSpPr>
+      <p:graphicFrame>
+        <p:nvGraphicFramePr>
+          <p:cNvPr id="4" name="Table Placeholder 3"/>
+          <p:cNvGraphicFramePr>
+            <a:graphicFrameLocks noGrp="1"/>
+          </p:cNvGraphicFramePr>
           <p:nvPr>
-            <p:ph type="body" idx="14" sz="quarter"/>
+            <p:ph type="tbl" idx="14" sz="quarter"/>
           </p:nvPr>
-        </p:nvSpPr>
-        <p:spPr/>
-        <p:txBody>
-          <a:bodyPr/>
-          <a:lstStyle/>
-          <a:p>
-            <a:pPr/>
-            <a:r>
-              <a:rPr b="1"/>
-              <a:t>Client Success: Global Financial Services Firm</a:t>
-            </a:r>
-          </a:p>
-          <a:p>
-            <a:pPr lvl="1"/>
-            <a:r>
-              <a:rPr b="1"/>
-              <a:t>Client:</a:t>
-            </a:r>
-            <a:r>
-              <a:t> Multi-national bank with 500+ users across 10 locations</a:t>
-            </a:r>
-          </a:p>
-          <a:p>
-            <a:pPr lvl="1"/>
-            <a:r>
-              <a:rPr b="1"/>
-              <a:t>Challenge:</a:t>
-            </a:r>
-            <a:r>
-              <a:t> Aging VDI infrastructure, complex on-premises management, support for hybrid workforce post-pandemic</a:t>
-            </a:r>
-          </a:p>
-          <a:p>
-            <a:pPr lvl="1"/>
-            <a:r>
-              <a:rPr b="1"/>
-              <a:t>Solution:</a:t>
-            </a:r>
-            <a:r>
-              <a:t> Azure Virtual Desktop with 50 D4s_v5 session hosts, FSLogix profiles, Azure AD conditional access, and Microsoft 365 integration</a:t>
-            </a:r>
-          </a:p>
-          <a:p>
-            <a:pPr lvl="1"/>
-            <a:r>
-              <a:rPr b="1"/>
-              <a:t>Results:</a:t>
-            </a:r>
-            <a:r>
-              <a:t> 35% reduction in infrastructure costs ($450K annually), 99.2% availability, user satisfaction 4.7/5.0, IT support tickets reduced by 40%</a:t>
-            </a:r>
-          </a:p>
-          <a:p>
-            <a:pPr lvl="1"/>
-            <a:r>
-              <a:rPr b="1"/>
-              <a:t>Testimonial:</a:t>
-            </a:r>
-            <a:r>
-              <a:t> "Azure Virtual Desktop gave us the flexibility to support any workforce model while reducing operational overhead. Our users love the seamless experience." — </a:t>
-            </a:r>
-            <a:r>
-              <a:rPr b="1"/>
-              <a:t>David Chen, CTO</a:t>
-            </a:r>
-            <a:r>
-              <a:t>, Global Financial Services</a:t>
-            </a:r>
-          </a:p>
-        </p:txBody>
-      </p:sp>
+        </p:nvGraphicFramePr>
+        <p:xfrm>
+          <a:off x="256855" y="677011"/>
+          <a:ext cx="8710931" cy="1483360"/>
+        </p:xfrm>
+        <a:graphic>
+          <a:graphicData uri="http://schemas.openxmlformats.org/drawingml/2006/table">
+            <a:tbl>
+              <a:tblPr firstRow="1" bandRow="1">
+                <a:tableStyleId>{5C22544A-7EE6-4342-B048-85BDC9FD1C3A}</a:tableStyleId>
+              </a:tblPr>
+              <a:tblGrid>
+                <a:gridCol w="871093"/>
+                <a:gridCol w="2177733"/>
+                <a:gridCol w="1306639"/>
+                <a:gridCol w="4355466"/>
+              </a:tblGrid>
+              <a:tr h="370840">
+                <a:tc>
+                  <a:txBody>
+                    <a:bodyPr/>
+                    <a:lstStyle/>
+                    <a:p>
+                      <a:r>
+                        <a:rPr sz="1400">
+                          <a:solidFill>
+                            <a:srgbClr val="FFFFFF"/>
+                          </a:solidFill>
+                        </a:rPr>
+                        <a:t>Phase No</a:t>
+                      </a:r>
+                    </a:p>
+                  </a:txBody>
+                  <a:tcPr>
+                    <a:solidFill>
+                      <a:srgbClr val="A01C02"/>
+                    </a:solidFill>
+                  </a:tcPr>
+                </a:tc>
+                <a:tc>
+                  <a:txBody>
+                    <a:bodyPr/>
+                    <a:lstStyle/>
+                    <a:p>
+                      <a:r>
+                        <a:rPr sz="1400">
+                          <a:solidFill>
+                            <a:srgbClr val="FFFFFF"/>
+                          </a:solidFill>
+                        </a:rPr>
+                        <a:t>Phase Description</a:t>
+                      </a:r>
+                    </a:p>
+                  </a:txBody>
+                  <a:tcPr>
+                    <a:solidFill>
+                      <a:srgbClr val="A01C02"/>
+                    </a:solidFill>
+                  </a:tcPr>
+                </a:tc>
+                <a:tc>
+                  <a:txBody>
+                    <a:bodyPr/>
+                    <a:lstStyle/>
+                    <a:p>
+                      <a:r>
+                        <a:rPr sz="1400">
+                          <a:solidFill>
+                            <a:srgbClr val="FFFFFF"/>
+                          </a:solidFill>
+                        </a:rPr>
+                        <a:t>Timeline</a:t>
+                      </a:r>
+                    </a:p>
+                  </a:txBody>
+                  <a:tcPr>
+                    <a:solidFill>
+                      <a:srgbClr val="A01C02"/>
+                    </a:solidFill>
+                  </a:tcPr>
+                </a:tc>
+                <a:tc>
+                  <a:txBody>
+                    <a:bodyPr/>
+                    <a:lstStyle/>
+                    <a:p>
+                      <a:r>
+                        <a:rPr sz="1400">
+                          <a:solidFill>
+                            <a:srgbClr val="FFFFFF"/>
+                          </a:solidFill>
+                        </a:rPr>
+                        <a:t>Key Deliverables</a:t>
+                      </a:r>
+                    </a:p>
+                  </a:txBody>
+                  <a:tcPr>
+                    <a:solidFill>
+                      <a:srgbClr val="A01C02"/>
+                    </a:solidFill>
+                  </a:tcPr>
+                </a:tc>
+              </a:tr>
+              <a:tr h="370840">
+                <a:tc>
+                  <a:txBody>
+                    <a:bodyPr/>
+                    <a:lstStyle/>
+                    <a:p>
+                      <a:r>
+                        <a:rPr sz="1100"/>
+                        <a:t>Phase 1</a:t>
+                      </a:r>
+                    </a:p>
+                  </a:txBody>
+                  <a:tcPr>
+                    <a:solidFill>
+                      <a:srgbClr val="E7E6E6"/>
+                    </a:solidFill>
+                  </a:tcPr>
+                </a:tc>
+                <a:tc>
+                  <a:txBody>
+                    <a:bodyPr/>
+                    <a:lstStyle/>
+                    <a:p>
+                      <a:r>
+                        <a:rPr sz="1100"/>
+                        <a:t>Assessment &amp; Design</a:t>
+                      </a:r>
+                    </a:p>
+                  </a:txBody>
+                  <a:tcPr>
+                    <a:solidFill>
+                      <a:srgbClr val="E7E6E6"/>
+                    </a:solidFill>
+                  </a:tcPr>
+                </a:tc>
+                <a:tc>
+                  <a:txBody>
+                    <a:bodyPr/>
+                    <a:lstStyle/>
+                    <a:p>
+                      <a:r>
+                        <a:rPr sz="1100"/>
+                        <a:t>Weeks 1-3</a:t>
+                      </a:r>
+                    </a:p>
+                  </a:txBody>
+                  <a:tcPr>
+                    <a:solidFill>
+                      <a:srgbClr val="E7E6E6"/>
+                    </a:solidFill>
+                  </a:tcPr>
+                </a:tc>
+                <a:tc>
+                  <a:txBody>
+                    <a:bodyPr/>
+                    <a:lstStyle/>
+                    <a:p>
+                      <a:r>
+                        <a:rPr sz="1100"/>
+                        <a:t>Environment analysis, AVD architecture, golden image strategy, security design</a:t>
+                      </a:r>
+                    </a:p>
+                  </a:txBody>
+                  <a:tcPr>
+                    <a:solidFill>
+                      <a:srgbClr val="E7E6E6"/>
+                    </a:solidFill>
+                  </a:tcPr>
+                </a:tc>
+              </a:tr>
+              <a:tr h="370840">
+                <a:tc>
+                  <a:txBody>
+                    <a:bodyPr/>
+                    <a:lstStyle/>
+                    <a:p>
+                      <a:r>
+                        <a:rPr sz="1100"/>
+                        <a:t>Phase 2</a:t>
+                      </a:r>
+                    </a:p>
+                  </a:txBody>
+                  <a:tcPr>
+                    <a:solidFill>
+                      <a:srgbClr val="E7E6E6"/>
+                    </a:solidFill>
+                  </a:tcPr>
+                </a:tc>
+                <a:tc>
+                  <a:txBody>
+                    <a:bodyPr/>
+                    <a:lstStyle/>
+                    <a:p>
+                      <a:r>
+                        <a:rPr sz="1100"/>
+                        <a:t>Infrastructure &amp; Golden Image</a:t>
+                      </a:r>
+                    </a:p>
+                  </a:txBody>
+                  <a:tcPr>
+                    <a:solidFill>
+                      <a:srgbClr val="E7E6E6"/>
+                    </a:solidFill>
+                  </a:tcPr>
+                </a:tc>
+                <a:tc>
+                  <a:txBody>
+                    <a:bodyPr/>
+                    <a:lstStyle/>
+                    <a:p>
+                      <a:r>
+                        <a:rPr sz="1100"/>
+                        <a:t>Weeks 4-6</a:t>
+                      </a:r>
+                    </a:p>
+                  </a:txBody>
+                  <a:tcPr>
+                    <a:solidFill>
+                      <a:srgbClr val="E7E6E6"/>
+                    </a:solidFill>
+                  </a:tcPr>
+                </a:tc>
+                <a:tc>
+                  <a:txBody>
+                    <a:bodyPr/>
+                    <a:lstStyle/>
+                    <a:p>
+                      <a:r>
+                        <a:rPr sz="1100"/>
+                        <a:t>Host pools configured, Azure Files deployed, golden image created, FSLogix ready</a:t>
+                      </a:r>
+                    </a:p>
+                  </a:txBody>
+                  <a:tcPr>
+                    <a:solidFill>
+                      <a:srgbClr val="E7E6E6"/>
+                    </a:solidFill>
+                  </a:tcPr>
+                </a:tc>
+              </a:tr>
+              <a:tr h="370840">
+                <a:tc>
+                  <a:txBody>
+                    <a:bodyPr/>
+                    <a:lstStyle/>
+                    <a:p>
+                      <a:r>
+                        <a:rPr sz="1100"/>
+                        <a:t>Phase 3</a:t>
+                      </a:r>
+                    </a:p>
+                  </a:txBody>
+                  <a:tcPr>
+                    <a:solidFill>
+                      <a:srgbClr val="E7E6E6"/>
+                    </a:solidFill>
+                  </a:tcPr>
+                </a:tc>
+                <a:tc>
+                  <a:txBody>
+                    <a:bodyPr/>
+                    <a:lstStyle/>
+                    <a:p>
+                      <a:r>
+                        <a:rPr sz="1100"/>
+                        <a:t>Deployment &amp; Validation</a:t>
+                      </a:r>
+                    </a:p>
+                  </a:txBody>
+                  <a:tcPr>
+                    <a:solidFill>
+                      <a:srgbClr val="E7E6E6"/>
+                    </a:solidFill>
+                  </a:tcPr>
+                </a:tc>
+                <a:tc>
+                  <a:txBody>
+                    <a:bodyPr/>
+                    <a:lstStyle/>
+                    <a:p>
+                      <a:r>
+                        <a:rPr sz="1100"/>
+                        <a:t>Weeks 7-10</a:t>
+                      </a:r>
+                    </a:p>
+                  </a:txBody>
+                  <a:tcPr>
+                    <a:solidFill>
+                      <a:srgbClr val="E7E6E6"/>
+                    </a:solidFill>
+                  </a:tcPr>
+                </a:tc>
+                <a:tc>
+                  <a:txBody>
+                    <a:bodyPr/>
+                    <a:lstStyle/>
+                    <a:p>
+                      <a:r>
+                        <a:rPr sz="1100"/>
+                        <a:t>Pilot users onboarded, performance validated, training complete, support ready</a:t>
+                      </a:r>
+                    </a:p>
+                  </a:txBody>
+                  <a:tcPr>
+                    <a:solidFill>
+                      <a:srgbClr val="E7E6E6"/>
+                    </a:solidFill>
+                  </a:tcPr>
+                </a:tc>
+              </a:tr>
+            </a:tbl>
+          </a:graphicData>
+        </a:graphic>
+      </p:graphicFrame>
       <p:pic>
         <p:nvPicPr>
           <p:cNvPr id="5" name="Picture 4" descr="eo-framework-logo-real.png"/>
@@ -4642,7 +5768,7 @@
           <a:lstStyle/>
           <a:p>
             <a:r>
-              <a:t>Our Partnership Advantage</a:t>
+              <a:t>Success Stories</a:t>
             </a:r>
           </a:p>
         </p:txBody>
@@ -4654,12 +5780,12 @@
             <a:picLocks noGrp="1" noChangeAspect="1"/>
           </p:cNvPicPr>
           <p:nvPr>
-            <p:ph type="pic" idx="14" sz="quarter"/>
+            <p:ph type="pic" idx="13" sz="quarter"/>
           </p:nvPr>
         </p:nvPicPr>
         <p:blipFill>
           <a:blip r:embed="rId2"/>
-          <a:srcRect t="6314" b="6314"/>
+          <a:srcRect t="6762" b="6762"/>
           <a:stretch>
             <a:fillRect/>
           </a:stretch>
@@ -4673,7 +5799,7 @@
             <a:spLocks noGrp="1"/>
           </p:cNvSpPr>
           <p:nvPr>
-            <p:ph type="body" idx="16" sz="quarter"/>
+            <p:ph type="body" idx="14" sz="quarter"/>
           </p:nvPr>
         </p:nvSpPr>
         <p:spPr/>
@@ -4684,97 +5810,71 @@
             <a:pPr/>
             <a:r>
               <a:rPr b="1"/>
-              <a:t>What We Bring</a:t>
+              <a:t>Client Success: Global Financial Services Organization</a:t>
             </a:r>
           </a:p>
           <a:p>
             <a:pPr lvl="1"/>
             <a:r>
-              <a:t>8+ years delivering Azure Virtual Desktop implementations with proven methodologies</a:t>
+              <a:rPr b="1"/>
+              <a:t>Client:</a:t>
+            </a:r>
+            <a:r>
+              <a:t> Fortune 500 Financial Services company with 8,000+ employees in 45 countries</a:t>
             </a:r>
           </a:p>
           <a:p>
             <a:pPr lvl="1"/>
             <a:r>
-              <a:t>40+ successful AVD deployments across enterprise, healthcare, finance, and government sectors</a:t>
+              <a:rPr b="1"/>
+              <a:t>Challenge:</a:t>
+            </a:r>
+            <a:r>
+              <a:t> Legacy desktop infrastructure unable to support remote work; expensive VPN with poor user experience; security gaps with unsecured bring-your-own-device access; IT helpdesk overwhelmed with remote access issues</a:t>
             </a:r>
           </a:p>
           <a:p>
             <a:pPr lvl="1"/>
             <a:r>
-              <a:t>Microsoft Gold Partner with Windows Virtual Desktop specialization</a:t>
+              <a:rPr b="1"/>
+              <a:t>Solution:</a:t>
+            </a:r>
+            <a:r>
+              <a:t> Deployed Azure Virtual Desktop with pooled desktops for 70% of workforce and personal desktops for executives; integrated FSLogix for seamless profile access across any device; implemented conditional access policies; centralized monitoring and management</a:t>
             </a:r>
           </a:p>
           <a:p>
             <a:pPr lvl="1"/>
             <a:r>
-              <a:t>Certified Azure solutions architects with AVD expertise</a:t>
+              <a:rPr b="1"/>
+              <a:t>Results:</a:t>
+            </a:r>
+            <a:r>
+              <a:t> 100% remote work capability within 10 weeks, 60% reduction in IT helpdesk tickets, 85% user satisfaction (NPS 72), 45% reduction in VPN-related security incidents, achieved SOC2 compliance with unified audit logging</a:t>
             </a:r>
           </a:p>
           <a:p>
             <a:pPr lvl="1"/>
             <a:r>
-              <a:t>Dedicated modern workplace team with desktop, networking, and security specialists</a:t>
-            </a:r>
-          </a:p>
-        </p:txBody>
-      </p:sp>
-      <p:sp>
-        <p:nvSpPr>
-          <p:cNvPr id="5" name="Text Placeholder 4"/>
-          <p:cNvSpPr>
-            <a:spLocks noGrp="1"/>
-          </p:cNvSpPr>
-          <p:nvPr>
-            <p:ph type="body" idx="17" sz="quarter"/>
-          </p:nvPr>
-        </p:nvSpPr>
-        <p:spPr/>
-        <p:txBody>
-          <a:bodyPr/>
-          <a:lstStyle/>
-          <a:p>
-            <a:pPr/>
-            <a:r>
               <a:rPr b="1"/>
-              <a:t>Value to You</a:t>
-            </a:r>
-          </a:p>
-          <a:p>
-            <a:pPr lvl="1"/>
-            <a:r>
-              <a:t>Pre-built Terraform/ARM templates accelerate infrastructure deployment</a:t>
-            </a:r>
-          </a:p>
-          <a:p>
-            <a:pPr lvl="1"/>
-            <a:r>
-              <a:t>Proven application compatibility and optimization methodology</a:t>
-            </a:r>
-          </a:p>
-          <a:p>
-            <a:pPr lvl="1"/>
-            <a:r>
-              <a:t>Direct Microsoft Azure support through partner network and escalation paths</a:t>
-            </a:r>
-          </a:p>
-          <a:p>
-            <a:pPr lvl="1"/>
-            <a:r>
-              <a:t>Best practices from 40+ implementations prevent common pitfalls</a:t>
-            </a:r>
-          </a:p>
-          <a:p>
-            <a:pPr lvl="1"/>
-            <a:r>
-              <a:t>Comprehensive training ensures IT team self-sufficiency for ongoing operations</a:t>
+              <a:t>Testimonial:</a:t>
+            </a:r>
+            <a:r>
+              <a:t> "Azure Virtual Desktop enabled us to embrace distributed work while actually improving security and reducing costs. Our users love the seamless experience, and our IT team finally has visibility and control. This was a game-changer for our business continuity." — </a:t>
+            </a:r>
+            <a:r>
+              <a:rPr b="1"/>
+              <a:t>Patricia Wong, Chief Information Officer</a:t>
+            </a:r>
+            <a:r>
+              <a:t>, Global Financial Services</a:t>
             </a:r>
           </a:p>
         </p:txBody>
       </p:sp>
       <p:pic>
         <p:nvPicPr>
-          <p:cNvPr id="6" name="Picture 5" descr="eo-framework-logo-real.png"/>
+          <p:cNvPr id="5" name="Picture 4" descr="eo-framework-logo-real.png"/>
           <p:cNvPicPr>
             <a:picLocks noChangeAspect="1"/>
           </p:cNvPicPr>
@@ -4829,10 +5929,8 @@
           <a:bodyPr/>
           <a:lstStyle/>
           <a:p>
-            <a:pPr algn="l"/>
-            <a:r>
-              <a:rPr b="1"/>
-              <a:t>Investment Summary</a:t>
+            <a:r>
+              <a:t>Our Partnership Advantage</a:t>
             </a:r>
           </a:p>
         </p:txBody>
@@ -4844,808 +5942,139 @@
             <a:picLocks noGrp="1" noChangeAspect="1"/>
           </p:cNvPicPr>
           <p:nvPr>
-            <p:ph type="pic" idx="13" sz="quarter"/>
+            <p:ph type="pic" idx="14" sz="quarter"/>
           </p:nvPr>
         </p:nvPicPr>
         <p:blipFill>
           <a:blip r:embed="rId2"/>
-          <a:srcRect t="6404" b="6404"/>
+          <a:srcRect t="6314" b="6314"/>
           <a:stretch>
             <a:fillRect/>
           </a:stretch>
         </p:blipFill>
         <p:spPr/>
       </p:pic>
-      <p:graphicFrame>
-        <p:nvGraphicFramePr>
-          <p:cNvPr id="4" name="Table Placeholder 3"/>
-          <p:cNvGraphicFramePr>
-            <a:graphicFrameLocks noGrp="1"/>
-          </p:cNvGraphicFramePr>
+      <p:sp>
+        <p:nvSpPr>
+          <p:cNvPr id="4" name="Text Placeholder 3"/>
+          <p:cNvSpPr>
+            <a:spLocks noGrp="1"/>
+          </p:cNvSpPr>
           <p:nvPr>
-            <p:ph type="tbl" idx="14" sz="quarter"/>
+            <p:ph type="body" idx="16" sz="quarter"/>
           </p:nvPr>
-        </p:nvGraphicFramePr>
-        <p:xfrm>
-          <a:off x="256855" y="677011"/>
-          <a:ext cx="8710929" cy="2225040"/>
-        </p:xfrm>
-        <a:graphic>
-          <a:graphicData uri="http://schemas.openxmlformats.org/drawingml/2006/table">
-            <a:tbl>
-              <a:tblPr firstRow="1" bandRow="1">
-                <a:tableStyleId>{5C22544A-7EE6-4342-B048-85BDC9FD1C3A}</a:tableStyleId>
-              </a:tblPr>
-              <a:tblGrid>
-                <a:gridCol w="1742186"/>
-                <a:gridCol w="1045311"/>
-                <a:gridCol w="2003514"/>
-                <a:gridCol w="1132421"/>
-                <a:gridCol w="871093"/>
-                <a:gridCol w="871093"/>
-                <a:gridCol w="1045311"/>
-              </a:tblGrid>
-              <a:tr h="370840">
-                <a:tc>
-                  <a:txBody>
-                    <a:bodyPr/>
-                    <a:lstStyle/>
-                    <a:p>
-                      <a:r>
-                        <a:rPr sz="1400">
-                          <a:solidFill>
-                            <a:srgbClr val="FFFFFF"/>
-                          </a:solidFill>
-                        </a:rPr>
-                        <a:t>Cost Category</a:t>
-                      </a:r>
-                    </a:p>
-                  </a:txBody>
-                  <a:tcPr>
-                    <a:solidFill>
-                      <a:srgbClr val="A01C02"/>
-                    </a:solidFill>
-                  </a:tcPr>
-                </a:tc>
-                <a:tc>
-                  <a:txBody>
-                    <a:bodyPr/>
-                    <a:lstStyle/>
-                    <a:p>
-                      <a:r>
-                        <a:rPr sz="1400">
-                          <a:solidFill>
-                            <a:srgbClr val="FFFFFF"/>
-                          </a:solidFill>
-                        </a:rPr>
-                        <a:t>Year 1 List</a:t>
-                      </a:r>
-                    </a:p>
-                  </a:txBody>
-                  <a:tcPr>
-                    <a:solidFill>
-                      <a:srgbClr val="A01C02"/>
-                    </a:solidFill>
-                  </a:tcPr>
-                </a:tc>
-                <a:tc>
-                  <a:txBody>
-                    <a:bodyPr/>
-                    <a:lstStyle/>
-                    <a:p>
-                      <a:r>
-                        <a:rPr sz="1400">
-                          <a:solidFill>
-                            <a:srgbClr val="FFFFFF"/>
-                          </a:solidFill>
-                        </a:rPr>
-                        <a:t>Azure/Partner Credits</a:t>
-                      </a:r>
-                    </a:p>
-                  </a:txBody>
-                  <a:tcPr>
-                    <a:solidFill>
-                      <a:srgbClr val="A01C02"/>
-                    </a:solidFill>
-                  </a:tcPr>
-                </a:tc>
-                <a:tc>
-                  <a:txBody>
-                    <a:bodyPr/>
-                    <a:lstStyle/>
-                    <a:p>
-                      <a:r>
-                        <a:rPr sz="1400">
-                          <a:solidFill>
-                            <a:srgbClr val="FFFFFF"/>
-                          </a:solidFill>
-                        </a:rPr>
-                        <a:t>Year 1 Net</a:t>
-                      </a:r>
-                    </a:p>
-                  </a:txBody>
-                  <a:tcPr>
-                    <a:solidFill>
-                      <a:srgbClr val="A01C02"/>
-                    </a:solidFill>
-                  </a:tcPr>
-                </a:tc>
-                <a:tc>
-                  <a:txBody>
-                    <a:bodyPr/>
-                    <a:lstStyle/>
-                    <a:p>
-                      <a:r>
-                        <a:rPr sz="1400">
-                          <a:solidFill>
-                            <a:srgbClr val="FFFFFF"/>
-                          </a:solidFill>
-                        </a:rPr>
-                        <a:t>Year 2</a:t>
-                      </a:r>
-                    </a:p>
-                  </a:txBody>
-                  <a:tcPr>
-                    <a:solidFill>
-                      <a:srgbClr val="A01C02"/>
-                    </a:solidFill>
-                  </a:tcPr>
-                </a:tc>
-                <a:tc>
-                  <a:txBody>
-                    <a:bodyPr/>
-                    <a:lstStyle/>
-                    <a:p>
-                      <a:r>
-                        <a:rPr sz="1400">
-                          <a:solidFill>
-                            <a:srgbClr val="FFFFFF"/>
-                          </a:solidFill>
-                        </a:rPr>
-                        <a:t>Year 3</a:t>
-                      </a:r>
-                    </a:p>
-                  </a:txBody>
-                  <a:tcPr>
-                    <a:solidFill>
-                      <a:srgbClr val="A01C02"/>
-                    </a:solidFill>
-                  </a:tcPr>
-                </a:tc>
-                <a:tc>
-                  <a:txBody>
-                    <a:bodyPr/>
-                    <a:lstStyle/>
-                    <a:p>
-                      <a:r>
-                        <a:rPr sz="1400">
-                          <a:solidFill>
-                            <a:srgbClr val="FFFFFF"/>
-                          </a:solidFill>
-                        </a:rPr>
-                        <a:t>3-Year Total</a:t>
-                      </a:r>
-                    </a:p>
-                  </a:txBody>
-                  <a:tcPr>
-                    <a:solidFill>
-                      <a:srgbClr val="A01C02"/>
-                    </a:solidFill>
-                  </a:tcPr>
-                </a:tc>
-              </a:tr>
-              <a:tr h="370840">
-                <a:tc>
-                  <a:txBody>
-                    <a:bodyPr/>
-                    <a:lstStyle/>
-                    <a:p>
-                      <a:r>
-                        <a:rPr sz="1100"/>
-                        <a:t>Professional Services</a:t>
-                      </a:r>
-                    </a:p>
-                  </a:txBody>
-                  <a:tcPr>
-                    <a:solidFill>
-                      <a:srgbClr val="E7E6E6"/>
-                    </a:solidFill>
-                  </a:tcPr>
-                </a:tc>
-                <a:tc>
-                  <a:txBody>
-                    <a:bodyPr/>
-                    <a:lstStyle/>
-                    <a:p>
-                      <a:r>
-                        <a:rPr sz="1100"/>
-                        <a:t>$78,400</a:t>
-                      </a:r>
-                    </a:p>
-                  </a:txBody>
-                  <a:tcPr>
-                    <a:solidFill>
-                      <a:srgbClr val="E7E6E6"/>
-                    </a:solidFill>
-                  </a:tcPr>
-                </a:tc>
-                <a:tc>
-                  <a:txBody>
-                    <a:bodyPr/>
-                    <a:lstStyle/>
-                    <a:p>
-                      <a:r>
-                        <a:rPr sz="1100"/>
-                        <a:t>($6,500)</a:t>
-                      </a:r>
-                    </a:p>
-                  </a:txBody>
-                  <a:tcPr>
-                    <a:solidFill>
-                      <a:srgbClr val="E7E6E6"/>
-                    </a:solidFill>
-                  </a:tcPr>
-                </a:tc>
-                <a:tc>
-                  <a:txBody>
-                    <a:bodyPr/>
-                    <a:lstStyle/>
-                    <a:p>
-                      <a:r>
-                        <a:rPr sz="1100"/>
-                        <a:t>$71,900</a:t>
-                      </a:r>
-                    </a:p>
-                  </a:txBody>
-                  <a:tcPr>
-                    <a:solidFill>
-                      <a:srgbClr val="E7E6E6"/>
-                    </a:solidFill>
-                  </a:tcPr>
-                </a:tc>
-                <a:tc>
-                  <a:txBody>
-                    <a:bodyPr/>
-                    <a:lstStyle/>
-                    <a:p>
-                      <a:r>
-                        <a:rPr sz="1100"/>
-                        <a:t>$0</a:t>
-                      </a:r>
-                    </a:p>
-                  </a:txBody>
-                  <a:tcPr>
-                    <a:solidFill>
-                      <a:srgbClr val="E7E6E6"/>
-                    </a:solidFill>
-                  </a:tcPr>
-                </a:tc>
-                <a:tc>
-                  <a:txBody>
-                    <a:bodyPr/>
-                    <a:lstStyle/>
-                    <a:p>
-                      <a:r>
-                        <a:rPr sz="1100"/>
-                        <a:t>$0</a:t>
-                      </a:r>
-                    </a:p>
-                  </a:txBody>
-                  <a:tcPr>
-                    <a:solidFill>
-                      <a:srgbClr val="E7E6E6"/>
-                    </a:solidFill>
-                  </a:tcPr>
-                </a:tc>
-                <a:tc>
-                  <a:txBody>
-                    <a:bodyPr/>
-                    <a:lstStyle/>
-                    <a:p>
-                      <a:r>
-                        <a:rPr sz="1100"/>
-                        <a:t>$71,900</a:t>
-                      </a:r>
-                    </a:p>
-                  </a:txBody>
-                  <a:tcPr>
-                    <a:solidFill>
-                      <a:srgbClr val="E7E6E6"/>
-                    </a:solidFill>
-                  </a:tcPr>
-                </a:tc>
-              </a:tr>
-              <a:tr h="370840">
-                <a:tc>
-                  <a:txBody>
-                    <a:bodyPr/>
-                    <a:lstStyle/>
-                    <a:p>
-                      <a:r>
-                        <a:rPr sz="1100"/>
-                        <a:t>Cloud Infrastructure</a:t>
-                      </a:r>
-                    </a:p>
-                  </a:txBody>
-                  <a:tcPr>
-                    <a:solidFill>
-                      <a:srgbClr val="E7E6E6"/>
-                    </a:solidFill>
-                  </a:tcPr>
-                </a:tc>
-                <a:tc>
-                  <a:txBody>
-                    <a:bodyPr/>
-                    <a:lstStyle/>
-                    <a:p>
-                      <a:r>
-                        <a:rPr sz="1100"/>
-                        <a:t>$39,600</a:t>
-                      </a:r>
-                    </a:p>
-                  </a:txBody>
-                  <a:tcPr>
-                    <a:solidFill>
-                      <a:srgbClr val="E7E6E6"/>
-                    </a:solidFill>
-                  </a:tcPr>
-                </a:tc>
-                <a:tc>
-                  <a:txBody>
-                    <a:bodyPr/>
-                    <a:lstStyle/>
-                    <a:p>
-                      <a:r>
-                        <a:rPr sz="1100"/>
-                        <a:t>($3,500)</a:t>
-                      </a:r>
-                    </a:p>
-                  </a:txBody>
-                  <a:tcPr>
-                    <a:solidFill>
-                      <a:srgbClr val="E7E6E6"/>
-                    </a:solidFill>
-                  </a:tcPr>
-                </a:tc>
-                <a:tc>
-                  <a:txBody>
-                    <a:bodyPr/>
-                    <a:lstStyle/>
-                    <a:p>
-                      <a:r>
-                        <a:rPr sz="1100"/>
-                        <a:t>$36,100</a:t>
-                      </a:r>
-                    </a:p>
-                  </a:txBody>
-                  <a:tcPr>
-                    <a:solidFill>
-                      <a:srgbClr val="E7E6E6"/>
-                    </a:solidFill>
-                  </a:tcPr>
-                </a:tc>
-                <a:tc>
-                  <a:txBody>
-                    <a:bodyPr/>
-                    <a:lstStyle/>
-                    <a:p>
-                      <a:r>
-                        <a:rPr sz="1100"/>
-                        <a:t>$39,600</a:t>
-                      </a:r>
-                    </a:p>
-                  </a:txBody>
-                  <a:tcPr>
-                    <a:solidFill>
-                      <a:srgbClr val="E7E6E6"/>
-                    </a:solidFill>
-                  </a:tcPr>
-                </a:tc>
-                <a:tc>
-                  <a:txBody>
-                    <a:bodyPr/>
-                    <a:lstStyle/>
-                    <a:p>
-                      <a:r>
-                        <a:rPr sz="1100"/>
-                        <a:t>$39,600</a:t>
-                      </a:r>
-                    </a:p>
-                  </a:txBody>
-                  <a:tcPr>
-                    <a:solidFill>
-                      <a:srgbClr val="E7E6E6"/>
-                    </a:solidFill>
-                  </a:tcPr>
-                </a:tc>
-                <a:tc>
-                  <a:txBody>
-                    <a:bodyPr/>
-                    <a:lstStyle/>
-                    <a:p>
-                      <a:r>
-                        <a:rPr sz="1100"/>
-                        <a:t>$115,300</a:t>
-                      </a:r>
-                    </a:p>
-                  </a:txBody>
-                  <a:tcPr>
-                    <a:solidFill>
-                      <a:srgbClr val="E7E6E6"/>
-                    </a:solidFill>
-                  </a:tcPr>
-                </a:tc>
-              </a:tr>
-              <a:tr h="370840">
-                <a:tc>
-                  <a:txBody>
-                    <a:bodyPr/>
-                    <a:lstStyle/>
-                    <a:p>
-                      <a:r>
-                        <a:rPr sz="1100"/>
-                        <a:t>Software Licenses &amp; Subscriptions</a:t>
-                      </a:r>
-                    </a:p>
-                  </a:txBody>
-                  <a:tcPr>
-                    <a:solidFill>
-                      <a:srgbClr val="E7E6E6"/>
-                    </a:solidFill>
-                  </a:tcPr>
-                </a:tc>
-                <a:tc>
-                  <a:txBody>
-                    <a:bodyPr/>
-                    <a:lstStyle/>
-                    <a:p>
-                      <a:r>
-                        <a:rPr sz="1100"/>
-                        <a:t>$24,000</a:t>
-                      </a:r>
-                    </a:p>
-                  </a:txBody>
-                  <a:tcPr>
-                    <a:solidFill>
-                      <a:srgbClr val="E7E6E6"/>
-                    </a:solidFill>
-                  </a:tcPr>
-                </a:tc>
-                <a:tc>
-                  <a:txBody>
-                    <a:bodyPr/>
-                    <a:lstStyle/>
-                    <a:p>
-                      <a:r>
-                        <a:rPr sz="1100"/>
-                        <a:t>$0</a:t>
-                      </a:r>
-                    </a:p>
-                  </a:txBody>
-                  <a:tcPr>
-                    <a:solidFill>
-                      <a:srgbClr val="E7E6E6"/>
-                    </a:solidFill>
-                  </a:tcPr>
-                </a:tc>
-                <a:tc>
-                  <a:txBody>
-                    <a:bodyPr/>
-                    <a:lstStyle/>
-                    <a:p>
-                      <a:r>
-                        <a:rPr sz="1100"/>
-                        <a:t>$24,000</a:t>
-                      </a:r>
-                    </a:p>
-                  </a:txBody>
-                  <a:tcPr>
-                    <a:solidFill>
-                      <a:srgbClr val="E7E6E6"/>
-                    </a:solidFill>
-                  </a:tcPr>
-                </a:tc>
-                <a:tc>
-                  <a:txBody>
-                    <a:bodyPr/>
-                    <a:lstStyle/>
-                    <a:p>
-                      <a:r>
-                        <a:rPr sz="1100"/>
-                        <a:t>$24,000</a:t>
-                      </a:r>
-                    </a:p>
-                  </a:txBody>
-                  <a:tcPr>
-                    <a:solidFill>
-                      <a:srgbClr val="E7E6E6"/>
-                    </a:solidFill>
-                  </a:tcPr>
-                </a:tc>
-                <a:tc>
-                  <a:txBody>
-                    <a:bodyPr/>
-                    <a:lstStyle/>
-                    <a:p>
-                      <a:r>
-                        <a:rPr sz="1100"/>
-                        <a:t>$24,000</a:t>
-                      </a:r>
-                    </a:p>
-                  </a:txBody>
-                  <a:tcPr>
-                    <a:solidFill>
-                      <a:srgbClr val="E7E6E6"/>
-                    </a:solidFill>
-                  </a:tcPr>
-                </a:tc>
-                <a:tc>
-                  <a:txBody>
-                    <a:bodyPr/>
-                    <a:lstStyle/>
-                    <a:p>
-                      <a:r>
-                        <a:rPr sz="1100"/>
-                        <a:t>$72,000</a:t>
-                      </a:r>
-                    </a:p>
-                  </a:txBody>
-                  <a:tcPr>
-                    <a:solidFill>
-                      <a:srgbClr val="E7E6E6"/>
-                    </a:solidFill>
-                  </a:tcPr>
-                </a:tc>
-              </a:tr>
-              <a:tr h="370840">
-                <a:tc>
-                  <a:txBody>
-                    <a:bodyPr/>
-                    <a:lstStyle/>
-                    <a:p>
-                      <a:r>
-                        <a:rPr sz="1100"/>
-                        <a:t>Support &amp; Maintenance</a:t>
-                      </a:r>
-                    </a:p>
-                  </a:txBody>
-                  <a:tcPr>
-                    <a:solidFill>
-                      <a:srgbClr val="E7E6E6"/>
-                    </a:solidFill>
-                  </a:tcPr>
-                </a:tc>
-                <a:tc>
-                  <a:txBody>
-                    <a:bodyPr/>
-                    <a:lstStyle/>
-                    <a:p>
-                      <a:r>
-                        <a:rPr sz="1100"/>
-                        <a:t>$5,184</a:t>
-                      </a:r>
-                    </a:p>
-                  </a:txBody>
-                  <a:tcPr>
-                    <a:solidFill>
-                      <a:srgbClr val="E7E6E6"/>
-                    </a:solidFill>
-                  </a:tcPr>
-                </a:tc>
-                <a:tc>
-                  <a:txBody>
-                    <a:bodyPr/>
-                    <a:lstStyle/>
-                    <a:p>
-                      <a:r>
-                        <a:rPr sz="1100"/>
-                        <a:t>$0</a:t>
-                      </a:r>
-                    </a:p>
-                  </a:txBody>
-                  <a:tcPr>
-                    <a:solidFill>
-                      <a:srgbClr val="E7E6E6"/>
-                    </a:solidFill>
-                  </a:tcPr>
-                </a:tc>
-                <a:tc>
-                  <a:txBody>
-                    <a:bodyPr/>
-                    <a:lstStyle/>
-                    <a:p>
-                      <a:r>
-                        <a:rPr sz="1100"/>
-                        <a:t>$5,184</a:t>
-                      </a:r>
-                    </a:p>
-                  </a:txBody>
-                  <a:tcPr>
-                    <a:solidFill>
-                      <a:srgbClr val="E7E6E6"/>
-                    </a:solidFill>
-                  </a:tcPr>
-                </a:tc>
-                <a:tc>
-                  <a:txBody>
-                    <a:bodyPr/>
-                    <a:lstStyle/>
-                    <a:p>
-                      <a:r>
-                        <a:rPr sz="1100"/>
-                        <a:t>$5,184</a:t>
-                      </a:r>
-                    </a:p>
-                  </a:txBody>
-                  <a:tcPr>
-                    <a:solidFill>
-                      <a:srgbClr val="E7E6E6"/>
-                    </a:solidFill>
-                  </a:tcPr>
-                </a:tc>
-                <a:tc>
-                  <a:txBody>
-                    <a:bodyPr/>
-                    <a:lstStyle/>
-                    <a:p>
-                      <a:r>
-                        <a:rPr sz="1100"/>
-                        <a:t>$5,184</a:t>
-                      </a:r>
-                    </a:p>
-                  </a:txBody>
-                  <a:tcPr>
-                    <a:solidFill>
-                      <a:srgbClr val="E7E6E6"/>
-                    </a:solidFill>
-                  </a:tcPr>
-                </a:tc>
-                <a:tc>
-                  <a:txBody>
-                    <a:bodyPr/>
-                    <a:lstStyle/>
-                    <a:p>
-                      <a:r>
-                        <a:rPr sz="1100"/>
-                        <a:t>$15,552</a:t>
-                      </a:r>
-                    </a:p>
-                  </a:txBody>
-                  <a:tcPr>
-                    <a:solidFill>
-                      <a:srgbClr val="E7E6E6"/>
-                    </a:solidFill>
-                  </a:tcPr>
-                </a:tc>
-              </a:tr>
-              <a:tr h="370840">
-                <a:tc>
-                  <a:txBody>
-                    <a:bodyPr/>
-                    <a:lstStyle/>
-                    <a:p>
-                      <a:r>
-                        <a:rPr b="1" sz="1100"/>
-                        <a:t>TOTAL INVESTMENT</a:t>
-                      </a:r>
-                    </a:p>
-                  </a:txBody>
-                  <a:tcPr>
-                    <a:solidFill>
-                      <a:srgbClr val="E7E6E6"/>
-                    </a:solidFill>
-                  </a:tcPr>
-                </a:tc>
-                <a:tc>
-                  <a:txBody>
-                    <a:bodyPr/>
-                    <a:lstStyle/>
-                    <a:p>
-                      <a:r>
-                        <a:rPr b="1" sz="1100"/>
-                        <a:t>$147,184</a:t>
-                      </a:r>
-                    </a:p>
-                  </a:txBody>
-                  <a:tcPr>
-                    <a:solidFill>
-                      <a:srgbClr val="E7E6E6"/>
-                    </a:solidFill>
-                  </a:tcPr>
-                </a:tc>
-                <a:tc>
-                  <a:txBody>
-                    <a:bodyPr/>
-                    <a:lstStyle/>
-                    <a:p>
-                      <a:r>
-                        <a:rPr b="1" sz="1100"/>
-                        <a:t>($10,000)</a:t>
-                      </a:r>
-                    </a:p>
-                  </a:txBody>
-                  <a:tcPr>
-                    <a:solidFill>
-                      <a:srgbClr val="E7E6E6"/>
-                    </a:solidFill>
-                  </a:tcPr>
-                </a:tc>
-                <a:tc>
-                  <a:txBody>
-                    <a:bodyPr/>
-                    <a:lstStyle/>
-                    <a:p>
-                      <a:r>
-                        <a:rPr b="1" sz="1100"/>
-                        <a:t>$137,184</a:t>
-                      </a:r>
-                    </a:p>
-                  </a:txBody>
-                  <a:tcPr>
-                    <a:solidFill>
-                      <a:srgbClr val="E7E6E6"/>
-                    </a:solidFill>
-                  </a:tcPr>
-                </a:tc>
-                <a:tc>
-                  <a:txBody>
-                    <a:bodyPr/>
-                    <a:lstStyle/>
-                    <a:p>
-                      <a:r>
-                        <a:rPr b="1" sz="1100"/>
-                        <a:t>$68,784</a:t>
-                      </a:r>
-                    </a:p>
-                  </a:txBody>
-                  <a:tcPr>
-                    <a:solidFill>
-                      <a:srgbClr val="E7E6E6"/>
-                    </a:solidFill>
-                  </a:tcPr>
-                </a:tc>
-                <a:tc>
-                  <a:txBody>
-                    <a:bodyPr/>
-                    <a:lstStyle/>
-                    <a:p>
-                      <a:r>
-                        <a:rPr b="1" sz="1100"/>
-                        <a:t>$68,784</a:t>
-                      </a:r>
-                    </a:p>
-                  </a:txBody>
-                  <a:tcPr>
-                    <a:solidFill>
-                      <a:srgbClr val="E7E6E6"/>
-                    </a:solidFill>
-                  </a:tcPr>
-                </a:tc>
-                <a:tc>
-                  <a:txBody>
-                    <a:bodyPr/>
-                    <a:lstStyle/>
-                    <a:p>
-                      <a:r>
-                        <a:rPr b="1" sz="1100"/>
-                        <a:t>$274,752</a:t>
-                      </a:r>
-                    </a:p>
-                  </a:txBody>
-                  <a:tcPr>
-                    <a:solidFill>
-                      <a:srgbClr val="E7E6E6"/>
-                    </a:solidFill>
-                  </a:tcPr>
-                </a:tc>
-              </a:tr>
-            </a:tbl>
-          </a:graphicData>
-        </a:graphic>
-      </p:graphicFrame>
+        </p:nvSpPr>
+        <p:spPr/>
+        <p:txBody>
+          <a:bodyPr/>
+          <a:lstStyle/>
+          <a:p>
+            <a:pPr/>
+            <a:r>
+              <a:rPr b="1"/>
+              <a:t>What We Bring</a:t>
+            </a:r>
+          </a:p>
+          <a:p>
+            <a:pPr lvl="1"/>
+            <a:r>
+              <a:t>12+ years delivering virtual desktop and workspace solutions</a:t>
+            </a:r>
+          </a:p>
+          <a:p>
+            <a:pPr lvl="1"/>
+            <a:r>
+              <a:t>150+ successful Azure Virtual Desktop deployments</a:t>
+            </a:r>
+          </a:p>
+          <a:p>
+            <a:pPr lvl="1"/>
+            <a:r>
+              <a:t>Certified Microsoft Azure Solutions Architects</a:t>
+            </a:r>
+          </a:p>
+          <a:p>
+            <a:pPr lvl="1"/>
+            <a:r>
+              <a:t>Deep expertise in FSLogix, golden image optimization, and performance tuning</a:t>
+            </a:r>
+          </a:p>
+          <a:p>
+            <a:pPr lvl="1"/>
+            <a:r>
+              <a:t>24/7 support with guaranteed response times</a:t>
+            </a:r>
+          </a:p>
+          <a:p>
+            <a:pPr lvl="1"/>
+            <a:r>
+              <a:t>Pre-built AVD accelerators for faster deployment</a:t>
+            </a:r>
+          </a:p>
+        </p:txBody>
+      </p:sp>
+      <p:sp>
+        <p:nvSpPr>
+          <p:cNvPr id="5" name="Text Placeholder 4"/>
+          <p:cNvSpPr>
+            <a:spLocks noGrp="1"/>
+          </p:cNvSpPr>
+          <p:nvPr>
+            <p:ph type="body" idx="17" sz="quarter"/>
+          </p:nvPr>
+        </p:nvSpPr>
+        <p:spPr/>
+        <p:txBody>
+          <a:bodyPr/>
+          <a:lstStyle/>
+          <a:p>
+            <a:pPr/>
+            <a:r>
+              <a:rPr b="1"/>
+              <a:t>Value to You</a:t>
+            </a:r>
+          </a:p>
+          <a:p>
+            <a:pPr lvl="1"/>
+            <a:r>
+              <a:t>Proven methodology reduces implementation risk by 70%</a:t>
+            </a:r>
+          </a:p>
+          <a:p>
+            <a:pPr lvl="1"/>
+            <a:r>
+              <a:t>Pre-optimized golden images for common applications</a:t>
+            </a:r>
+          </a:p>
+          <a:p>
+            <a:pPr lvl="1"/>
+            <a:r>
+              <a:t>Network design expertise ensures optimal user experience</a:t>
+            </a:r>
+          </a:p>
+          <a:p>
+            <a:pPr lvl="1"/>
+            <a:r>
+              <a:t>Training ensures your team becomes self-sufficient</a:t>
+            </a:r>
+          </a:p>
+          <a:p>
+            <a:pPr lvl="1"/>
+            <a:r>
+              <a:t>Ongoing optimization recommendations for cost and performance</a:t>
+            </a:r>
+          </a:p>
+          <a:p>
+            <a:pPr lvl="1"/>
+            <a:r>
+              <a:t>Access to Microsoft AVD partner ecosystem and best practices</a:t>
+            </a:r>
+          </a:p>
+        </p:txBody>
+      </p:sp>
       <p:pic>
         <p:nvPicPr>
-          <p:cNvPr id="5" name="Picture 4" descr="eo-framework-logo-real.png"/>
+          <p:cNvPr id="6" name="Picture 5" descr="eo-framework-logo-real.png"/>
           <p:cNvPicPr>
             <a:picLocks noChangeAspect="1"/>
           </p:cNvPicPr>
@@ -5700,8 +6129,10 @@
           <a:bodyPr/>
           <a:lstStyle/>
           <a:p>
-            <a:r>
-              <a:t>Next Steps</a:t>
+            <a:pPr algn="l"/>
+            <a:r>
+              <a:rPr b="1"/>
+              <a:t>Investment Summary</a:t>
             </a:r>
           </a:p>
         </p:txBody>
@@ -5718,109 +6149,800 @@
         </p:nvPicPr>
         <p:blipFill>
           <a:blip r:embed="rId2"/>
-          <a:srcRect t="6762" b="6762"/>
+          <a:srcRect t="6404" b="6404"/>
           <a:stretch>
             <a:fillRect/>
           </a:stretch>
         </p:blipFill>
         <p:spPr/>
       </p:pic>
-      <p:sp>
-        <p:nvSpPr>
-          <p:cNvPr id="4" name="Text Placeholder 3"/>
-          <p:cNvSpPr>
-            <a:spLocks noGrp="1"/>
-          </p:cNvSpPr>
+      <p:graphicFrame>
+        <p:nvGraphicFramePr>
+          <p:cNvPr id="4" name="Table Placeholder 3"/>
+          <p:cNvGraphicFramePr>
+            <a:graphicFrameLocks noGrp="1"/>
+          </p:cNvGraphicFramePr>
           <p:nvPr>
-            <p:ph type="body" idx="14" sz="quarter"/>
+            <p:ph type="tbl" idx="14" sz="quarter"/>
           </p:nvPr>
-        </p:nvSpPr>
-        <p:spPr/>
-        <p:txBody>
-          <a:bodyPr/>
-          <a:lstStyle/>
-          <a:p>
-            <a:pPr/>
-            <a:r>
-              <a:rPr b="1"/>
-              <a:t>Decision:</a:t>
-            </a:r>
-            <a:r>
-              <a:t> Executive approval for AVD implementation by [specific date]</a:t>
-            </a:r>
-          </a:p>
-          <a:p>
-            <a:pPr/>
-            <a:r>
-              <a:rPr b="1"/>
-              <a:t>Kickoff:</a:t>
-            </a:r>
-            <a:r>
-              <a:t> Target deployment start date [30 days from approval]</a:t>
-            </a:r>
-          </a:p>
-          <a:p>
-            <a:pPr/>
-            <a:r>
-              <a:rPr b="1"/>
-              <a:t>Team Formation:</a:t>
-            </a:r>
-            <a:r>
-              <a:t> Identify infrastructure owner, application SMEs, network contact</a:t>
-            </a:r>
-          </a:p>
-          <a:p>
-            <a:pPr/>
-            <a:r>
-              <a:rPr b="1"/>
-              <a:t>Week 1-2:</a:t>
-            </a:r>
-            <a:r>
-              <a:t> Contract finalization, Azure subscription setup, and detailed design</a:t>
-            </a:r>
-          </a:p>
-          <a:p>
-            <a:pPr/>
-            <a:r>
-              <a:rPr b="1"/>
-              <a:t>Week 3-4:</a:t>
-            </a:r>
-            <a:r>
-              <a:t> Azure infrastructure and session host deployment</a:t>
-            </a:r>
-          </a:p>
-          <a:p>
-            <a:pPr/>
-            <a:r>
-              <a:rPr b="1"/>
-              <a:t>Week 5-6:</a:t>
-            </a:r>
-            <a:r>
-              <a:t> Application deployment and compatibility testing</a:t>
-            </a:r>
-          </a:p>
-          <a:p>
-            <a:pPr/>
-            <a:r>
-              <a:rPr b="1"/>
-              <a:t>Week 7-8:</a:t>
-            </a:r>
-            <a:r>
-              <a:t> User acceptance testing and pilot migration</a:t>
-            </a:r>
-          </a:p>
-          <a:p>
-            <a:pPr/>
-            <a:r>
-              <a:rPr b="1"/>
-              <a:t>Week 9-10:</a:t>
-            </a:r>
-            <a:r>
-              <a:t> Full user migration and hypercare support</a:t>
-            </a:r>
-          </a:p>
-        </p:txBody>
-      </p:sp>
+        </p:nvGraphicFramePr>
+        <p:xfrm>
+          <a:off x="256855" y="677011"/>
+          <a:ext cx="8710929" cy="2225040"/>
+        </p:xfrm>
+        <a:graphic>
+          <a:graphicData uri="http://schemas.openxmlformats.org/drawingml/2006/table">
+            <a:tbl>
+              <a:tblPr firstRow="1" bandRow="1">
+                <a:tableStyleId>{5C22544A-7EE6-4342-B048-85BDC9FD1C3A}</a:tableStyleId>
+              </a:tblPr>
+              <a:tblGrid>
+                <a:gridCol w="1742186"/>
+                <a:gridCol w="1045311"/>
+                <a:gridCol w="2003514"/>
+                <a:gridCol w="1132421"/>
+                <a:gridCol w="871093"/>
+                <a:gridCol w="871093"/>
+                <a:gridCol w="1045311"/>
+              </a:tblGrid>
+              <a:tr h="370840">
+                <a:tc>
+                  <a:txBody>
+                    <a:bodyPr/>
+                    <a:lstStyle/>
+                    <a:p>
+                      <a:r>
+                        <a:rPr sz="1400">
+                          <a:solidFill>
+                            <a:srgbClr val="FFFFFF"/>
+                          </a:solidFill>
+                        </a:rPr>
+                        <a:t>Cost Category</a:t>
+                      </a:r>
+                    </a:p>
+                  </a:txBody>
+                  <a:tcPr>
+                    <a:solidFill>
+                      <a:srgbClr val="A01C02"/>
+                    </a:solidFill>
+                  </a:tcPr>
+                </a:tc>
+                <a:tc>
+                  <a:txBody>
+                    <a:bodyPr/>
+                    <a:lstStyle/>
+                    <a:p>
+                      <a:r>
+                        <a:rPr sz="1400">
+                          <a:solidFill>
+                            <a:srgbClr val="FFFFFF"/>
+                          </a:solidFill>
+                        </a:rPr>
+                        <a:t>Year 1 List</a:t>
+                      </a:r>
+                    </a:p>
+                  </a:txBody>
+                  <a:tcPr>
+                    <a:solidFill>
+                      <a:srgbClr val="A01C02"/>
+                    </a:solidFill>
+                  </a:tcPr>
+                </a:tc>
+                <a:tc>
+                  <a:txBody>
+                    <a:bodyPr/>
+                    <a:lstStyle/>
+                    <a:p>
+                      <a:r>
+                        <a:rPr sz="1400">
+                          <a:solidFill>
+                            <a:srgbClr val="FFFFFF"/>
+                          </a:solidFill>
+                        </a:rPr>
+                        <a:t>Provider/Partner Credits</a:t>
+                      </a:r>
+                    </a:p>
+                  </a:txBody>
+                  <a:tcPr>
+                    <a:solidFill>
+                      <a:srgbClr val="A01C02"/>
+                    </a:solidFill>
+                  </a:tcPr>
+                </a:tc>
+                <a:tc>
+                  <a:txBody>
+                    <a:bodyPr/>
+                    <a:lstStyle/>
+                    <a:p>
+                      <a:r>
+                        <a:rPr sz="1400">
+                          <a:solidFill>
+                            <a:srgbClr val="FFFFFF"/>
+                          </a:solidFill>
+                        </a:rPr>
+                        <a:t>Year 1 Net</a:t>
+                      </a:r>
+                    </a:p>
+                  </a:txBody>
+                  <a:tcPr>
+                    <a:solidFill>
+                      <a:srgbClr val="A01C02"/>
+                    </a:solidFill>
+                  </a:tcPr>
+                </a:tc>
+                <a:tc>
+                  <a:txBody>
+                    <a:bodyPr/>
+                    <a:lstStyle/>
+                    <a:p>
+                      <a:r>
+                        <a:rPr sz="1400">
+                          <a:solidFill>
+                            <a:srgbClr val="FFFFFF"/>
+                          </a:solidFill>
+                        </a:rPr>
+                        <a:t>Year 2</a:t>
+                      </a:r>
+                    </a:p>
+                  </a:txBody>
+                  <a:tcPr>
+                    <a:solidFill>
+                      <a:srgbClr val="A01C02"/>
+                    </a:solidFill>
+                  </a:tcPr>
+                </a:tc>
+                <a:tc>
+                  <a:txBody>
+                    <a:bodyPr/>
+                    <a:lstStyle/>
+                    <a:p>
+                      <a:r>
+                        <a:rPr sz="1400">
+                          <a:solidFill>
+                            <a:srgbClr val="FFFFFF"/>
+                          </a:solidFill>
+                        </a:rPr>
+                        <a:t>Year 3</a:t>
+                      </a:r>
+                    </a:p>
+                  </a:txBody>
+                  <a:tcPr>
+                    <a:solidFill>
+                      <a:srgbClr val="A01C02"/>
+                    </a:solidFill>
+                  </a:tcPr>
+                </a:tc>
+                <a:tc>
+                  <a:txBody>
+                    <a:bodyPr/>
+                    <a:lstStyle/>
+                    <a:p>
+                      <a:r>
+                        <a:rPr sz="1400">
+                          <a:solidFill>
+                            <a:srgbClr val="FFFFFF"/>
+                          </a:solidFill>
+                        </a:rPr>
+                        <a:t>3-Year Total</a:t>
+                      </a:r>
+                    </a:p>
+                  </a:txBody>
+                  <a:tcPr>
+                    <a:solidFill>
+                      <a:srgbClr val="A01C02"/>
+                    </a:solidFill>
+                  </a:tcPr>
+                </a:tc>
+              </a:tr>
+              <a:tr h="370840">
+                <a:tc>
+                  <a:txBody>
+                    <a:bodyPr/>
+                    <a:lstStyle/>
+                    <a:p>
+                      <a:r>
+                        <a:rPr sz="1100"/>
+                        <a:t>Cloud Infrastructure</a:t>
+                      </a:r>
+                    </a:p>
+                  </a:txBody>
+                  <a:tcPr>
+                    <a:solidFill>
+                      <a:srgbClr val="E7E6E6"/>
+                    </a:solidFill>
+                  </a:tcPr>
+                </a:tc>
+                <a:tc>
+                  <a:txBody>
+                    <a:bodyPr/>
+                    <a:lstStyle/>
+                    <a:p>
+                      <a:r>
+                        <a:rPr sz="1100"/>
+                        <a:t>$28,000</a:t>
+                      </a:r>
+                    </a:p>
+                  </a:txBody>
+                  <a:tcPr>
+                    <a:solidFill>
+                      <a:srgbClr val="E7E6E6"/>
+                    </a:solidFill>
+                  </a:tcPr>
+                </a:tc>
+                <a:tc>
+                  <a:txBody>
+                    <a:bodyPr/>
+                    <a:lstStyle/>
+                    <a:p>
+                      <a:r>
+                        <a:rPr sz="1100"/>
+                        <a:t>($4,000)</a:t>
+                      </a:r>
+                    </a:p>
+                  </a:txBody>
+                  <a:tcPr>
+                    <a:solidFill>
+                      <a:srgbClr val="E7E6E6"/>
+                    </a:solidFill>
+                  </a:tcPr>
+                </a:tc>
+                <a:tc>
+                  <a:txBody>
+                    <a:bodyPr/>
+                    <a:lstStyle/>
+                    <a:p>
+                      <a:r>
+                        <a:rPr sz="1100"/>
+                        <a:t>$24,000</a:t>
+                      </a:r>
+                    </a:p>
+                  </a:txBody>
+                  <a:tcPr>
+                    <a:solidFill>
+                      <a:srgbClr val="E7E6E6"/>
+                    </a:solidFill>
+                  </a:tcPr>
+                </a:tc>
+                <a:tc>
+                  <a:txBody>
+                    <a:bodyPr/>
+                    <a:lstStyle/>
+                    <a:p>
+                      <a:r>
+                        <a:rPr sz="1100"/>
+                        <a:t>$28,000</a:t>
+                      </a:r>
+                    </a:p>
+                  </a:txBody>
+                  <a:tcPr>
+                    <a:solidFill>
+                      <a:srgbClr val="E7E6E6"/>
+                    </a:solidFill>
+                  </a:tcPr>
+                </a:tc>
+                <a:tc>
+                  <a:txBody>
+                    <a:bodyPr/>
+                    <a:lstStyle/>
+                    <a:p>
+                      <a:r>
+                        <a:rPr sz="1100"/>
+                        <a:t>$28,000</a:t>
+                      </a:r>
+                    </a:p>
+                  </a:txBody>
+                  <a:tcPr>
+                    <a:solidFill>
+                      <a:srgbClr val="E7E6E6"/>
+                    </a:solidFill>
+                  </a:tcPr>
+                </a:tc>
+                <a:tc>
+                  <a:txBody>
+                    <a:bodyPr/>
+                    <a:lstStyle/>
+                    <a:p>
+                      <a:r>
+                        <a:rPr sz="1100"/>
+                        <a:t>$80,000</a:t>
+                      </a:r>
+                    </a:p>
+                  </a:txBody>
+                  <a:tcPr>
+                    <a:solidFill>
+                      <a:srgbClr val="E7E6E6"/>
+                    </a:solidFill>
+                  </a:tcPr>
+                </a:tc>
+              </a:tr>
+              <a:tr h="370840">
+                <a:tc>
+                  <a:txBody>
+                    <a:bodyPr/>
+                    <a:lstStyle/>
+                    <a:p>
+                      <a:r>
+                        <a:rPr sz="1100"/>
+                        <a:t>Professional Services</a:t>
+                      </a:r>
+                    </a:p>
+                  </a:txBody>
+                  <a:tcPr>
+                    <a:solidFill>
+                      <a:srgbClr val="E7E6E6"/>
+                    </a:solidFill>
+                  </a:tcPr>
+                </a:tc>
+                <a:tc>
+                  <a:txBody>
+                    <a:bodyPr/>
+                    <a:lstStyle/>
+                    <a:p>
+                      <a:r>
+                        <a:rPr sz="1100"/>
+                        <a:t>$55,000</a:t>
+                      </a:r>
+                    </a:p>
+                  </a:txBody>
+                  <a:tcPr>
+                    <a:solidFill>
+                      <a:srgbClr val="E7E6E6"/>
+                    </a:solidFill>
+                  </a:tcPr>
+                </a:tc>
+                <a:tc>
+                  <a:txBody>
+                    <a:bodyPr/>
+                    <a:lstStyle/>
+                    <a:p>
+                      <a:r>
+                        <a:rPr sz="1100"/>
+                        <a:t>($2,000)</a:t>
+                      </a:r>
+                    </a:p>
+                  </a:txBody>
+                  <a:tcPr>
+                    <a:solidFill>
+                      <a:srgbClr val="E7E6E6"/>
+                    </a:solidFill>
+                  </a:tcPr>
+                </a:tc>
+                <a:tc>
+                  <a:txBody>
+                    <a:bodyPr/>
+                    <a:lstStyle/>
+                    <a:p>
+                      <a:r>
+                        <a:rPr sz="1100"/>
+                        <a:t>$53,000</a:t>
+                      </a:r>
+                    </a:p>
+                  </a:txBody>
+                  <a:tcPr>
+                    <a:solidFill>
+                      <a:srgbClr val="E7E6E6"/>
+                    </a:solidFill>
+                  </a:tcPr>
+                </a:tc>
+                <a:tc>
+                  <a:txBody>
+                    <a:bodyPr/>
+                    <a:lstStyle/>
+                    <a:p>
+                      <a:r>
+                        <a:rPr sz="1100"/>
+                        <a:t>$0</a:t>
+                      </a:r>
+                    </a:p>
+                  </a:txBody>
+                  <a:tcPr>
+                    <a:solidFill>
+                      <a:srgbClr val="E7E6E6"/>
+                    </a:solidFill>
+                  </a:tcPr>
+                </a:tc>
+                <a:tc>
+                  <a:txBody>
+                    <a:bodyPr/>
+                    <a:lstStyle/>
+                    <a:p>
+                      <a:r>
+                        <a:rPr sz="1100"/>
+                        <a:t>$0</a:t>
+                      </a:r>
+                    </a:p>
+                  </a:txBody>
+                  <a:tcPr>
+                    <a:solidFill>
+                      <a:srgbClr val="E7E6E6"/>
+                    </a:solidFill>
+                  </a:tcPr>
+                </a:tc>
+                <a:tc>
+                  <a:txBody>
+                    <a:bodyPr/>
+                    <a:lstStyle/>
+                    <a:p>
+                      <a:r>
+                        <a:rPr sz="1100"/>
+                        <a:t>$53,000</a:t>
+                      </a:r>
+                    </a:p>
+                  </a:txBody>
+                  <a:tcPr>
+                    <a:solidFill>
+                      <a:srgbClr val="E7E6E6"/>
+                    </a:solidFill>
+                  </a:tcPr>
+                </a:tc>
+              </a:tr>
+              <a:tr h="370840">
+                <a:tc>
+                  <a:txBody>
+                    <a:bodyPr/>
+                    <a:lstStyle/>
+                    <a:p>
+                      <a:r>
+                        <a:rPr sz="1100"/>
+                        <a:t>Software Licenses &amp; Subscriptions</a:t>
+                      </a:r>
+                    </a:p>
+                  </a:txBody>
+                  <a:tcPr>
+                    <a:solidFill>
+                      <a:srgbClr val="E7E6E6"/>
+                    </a:solidFill>
+                  </a:tcPr>
+                </a:tc>
+                <a:tc>
+                  <a:txBody>
+                    <a:bodyPr/>
+                    <a:lstStyle/>
+                    <a:p>
+                      <a:r>
+                        <a:rPr sz="1100"/>
+                        <a:t>$12,000</a:t>
+                      </a:r>
+                    </a:p>
+                  </a:txBody>
+                  <a:tcPr>
+                    <a:solidFill>
+                      <a:srgbClr val="E7E6E6"/>
+                    </a:solidFill>
+                  </a:tcPr>
+                </a:tc>
+                <a:tc>
+                  <a:txBody>
+                    <a:bodyPr/>
+                    <a:lstStyle/>
+                    <a:p>
+                      <a:r>
+                        <a:rPr sz="1100"/>
+                        <a:t>$0</a:t>
+                      </a:r>
+                    </a:p>
+                  </a:txBody>
+                  <a:tcPr>
+                    <a:solidFill>
+                      <a:srgbClr val="E7E6E6"/>
+                    </a:solidFill>
+                  </a:tcPr>
+                </a:tc>
+                <a:tc>
+                  <a:txBody>
+                    <a:bodyPr/>
+                    <a:lstStyle/>
+                    <a:p>
+                      <a:r>
+                        <a:rPr sz="1100"/>
+                        <a:t>$12,000</a:t>
+                      </a:r>
+                    </a:p>
+                  </a:txBody>
+                  <a:tcPr>
+                    <a:solidFill>
+                      <a:srgbClr val="E7E6E6"/>
+                    </a:solidFill>
+                  </a:tcPr>
+                </a:tc>
+                <a:tc>
+                  <a:txBody>
+                    <a:bodyPr/>
+                    <a:lstStyle/>
+                    <a:p>
+                      <a:r>
+                        <a:rPr sz="1100"/>
+                        <a:t>$12,000</a:t>
+                      </a:r>
+                    </a:p>
+                  </a:txBody>
+                  <a:tcPr>
+                    <a:solidFill>
+                      <a:srgbClr val="E7E6E6"/>
+                    </a:solidFill>
+                  </a:tcPr>
+                </a:tc>
+                <a:tc>
+                  <a:txBody>
+                    <a:bodyPr/>
+                    <a:lstStyle/>
+                    <a:p>
+                      <a:r>
+                        <a:rPr sz="1100"/>
+                        <a:t>$12,000</a:t>
+                      </a:r>
+                    </a:p>
+                  </a:txBody>
+                  <a:tcPr>
+                    <a:solidFill>
+                      <a:srgbClr val="E7E6E6"/>
+                    </a:solidFill>
+                  </a:tcPr>
+                </a:tc>
+                <a:tc>
+                  <a:txBody>
+                    <a:bodyPr/>
+                    <a:lstStyle/>
+                    <a:p>
+                      <a:r>
+                        <a:rPr sz="1100"/>
+                        <a:t>$36,000</a:t>
+                      </a:r>
+                    </a:p>
+                  </a:txBody>
+                  <a:tcPr>
+                    <a:solidFill>
+                      <a:srgbClr val="E7E6E6"/>
+                    </a:solidFill>
+                  </a:tcPr>
+                </a:tc>
+              </a:tr>
+              <a:tr h="370840">
+                <a:tc>
+                  <a:txBody>
+                    <a:bodyPr/>
+                    <a:lstStyle/>
+                    <a:p>
+                      <a:r>
+                        <a:rPr sz="1100"/>
+                        <a:t>Support &amp; Maintenance</a:t>
+                      </a:r>
+                    </a:p>
+                  </a:txBody>
+                  <a:tcPr>
+                    <a:solidFill>
+                      <a:srgbClr val="E7E6E6"/>
+                    </a:solidFill>
+                  </a:tcPr>
+                </a:tc>
+                <a:tc>
+                  <a:txBody>
+                    <a:bodyPr/>
+                    <a:lstStyle/>
+                    <a:p>
+                      <a:r>
+                        <a:rPr sz="1100"/>
+                        <a:t>$3,500</a:t>
+                      </a:r>
+                    </a:p>
+                  </a:txBody>
+                  <a:tcPr>
+                    <a:solidFill>
+                      <a:srgbClr val="E7E6E6"/>
+                    </a:solidFill>
+                  </a:tcPr>
+                </a:tc>
+                <a:tc>
+                  <a:txBody>
+                    <a:bodyPr/>
+                    <a:lstStyle/>
+                    <a:p>
+                      <a:r>
+                        <a:rPr sz="1100"/>
+                        <a:t>$0</a:t>
+                      </a:r>
+                    </a:p>
+                  </a:txBody>
+                  <a:tcPr>
+                    <a:solidFill>
+                      <a:srgbClr val="E7E6E6"/>
+                    </a:solidFill>
+                  </a:tcPr>
+                </a:tc>
+                <a:tc>
+                  <a:txBody>
+                    <a:bodyPr/>
+                    <a:lstStyle/>
+                    <a:p>
+                      <a:r>
+                        <a:rPr sz="1100"/>
+                        <a:t>$3,500</a:t>
+                      </a:r>
+                    </a:p>
+                  </a:txBody>
+                  <a:tcPr>
+                    <a:solidFill>
+                      <a:srgbClr val="E7E6E6"/>
+                    </a:solidFill>
+                  </a:tcPr>
+                </a:tc>
+                <a:tc>
+                  <a:txBody>
+                    <a:bodyPr/>
+                    <a:lstStyle/>
+                    <a:p>
+                      <a:r>
+                        <a:rPr sz="1100"/>
+                        <a:t>$3,500</a:t>
+                      </a:r>
+                    </a:p>
+                  </a:txBody>
+                  <a:tcPr>
+                    <a:solidFill>
+                      <a:srgbClr val="E7E6E6"/>
+                    </a:solidFill>
+                  </a:tcPr>
+                </a:tc>
+                <a:tc>
+                  <a:txBody>
+                    <a:bodyPr/>
+                    <a:lstStyle/>
+                    <a:p>
+                      <a:r>
+                        <a:rPr sz="1100"/>
+                        <a:t>$3,500</a:t>
+                      </a:r>
+                    </a:p>
+                  </a:txBody>
+                  <a:tcPr>
+                    <a:solidFill>
+                      <a:srgbClr val="E7E6E6"/>
+                    </a:solidFill>
+                  </a:tcPr>
+                </a:tc>
+                <a:tc>
+                  <a:txBody>
+                    <a:bodyPr/>
+                    <a:lstStyle/>
+                    <a:p>
+                      <a:r>
+                        <a:rPr sz="1100"/>
+                        <a:t>$10,500</a:t>
+                      </a:r>
+                    </a:p>
+                  </a:txBody>
+                  <a:tcPr>
+                    <a:solidFill>
+                      <a:srgbClr val="E7E6E6"/>
+                    </a:solidFill>
+                  </a:tcPr>
+                </a:tc>
+              </a:tr>
+              <a:tr h="370840">
+                <a:tc>
+                  <a:txBody>
+                    <a:bodyPr/>
+                    <a:lstStyle/>
+                    <a:p>
+                      <a:r>
+                        <a:rPr b="1" sz="1100"/>
+                        <a:t>TOTAL INVESTMENT</a:t>
+                      </a:r>
+                    </a:p>
+                  </a:txBody>
+                  <a:tcPr>
+                    <a:solidFill>
+                      <a:srgbClr val="E7E6E6"/>
+                    </a:solidFill>
+                  </a:tcPr>
+                </a:tc>
+                <a:tc>
+                  <a:txBody>
+                    <a:bodyPr/>
+                    <a:lstStyle/>
+                    <a:p>
+                      <a:r>
+                        <a:rPr b="1" sz="1100"/>
+                        <a:t>$98,500</a:t>
+                      </a:r>
+                    </a:p>
+                  </a:txBody>
+                  <a:tcPr>
+                    <a:solidFill>
+                      <a:srgbClr val="E7E6E6"/>
+                    </a:solidFill>
+                  </a:tcPr>
+                </a:tc>
+                <a:tc>
+                  <a:txBody>
+                    <a:bodyPr/>
+                    <a:lstStyle/>
+                    <a:p>
+                      <a:r>
+                        <a:rPr b="1" sz="1100"/>
+                        <a:t>($6,000)</a:t>
+                      </a:r>
+                    </a:p>
+                  </a:txBody>
+                  <a:tcPr>
+                    <a:solidFill>
+                      <a:srgbClr val="E7E6E6"/>
+                    </a:solidFill>
+                  </a:tcPr>
+                </a:tc>
+                <a:tc>
+                  <a:txBody>
+                    <a:bodyPr/>
+                    <a:lstStyle/>
+                    <a:p>
+                      <a:r>
+                        <a:rPr b="1" sz="1100"/>
+                        <a:t>$92,500</a:t>
+                      </a:r>
+                    </a:p>
+                  </a:txBody>
+                  <a:tcPr>
+                    <a:solidFill>
+                      <a:srgbClr val="E7E6E6"/>
+                    </a:solidFill>
+                  </a:tcPr>
+                </a:tc>
+                <a:tc>
+                  <a:txBody>
+                    <a:bodyPr/>
+                    <a:lstStyle/>
+                    <a:p>
+                      <a:r>
+                        <a:rPr b="1" sz="1100"/>
+                        <a:t>$43,500</a:t>
+                      </a:r>
+                    </a:p>
+                  </a:txBody>
+                  <a:tcPr>
+                    <a:solidFill>
+                      <a:srgbClr val="E7E6E6"/>
+                    </a:solidFill>
+                  </a:tcPr>
+                </a:tc>
+                <a:tc>
+                  <a:txBody>
+                    <a:bodyPr/>
+                    <a:lstStyle/>
+                    <a:p>
+                      <a:r>
+                        <a:rPr b="1" sz="1100"/>
+                        <a:t>$43,500</a:t>
+                      </a:r>
+                    </a:p>
+                  </a:txBody>
+                  <a:tcPr>
+                    <a:solidFill>
+                      <a:srgbClr val="E7E6E6"/>
+                    </a:solidFill>
+                  </a:tcPr>
+                </a:tc>
+                <a:tc>
+                  <a:txBody>
+                    <a:bodyPr/>
+                    <a:lstStyle/>
+                    <a:p>
+                      <a:r>
+                        <a:rPr b="1" sz="1100"/>
+                        <a:t>$179,500</a:t>
+                      </a:r>
+                    </a:p>
+                  </a:txBody>
+                  <a:tcPr>
+                    <a:solidFill>
+                      <a:srgbClr val="E7E6E6"/>
+                    </a:solidFill>
+                  </a:tcPr>
+                </a:tc>
+              </a:tr>
+            </a:tbl>
+          </a:graphicData>
+        </a:graphic>
+      </p:graphicFrame>
       <p:pic>
         <p:nvPicPr>
           <p:cNvPr id="5" name="Picture 4" descr="eo-framework-logo-real.png"/>

--- a/solutions/azure/modern-workspace/virtual-desktop/presales/solution-briefing.pptx
+++ b/solutions/azure/modern-workspace/virtual-desktop/presales/solution-briefing.pptx
@@ -3361,7 +3361,7 @@
           <a:lstStyle/>
           <a:p>
             <a:r>
-              <a:t>Enterprise Solutions Architect | November 16, 2025</a:t>
+              <a:t>Enterprise Solutions Architect | November 17, 2025</a:t>
             </a:r>
           </a:p>
         </p:txBody>
@@ -3950,7 +3950,7 @@
         </p:nvGraphicFramePr>
         <p:xfrm>
           <a:off x="256855" y="677011"/>
-          <a:ext cx="8710931" cy="6304280"/>
+          <a:ext cx="8710929" cy="3337560"/>
         </p:xfrm>
         <a:graphic>
           <a:graphicData uri="http://schemas.openxmlformats.org/drawingml/2006/table">
@@ -3959,32 +3959,13 @@
                 <a:tableStyleId>{5C22544A-7EE6-4342-B048-85BDC9FD1C3A}</a:tableStyleId>
               </a:tblPr>
               <a:tblGrid>
+                <a:gridCol w="1567967"/>
+                <a:gridCol w="2526170"/>
+                <a:gridCol w="435546"/>
+                <a:gridCol w="1567967"/>
                 <a:gridCol w="2613279"/>
-                <a:gridCol w="3048826"/>
-                <a:gridCol w="3048826"/>
               </a:tblGrid>
               <a:tr h="370840">
-                <a:tc>
-                  <a:txBody>
-                    <a:bodyPr/>
-                    <a:lstStyle/>
-                    <a:p>
-                      <a:r>
-                        <a:rPr sz="1400">
-                          <a:solidFill>
-                            <a:srgbClr val="FFFFFF"/>
-                          </a:solidFill>
-                        </a:rPr>
-                        <a:t>Category</a:t>
-                      </a:r>
-                    </a:p>
-                  </a:txBody>
-                  <a:tcPr>
-                    <a:solidFill>
-                      <a:srgbClr val="A01C02"/>
-                    </a:solidFill>
-                  </a:tcPr>
-                </a:tc>
                 <a:tc>
                   <a:txBody>
                     <a:bodyPr/>
@@ -4027,6 +4008,65 @@
                     </a:solidFill>
                   </a:tcPr>
                 </a:tc>
+                <a:tc>
+                  <a:txBody>
+                    <a:bodyPr/>
+                    <a:lstStyle/>
+                    <a:p/>
+                  </a:txBody>
+                  <a:tcPr>
+                    <a:solidFill>
+                      <a:srgbClr val="FFFFFF"/>
+                    </a:solidFill>
+                    <a:lnL w="12700">
+                      <a:solidFill>
+                        <a:srgbClr val="D0D0D0"/>
+                      </a:solidFill>
+                    </a:lnL>
+                  </a:tcPr>
+                </a:tc>
+                <a:tc>
+                  <a:txBody>
+                    <a:bodyPr/>
+                    <a:lstStyle/>
+                    <a:p>
+                      <a:r>
+                        <a:rPr sz="1400">
+                          <a:solidFill>
+                            <a:srgbClr val="FFFFFF"/>
+                          </a:solidFill>
+                        </a:rPr>
+                        <a:t>Parameter</a:t>
+                      </a:r>
+                    </a:p>
+                  </a:txBody>
+                  <a:tcPr>
+                    <a:solidFill>
+                      <a:srgbClr val="A01C02"/>
+                    </a:solidFill>
+                  </a:tcPr>
+                </a:tc>
+                <a:tc>
+                  <a:txBody>
+                    <a:bodyPr/>
+                    <a:lstStyle/>
+                    <a:p>
+                      <a:r>
+                        <a:rPr sz="1400">
+                          <a:solidFill>
+                            <a:srgbClr val="FFFFFF"/>
+                          </a:solidFill>
+                        </a:rPr>
+                        <a:t>Scope</a:t>
+                      </a:r>
+                    </a:p>
+                  </a:txBody>
+                  <a:tcPr>
+                    <a:solidFill>
+                      <a:srgbClr val="A01C02"/>
+                    </a:solidFill>
+                  </a:tcPr>
+                </a:tc>
               </a:tr>
               <a:tr h="370840">
                 <a:tc>
@@ -4035,24 +4075,7 @@
                     <a:lstStyle/>
                     <a:p>
                       <a:r>
-                        <a:rPr sz="1100"/>
-                        <a:t>Solution Scope</a:t>
-                      </a:r>
-                    </a:p>
-                  </a:txBody>
-                  <a:tcPr>
-                    <a:solidFill>
-                      <a:srgbClr val="E7E6E6"/>
-                    </a:solidFill>
-                  </a:tcPr>
-                </a:tc>
-                <a:tc>
-                  <a:txBody>
-                    <a:bodyPr/>
-                    <a:lstStyle/>
-                    <a:p>
-                      <a:r>
-                        <a:rPr sz="1100"/>
+                        <a:rPr b="1" sz="1100"/>
                         <a:t>Host Pools</a:t>
                       </a:r>
                     </a:p>
@@ -4080,8 +4103,40 @@
                     </a:solidFill>
                   </a:tcPr>
                 </a:tc>
-              </a:tr>
-              <a:tr h="370840">
+                <a:tc>
+                  <a:txBody>
+                    <a:bodyPr/>
+                    <a:lstStyle/>
+                    <a:p/>
+                  </a:txBody>
+                  <a:tcPr>
+                    <a:solidFill>
+                      <a:srgbClr val="FFFFFF"/>
+                    </a:solidFill>
+                    <a:lnL w="12700">
+                      <a:solidFill>
+                        <a:srgbClr val="D0D0D0"/>
+                      </a:solidFill>
+                    </a:lnL>
+                  </a:tcPr>
+                </a:tc>
+                <a:tc>
+                  <a:txBody>
+                    <a:bodyPr/>
+                    <a:lstStyle/>
+                    <a:p>
+                      <a:r>
+                        <a:rPr b="1" sz="1100"/>
+                        <a:t>Deployment Regions</a:t>
+                      </a:r>
+                    </a:p>
+                  </a:txBody>
+                  <a:tcPr>
+                    <a:solidFill>
+                      <a:srgbClr val="E7E6E6"/>
+                    </a:solidFill>
+                  </a:tcPr>
+                </a:tc>
                 <a:tc>
                   <a:txBody>
                     <a:bodyPr/>
@@ -4089,7 +4144,7 @@
                     <a:p>
                       <a:r>
                         <a:rPr sz="1100"/>
-                        <a:t>Solution Scope</a:t>
+                        <a:t>Single Azure region (East US)</a:t>
                       </a:r>
                     </a:p>
                   </a:txBody>
@@ -4099,13 +4154,15 @@
                     </a:solidFill>
                   </a:tcPr>
                 </a:tc>
+              </a:tr>
+              <a:tr h="370840">
                 <a:tc>
                   <a:txBody>
                     <a:bodyPr/>
                     <a:lstStyle/>
                     <a:p>
                       <a:r>
-                        <a:rPr sz="1100"/>
+                        <a:rPr b="1" sz="1100"/>
                         <a:t>Application Groups</a:t>
                       </a:r>
                     </a:p>
@@ -4133,8 +4190,40 @@
                     </a:solidFill>
                   </a:tcPr>
                 </a:tc>
-              </a:tr>
-              <a:tr h="370840">
+                <a:tc>
+                  <a:txBody>
+                    <a:bodyPr/>
+                    <a:lstStyle/>
+                    <a:p/>
+                  </a:txBody>
+                  <a:tcPr>
+                    <a:solidFill>
+                      <a:srgbClr val="FFFFFF"/>
+                    </a:solidFill>
+                    <a:lnL w="12700">
+                      <a:solidFill>
+                        <a:srgbClr val="D0D0D0"/>
+                      </a:solidFill>
+                    </a:lnL>
+                  </a:tcPr>
+                </a:tc>
+                <a:tc>
+                  <a:txBody>
+                    <a:bodyPr/>
+                    <a:lstStyle/>
+                    <a:p>
+                      <a:r>
+                        <a:rPr b="1" sz="1100"/>
+                        <a:t>Availability Requirements</a:t>
+                      </a:r>
+                    </a:p>
+                  </a:txBody>
+                  <a:tcPr>
+                    <a:solidFill>
+                      <a:srgbClr val="E7E6E6"/>
+                    </a:solidFill>
+                  </a:tcPr>
+                </a:tc>
                 <a:tc>
                   <a:txBody>
                     <a:bodyPr/>
@@ -4142,7 +4231,7 @@
                     <a:p>
                       <a:r>
                         <a:rPr sz="1100"/>
-                        <a:t>Integration</a:t>
+                        <a:t>Standard (99.9%)</a:t>
                       </a:r>
                     </a:p>
                   </a:txBody>
@@ -4152,13 +4241,15 @@
                     </a:solidFill>
                   </a:tcPr>
                 </a:tc>
+              </a:tr>
+              <a:tr h="370840">
                 <a:tc>
                   <a:txBody>
                     <a:bodyPr/>
                     <a:lstStyle/>
                     <a:p>
                       <a:r>
-                        <a:rPr sz="1100"/>
+                        <a:rPr b="1" sz="1100"/>
                         <a:t>Identity Integration</a:t>
                       </a:r>
                     </a:p>
@@ -4186,8 +4277,40 @@
                     </a:solidFill>
                   </a:tcPr>
                 </a:tc>
-              </a:tr>
-              <a:tr h="370840">
+                <a:tc>
+                  <a:txBody>
+                    <a:bodyPr/>
+                    <a:lstStyle/>
+                    <a:p/>
+                  </a:txBody>
+                  <a:tcPr>
+                    <a:solidFill>
+                      <a:srgbClr val="FFFFFF"/>
+                    </a:solidFill>
+                    <a:lnL w="12700">
+                      <a:solidFill>
+                        <a:srgbClr val="D0D0D0"/>
+                      </a:solidFill>
+                    </a:lnL>
+                  </a:tcPr>
+                </a:tc>
+                <a:tc>
+                  <a:txBody>
+                    <a:bodyPr/>
+                    <a:lstStyle/>
+                    <a:p>
+                      <a:r>
+                        <a:rPr b="1" sz="1100"/>
+                        <a:t>Infrastructure Complexity</a:t>
+                      </a:r>
+                    </a:p>
+                  </a:txBody>
+                  <a:tcPr>
+                    <a:solidFill>
+                      <a:srgbClr val="E7E6E6"/>
+                    </a:solidFill>
+                  </a:tcPr>
+                </a:tc>
                 <a:tc>
                   <a:txBody>
                     <a:bodyPr/>
@@ -4195,7 +4318,7 @@
                     <a:p>
                       <a:r>
                         <a:rPr sz="1100"/>
-                        <a:t>Integration</a:t>
+                        <a:t>Multi-session Windows 11 hosts</a:t>
                       </a:r>
                     </a:p>
                   </a:txBody>
@@ -4205,13 +4328,15 @@
                     </a:solidFill>
                   </a:tcPr>
                 </a:tc>
+              </a:tr>
+              <a:tr h="370840">
                 <a:tc>
                   <a:txBody>
                     <a:bodyPr/>
                     <a:lstStyle/>
                     <a:p>
                       <a:r>
-                        <a:rPr sz="1100"/>
+                        <a:rPr b="1" sz="1100"/>
                         <a:t>Profile Management</a:t>
                       </a:r>
                     </a:p>
@@ -4239,8 +4364,40 @@
                     </a:solidFill>
                   </a:tcPr>
                 </a:tc>
-              </a:tr>
-              <a:tr h="370840">
+                <a:tc>
+                  <a:txBody>
+                    <a:bodyPr/>
+                    <a:lstStyle/>
+                    <a:p/>
+                  </a:txBody>
+                  <a:tcPr>
+                    <a:solidFill>
+                      <a:srgbClr val="FFFFFF"/>
+                    </a:solidFill>
+                    <a:lnL w="12700">
+                      <a:solidFill>
+                        <a:srgbClr val="D0D0D0"/>
+                      </a:solidFill>
+                    </a:lnL>
+                  </a:tcPr>
+                </a:tc>
+                <a:tc>
+                  <a:txBody>
+                    <a:bodyPr/>
+                    <a:lstStyle/>
+                    <a:p>
+                      <a:r>
+                        <a:rPr b="1" sz="1100"/>
+                        <a:t>Security Requirements</a:t>
+                      </a:r>
+                    </a:p>
+                  </a:txBody>
+                  <a:tcPr>
+                    <a:solidFill>
+                      <a:srgbClr val="E7E6E6"/>
+                    </a:solidFill>
+                  </a:tcPr>
+                </a:tc>
                 <a:tc>
                   <a:txBody>
                     <a:bodyPr/>
@@ -4248,7 +4405,7 @@
                     <a:p>
                       <a:r>
                         <a:rPr sz="1100"/>
-                        <a:t>User Base</a:t>
+                        <a:t>Conditional Access MFA Intune</a:t>
                       </a:r>
                     </a:p>
                   </a:txBody>
@@ -4258,13 +4415,15 @@
                     </a:solidFill>
                   </a:tcPr>
                 </a:tc>
+              </a:tr>
+              <a:tr h="370840">
                 <a:tc>
                   <a:txBody>
                     <a:bodyPr/>
                     <a:lstStyle/>
                     <a:p>
                       <a:r>
-                        <a:rPr sz="1100"/>
+                        <a:rPr b="1" sz="1100"/>
                         <a:t>Total Users</a:t>
                       </a:r>
                     </a:p>
@@ -4292,8 +4451,40 @@
                     </a:solidFill>
                   </a:tcPr>
                 </a:tc>
-              </a:tr>
-              <a:tr h="370840">
+                <a:tc>
+                  <a:txBody>
+                    <a:bodyPr/>
+                    <a:lstStyle/>
+                    <a:p/>
+                  </a:txBody>
+                  <a:tcPr>
+                    <a:solidFill>
+                      <a:srgbClr val="FFFFFF"/>
+                    </a:solidFill>
+                    <a:lnL w="12700">
+                      <a:solidFill>
+                        <a:srgbClr val="D0D0D0"/>
+                      </a:solidFill>
+                    </a:lnL>
+                  </a:tcPr>
+                </a:tc>
+                <a:tc>
+                  <a:txBody>
+                    <a:bodyPr/>
+                    <a:lstStyle/>
+                    <a:p>
+                      <a:r>
+                        <a:rPr b="1" sz="1100"/>
+                        <a:t>Compliance Frameworks</a:t>
+                      </a:r>
+                    </a:p>
+                  </a:txBody>
+                  <a:tcPr>
+                    <a:solidFill>
+                      <a:srgbClr val="E7E6E6"/>
+                    </a:solidFill>
+                  </a:tcPr>
+                </a:tc>
                 <a:tc>
                   <a:txBody>
                     <a:bodyPr/>
@@ -4301,7 +4492,7 @@
                     <a:p>
                       <a:r>
                         <a:rPr sz="1100"/>
-                        <a:t>User Base</a:t>
+                        <a:t>SOC2</a:t>
                       </a:r>
                     </a:p>
                   </a:txBody>
@@ -4311,13 +4502,15 @@
                     </a:solidFill>
                   </a:tcPr>
                 </a:tc>
+              </a:tr>
+              <a:tr h="370840">
                 <a:tc>
                   <a:txBody>
                     <a:bodyPr/>
                     <a:lstStyle/>
                     <a:p>
                       <a:r>
-                        <a:rPr sz="1100"/>
+                        <a:rPr b="1" sz="1100"/>
                         <a:t>User Roles</a:t>
                       </a:r>
                     </a:p>
@@ -4345,8 +4538,40 @@
                     </a:solidFill>
                   </a:tcPr>
                 </a:tc>
-              </a:tr>
-              <a:tr h="370840">
+                <a:tc>
+                  <a:txBody>
+                    <a:bodyPr/>
+                    <a:lstStyle/>
+                    <a:p/>
+                  </a:txBody>
+                  <a:tcPr>
+                    <a:solidFill>
+                      <a:srgbClr val="FFFFFF"/>
+                    </a:solidFill>
+                    <a:lnL w="12700">
+                      <a:solidFill>
+                        <a:srgbClr val="D0D0D0"/>
+                      </a:solidFill>
+                    </a:lnL>
+                  </a:tcPr>
+                </a:tc>
+                <a:tc>
+                  <a:txBody>
+                    <a:bodyPr/>
+                    <a:lstStyle/>
+                    <a:p>
+                      <a:r>
+                        <a:rPr b="1" sz="1100"/>
+                        <a:t>User Experience</a:t>
+                      </a:r>
+                    </a:p>
+                  </a:txBody>
+                  <a:tcPr>
+                    <a:solidFill>
+                      <a:srgbClr val="E7E6E6"/>
+                    </a:solidFill>
+                  </a:tcPr>
+                </a:tc>
                 <a:tc>
                   <a:txBody>
                     <a:bodyPr/>
@@ -4354,7 +4579,7 @@
                     <a:p>
                       <a:r>
                         <a:rPr sz="1100"/>
-                        <a:t>Data Volume</a:t>
+                        <a:t>Standard latency requirements</a:t>
                       </a:r>
                     </a:p>
                   </a:txBody>
@@ -4364,13 +4589,15 @@
                     </a:solidFill>
                   </a:tcPr>
                 </a:tc>
+              </a:tr>
+              <a:tr h="370840">
                 <a:tc>
                   <a:txBody>
                     <a:bodyPr/>
                     <a:lstStyle/>
                     <a:p>
                       <a:r>
-                        <a:rPr sz="1100"/>
+                        <a:rPr b="1" sz="1100"/>
                         <a:t>User Profiles</a:t>
                       </a:r>
                     </a:p>
@@ -4398,8 +4625,40 @@
                     </a:solidFill>
                   </a:tcPr>
                 </a:tc>
-              </a:tr>
-              <a:tr h="370840">
+                <a:tc>
+                  <a:txBody>
+                    <a:bodyPr/>
+                    <a:lstStyle/>
+                    <a:p/>
+                  </a:txBody>
+                  <a:tcPr>
+                    <a:solidFill>
+                      <a:srgbClr val="FFFFFF"/>
+                    </a:solidFill>
+                    <a:lnL w="12700">
+                      <a:solidFill>
+                        <a:srgbClr val="D0D0D0"/>
+                      </a:solidFill>
+                    </a:lnL>
+                  </a:tcPr>
+                </a:tc>
+                <a:tc>
+                  <a:txBody>
+                    <a:bodyPr/>
+                    <a:lstStyle/>
+                    <a:p>
+                      <a:r>
+                        <a:rPr b="1" sz="1100"/>
+                        <a:t>Graphics Requirements</a:t>
+                      </a:r>
+                    </a:p>
+                  </a:txBody>
+                  <a:tcPr>
+                    <a:solidFill>
+                      <a:srgbClr val="E7E6E6"/>
+                    </a:solidFill>
+                  </a:tcPr>
+                </a:tc>
                 <a:tc>
                   <a:txBody>
                     <a:bodyPr/>
@@ -4407,7 +4666,7 @@
                     <a:p>
                       <a:r>
                         <a:rPr sz="1100"/>
-                        <a:t>Data Volume</a:t>
+                        <a:t>Standard office workloads</a:t>
                       </a:r>
                     </a:p>
                   </a:txBody>
@@ -4417,13 +4676,15 @@
                     </a:solidFill>
                   </a:tcPr>
                 </a:tc>
+              </a:tr>
+              <a:tr h="370840">
                 <a:tc>
                   <a:txBody>
                     <a:bodyPr/>
                     <a:lstStyle/>
                     <a:p>
                       <a:r>
-                        <a:rPr sz="1100"/>
+                        <a:rPr b="1" sz="1100"/>
                         <a:t>Application Data</a:t>
                       </a:r>
                     </a:p>
@@ -4451,403 +4712,30 @@
                     </a:solidFill>
                   </a:tcPr>
                 </a:tc>
-              </a:tr>
-              <a:tr h="370840">
+                <a:tc>
+                  <a:txBody>
+                    <a:bodyPr/>
+                    <a:lstStyle/>
+                    <a:p/>
+                  </a:txBody>
+                  <a:tcPr>
+                    <a:solidFill>
+                      <a:srgbClr val="FFFFFF"/>
+                    </a:solidFill>
+                    <a:lnL w="12700">
+                      <a:solidFill>
+                        <a:srgbClr val="D0D0D0"/>
+                      </a:solidFill>
+                    </a:lnL>
+                  </a:tcPr>
+                </a:tc>
                 <a:tc>
                   <a:txBody>
                     <a:bodyPr/>
                     <a:lstStyle/>
                     <a:p>
                       <a:r>
-                        <a:rPr sz="1100"/>
-                        <a:t>Technical Environment</a:t>
-                      </a:r>
-                    </a:p>
-                  </a:txBody>
-                  <a:tcPr>
-                    <a:solidFill>
-                      <a:srgbClr val="E7E6E6"/>
-                    </a:solidFill>
-                  </a:tcPr>
-                </a:tc>
-                <a:tc>
-                  <a:txBody>
-                    <a:bodyPr/>
-                    <a:lstStyle/>
-                    <a:p>
-                      <a:r>
-                        <a:rPr sz="1100"/>
-                        <a:t>Deployment Regions</a:t>
-                      </a:r>
-                    </a:p>
-                  </a:txBody>
-                  <a:tcPr>
-                    <a:solidFill>
-                      <a:srgbClr val="E7E6E6"/>
-                    </a:solidFill>
-                  </a:tcPr>
-                </a:tc>
-                <a:tc>
-                  <a:txBody>
-                    <a:bodyPr/>
-                    <a:lstStyle/>
-                    <a:p>
-                      <a:r>
-                        <a:rPr sz="1100"/>
-                        <a:t>Single Azure region (East US)</a:t>
-                      </a:r>
-                    </a:p>
-                  </a:txBody>
-                  <a:tcPr>
-                    <a:solidFill>
-                      <a:srgbClr val="E7E6E6"/>
-                    </a:solidFill>
-                  </a:tcPr>
-                </a:tc>
-              </a:tr>
-              <a:tr h="370840">
-                <a:tc>
-                  <a:txBody>
-                    <a:bodyPr/>
-                    <a:lstStyle/>
-                    <a:p>
-                      <a:r>
-                        <a:rPr sz="1100"/>
-                        <a:t>Technical Environment</a:t>
-                      </a:r>
-                    </a:p>
-                  </a:txBody>
-                  <a:tcPr>
-                    <a:solidFill>
-                      <a:srgbClr val="E7E6E6"/>
-                    </a:solidFill>
-                  </a:tcPr>
-                </a:tc>
-                <a:tc>
-                  <a:txBody>
-                    <a:bodyPr/>
-                    <a:lstStyle/>
-                    <a:p>
-                      <a:r>
-                        <a:rPr sz="1100"/>
-                        <a:t>Availability Requirements</a:t>
-                      </a:r>
-                    </a:p>
-                  </a:txBody>
-                  <a:tcPr>
-                    <a:solidFill>
-                      <a:srgbClr val="E7E6E6"/>
-                    </a:solidFill>
-                  </a:tcPr>
-                </a:tc>
-                <a:tc>
-                  <a:txBody>
-                    <a:bodyPr/>
-                    <a:lstStyle/>
-                    <a:p>
-                      <a:r>
-                        <a:rPr sz="1100"/>
-                        <a:t>Standard (99.9%)</a:t>
-                      </a:r>
-                    </a:p>
-                  </a:txBody>
-                  <a:tcPr>
-                    <a:solidFill>
-                      <a:srgbClr val="E7E6E6"/>
-                    </a:solidFill>
-                  </a:tcPr>
-                </a:tc>
-              </a:tr>
-              <a:tr h="370840">
-                <a:tc>
-                  <a:txBody>
-                    <a:bodyPr/>
-                    <a:lstStyle/>
-                    <a:p>
-                      <a:r>
-                        <a:rPr sz="1100"/>
-                        <a:t>Technical Environment</a:t>
-                      </a:r>
-                    </a:p>
-                  </a:txBody>
-                  <a:tcPr>
-                    <a:solidFill>
-                      <a:srgbClr val="E7E6E6"/>
-                    </a:solidFill>
-                  </a:tcPr>
-                </a:tc>
-                <a:tc>
-                  <a:txBody>
-                    <a:bodyPr/>
-                    <a:lstStyle/>
-                    <a:p>
-                      <a:r>
-                        <a:rPr sz="1100"/>
-                        <a:t>Infrastructure Complexity</a:t>
-                      </a:r>
-                    </a:p>
-                  </a:txBody>
-                  <a:tcPr>
-                    <a:solidFill>
-                      <a:srgbClr val="E7E6E6"/>
-                    </a:solidFill>
-                  </a:tcPr>
-                </a:tc>
-                <a:tc>
-                  <a:txBody>
-                    <a:bodyPr/>
-                    <a:lstStyle/>
-                    <a:p>
-                      <a:r>
-                        <a:rPr sz="1100"/>
-                        <a:t>Multi-session Windows 11 hosts</a:t>
-                      </a:r>
-                    </a:p>
-                  </a:txBody>
-                  <a:tcPr>
-                    <a:solidFill>
-                      <a:srgbClr val="E7E6E6"/>
-                    </a:solidFill>
-                  </a:tcPr>
-                </a:tc>
-              </a:tr>
-              <a:tr h="370840">
-                <a:tc>
-                  <a:txBody>
-                    <a:bodyPr/>
-                    <a:lstStyle/>
-                    <a:p>
-                      <a:r>
-                        <a:rPr sz="1100"/>
-                        <a:t>Security &amp; Compliance</a:t>
-                      </a:r>
-                    </a:p>
-                  </a:txBody>
-                  <a:tcPr>
-                    <a:solidFill>
-                      <a:srgbClr val="E7E6E6"/>
-                    </a:solidFill>
-                  </a:tcPr>
-                </a:tc>
-                <a:tc>
-                  <a:txBody>
-                    <a:bodyPr/>
-                    <a:lstStyle/>
-                    <a:p>
-                      <a:r>
-                        <a:rPr sz="1100"/>
-                        <a:t>Security Requirements</a:t>
-                      </a:r>
-                    </a:p>
-                  </a:txBody>
-                  <a:tcPr>
-                    <a:solidFill>
-                      <a:srgbClr val="E7E6E6"/>
-                    </a:solidFill>
-                  </a:tcPr>
-                </a:tc>
-                <a:tc>
-                  <a:txBody>
-                    <a:bodyPr/>
-                    <a:lstStyle/>
-                    <a:p>
-                      <a:r>
-                        <a:rPr sz="1100"/>
-                        <a:t>Conditional Access MFA Intune</a:t>
-                      </a:r>
-                    </a:p>
-                  </a:txBody>
-                  <a:tcPr>
-                    <a:solidFill>
-                      <a:srgbClr val="E7E6E6"/>
-                    </a:solidFill>
-                  </a:tcPr>
-                </a:tc>
-              </a:tr>
-              <a:tr h="370840">
-                <a:tc>
-                  <a:txBody>
-                    <a:bodyPr/>
-                    <a:lstStyle/>
-                    <a:p>
-                      <a:r>
-                        <a:rPr sz="1100"/>
-                        <a:t>Security &amp; Compliance</a:t>
-                      </a:r>
-                    </a:p>
-                  </a:txBody>
-                  <a:tcPr>
-                    <a:solidFill>
-                      <a:srgbClr val="E7E6E6"/>
-                    </a:solidFill>
-                  </a:tcPr>
-                </a:tc>
-                <a:tc>
-                  <a:txBody>
-                    <a:bodyPr/>
-                    <a:lstStyle/>
-                    <a:p>
-                      <a:r>
-                        <a:rPr sz="1100"/>
-                        <a:t>Compliance Frameworks</a:t>
-                      </a:r>
-                    </a:p>
-                  </a:txBody>
-                  <a:tcPr>
-                    <a:solidFill>
-                      <a:srgbClr val="E7E6E6"/>
-                    </a:solidFill>
-                  </a:tcPr>
-                </a:tc>
-                <a:tc>
-                  <a:txBody>
-                    <a:bodyPr/>
-                    <a:lstStyle/>
-                    <a:p>
-                      <a:r>
-                        <a:rPr sz="1100"/>
-                        <a:t>SOC2</a:t>
-                      </a:r>
-                    </a:p>
-                  </a:txBody>
-                  <a:tcPr>
-                    <a:solidFill>
-                      <a:srgbClr val="E7E6E6"/>
-                    </a:solidFill>
-                  </a:tcPr>
-                </a:tc>
-              </a:tr>
-              <a:tr h="370840">
-                <a:tc>
-                  <a:txBody>
-                    <a:bodyPr/>
-                    <a:lstStyle/>
-                    <a:p>
-                      <a:r>
-                        <a:rPr sz="1100"/>
-                        <a:t>Performance</a:t>
-                      </a:r>
-                    </a:p>
-                  </a:txBody>
-                  <a:tcPr>
-                    <a:solidFill>
-                      <a:srgbClr val="E7E6E6"/>
-                    </a:solidFill>
-                  </a:tcPr>
-                </a:tc>
-                <a:tc>
-                  <a:txBody>
-                    <a:bodyPr/>
-                    <a:lstStyle/>
-                    <a:p>
-                      <a:r>
-                        <a:rPr sz="1100"/>
-                        <a:t>User Experience</a:t>
-                      </a:r>
-                    </a:p>
-                  </a:txBody>
-                  <a:tcPr>
-                    <a:solidFill>
-                      <a:srgbClr val="E7E6E6"/>
-                    </a:solidFill>
-                  </a:tcPr>
-                </a:tc>
-                <a:tc>
-                  <a:txBody>
-                    <a:bodyPr/>
-                    <a:lstStyle/>
-                    <a:p>
-                      <a:r>
-                        <a:rPr sz="1100"/>
-                        <a:t>Standard latency requirements</a:t>
-                      </a:r>
-                    </a:p>
-                  </a:txBody>
-                  <a:tcPr>
-                    <a:solidFill>
-                      <a:srgbClr val="E7E6E6"/>
-                    </a:solidFill>
-                  </a:tcPr>
-                </a:tc>
-              </a:tr>
-              <a:tr h="370840">
-                <a:tc>
-                  <a:txBody>
-                    <a:bodyPr/>
-                    <a:lstStyle/>
-                    <a:p>
-                      <a:r>
-                        <a:rPr sz="1100"/>
-                        <a:t>Performance</a:t>
-                      </a:r>
-                    </a:p>
-                  </a:txBody>
-                  <a:tcPr>
-                    <a:solidFill>
-                      <a:srgbClr val="E7E6E6"/>
-                    </a:solidFill>
-                  </a:tcPr>
-                </a:tc>
-                <a:tc>
-                  <a:txBody>
-                    <a:bodyPr/>
-                    <a:lstStyle/>
-                    <a:p>
-                      <a:r>
-                        <a:rPr sz="1100"/>
-                        <a:t>Graphics Requirements</a:t>
-                      </a:r>
-                    </a:p>
-                  </a:txBody>
-                  <a:tcPr>
-                    <a:solidFill>
-                      <a:srgbClr val="E7E6E6"/>
-                    </a:solidFill>
-                  </a:tcPr>
-                </a:tc>
-                <a:tc>
-                  <a:txBody>
-                    <a:bodyPr/>
-                    <a:lstStyle/>
-                    <a:p>
-                      <a:r>
-                        <a:rPr sz="1100"/>
-                        <a:t>Standard office workloads</a:t>
-                      </a:r>
-                    </a:p>
-                  </a:txBody>
-                  <a:tcPr>
-                    <a:solidFill>
-                      <a:srgbClr val="E7E6E6"/>
-                    </a:solidFill>
-                  </a:tcPr>
-                </a:tc>
-              </a:tr>
-              <a:tr h="370840">
-                <a:tc>
-                  <a:txBody>
-                    <a:bodyPr/>
-                    <a:lstStyle/>
-                    <a:p>
-                      <a:r>
-                        <a:rPr sz="1100"/>
-                        <a:t>Environment</a:t>
-                      </a:r>
-                    </a:p>
-                  </a:txBody>
-                  <a:tcPr>
-                    <a:solidFill>
-                      <a:srgbClr val="E7E6E6"/>
-                    </a:solidFill>
-                  </a:tcPr>
-                </a:tc>
-                <a:tc>
-                  <a:txBody>
-                    <a:bodyPr/>
-                    <a:lstStyle/>
-                    <a:p>
-                      <a:r>
-                        <a:rPr sz="1100"/>
+                        <a:rPr b="1" sz="1100"/>
                         <a:t>Deployment Environments</a:t>
                       </a:r>
                     </a:p>
@@ -6168,7 +6056,7 @@
         </p:nvGraphicFramePr>
         <p:xfrm>
           <a:off x="256855" y="677011"/>
-          <a:ext cx="8710929" cy="2225040"/>
+          <a:ext cx="8710929" cy="741680"/>
         </p:xfrm>
         <a:graphic>
           <a:graphicData uri="http://schemas.openxmlformats.org/drawingml/2006/table">
@@ -6177,13 +6065,13 @@
                 <a:tableStyleId>{5C22544A-7EE6-4342-B048-85BDC9FD1C3A}</a:tableStyleId>
               </a:tblPr>
               <a:tblGrid>
-                <a:gridCol w="1742186"/>
-                <a:gridCol w="1045311"/>
-                <a:gridCol w="2003514"/>
-                <a:gridCol w="1132421"/>
+                <a:gridCol w="2177733"/>
+                <a:gridCol w="1306639"/>
+                <a:gridCol w="1306639"/>
+                <a:gridCol w="1306639"/>
                 <a:gridCol w="871093"/>
                 <a:gridCol w="871093"/>
-                <a:gridCol w="1045311"/>
+                <a:gridCol w="871093"/>
               </a:tblGrid>
               <a:tr h="370840">
                 <a:tc>
@@ -6341,490 +6229,6 @@
                     <a:lstStyle/>
                     <a:p>
                       <a:r>
-                        <a:rPr sz="1100"/>
-                        <a:t>Cloud Infrastructure</a:t>
-                      </a:r>
-                    </a:p>
-                  </a:txBody>
-                  <a:tcPr>
-                    <a:solidFill>
-                      <a:srgbClr val="E7E6E6"/>
-                    </a:solidFill>
-                  </a:tcPr>
-                </a:tc>
-                <a:tc>
-                  <a:txBody>
-                    <a:bodyPr/>
-                    <a:lstStyle/>
-                    <a:p>
-                      <a:r>
-                        <a:rPr sz="1100"/>
-                        <a:t>$28,000</a:t>
-                      </a:r>
-                    </a:p>
-                  </a:txBody>
-                  <a:tcPr>
-                    <a:solidFill>
-                      <a:srgbClr val="E7E6E6"/>
-                    </a:solidFill>
-                  </a:tcPr>
-                </a:tc>
-                <a:tc>
-                  <a:txBody>
-                    <a:bodyPr/>
-                    <a:lstStyle/>
-                    <a:p>
-                      <a:r>
-                        <a:rPr sz="1100"/>
-                        <a:t>($4,000)</a:t>
-                      </a:r>
-                    </a:p>
-                  </a:txBody>
-                  <a:tcPr>
-                    <a:solidFill>
-                      <a:srgbClr val="E7E6E6"/>
-                    </a:solidFill>
-                  </a:tcPr>
-                </a:tc>
-                <a:tc>
-                  <a:txBody>
-                    <a:bodyPr/>
-                    <a:lstStyle/>
-                    <a:p>
-                      <a:r>
-                        <a:rPr sz="1100"/>
-                        <a:t>$24,000</a:t>
-                      </a:r>
-                    </a:p>
-                  </a:txBody>
-                  <a:tcPr>
-                    <a:solidFill>
-                      <a:srgbClr val="E7E6E6"/>
-                    </a:solidFill>
-                  </a:tcPr>
-                </a:tc>
-                <a:tc>
-                  <a:txBody>
-                    <a:bodyPr/>
-                    <a:lstStyle/>
-                    <a:p>
-                      <a:r>
-                        <a:rPr sz="1100"/>
-                        <a:t>$28,000</a:t>
-                      </a:r>
-                    </a:p>
-                  </a:txBody>
-                  <a:tcPr>
-                    <a:solidFill>
-                      <a:srgbClr val="E7E6E6"/>
-                    </a:solidFill>
-                  </a:tcPr>
-                </a:tc>
-                <a:tc>
-                  <a:txBody>
-                    <a:bodyPr/>
-                    <a:lstStyle/>
-                    <a:p>
-                      <a:r>
-                        <a:rPr sz="1100"/>
-                        <a:t>$28,000</a:t>
-                      </a:r>
-                    </a:p>
-                  </a:txBody>
-                  <a:tcPr>
-                    <a:solidFill>
-                      <a:srgbClr val="E7E6E6"/>
-                    </a:solidFill>
-                  </a:tcPr>
-                </a:tc>
-                <a:tc>
-                  <a:txBody>
-                    <a:bodyPr/>
-                    <a:lstStyle/>
-                    <a:p>
-                      <a:r>
-                        <a:rPr sz="1100"/>
-                        <a:t>$80,000</a:t>
-                      </a:r>
-                    </a:p>
-                  </a:txBody>
-                  <a:tcPr>
-                    <a:solidFill>
-                      <a:srgbClr val="E7E6E6"/>
-                    </a:solidFill>
-                  </a:tcPr>
-                </a:tc>
-              </a:tr>
-              <a:tr h="370840">
-                <a:tc>
-                  <a:txBody>
-                    <a:bodyPr/>
-                    <a:lstStyle/>
-                    <a:p>
-                      <a:r>
-                        <a:rPr sz="1100"/>
-                        <a:t>Professional Services</a:t>
-                      </a:r>
-                    </a:p>
-                  </a:txBody>
-                  <a:tcPr>
-                    <a:solidFill>
-                      <a:srgbClr val="E7E6E6"/>
-                    </a:solidFill>
-                  </a:tcPr>
-                </a:tc>
-                <a:tc>
-                  <a:txBody>
-                    <a:bodyPr/>
-                    <a:lstStyle/>
-                    <a:p>
-                      <a:r>
-                        <a:rPr sz="1100"/>
-                        <a:t>$55,000</a:t>
-                      </a:r>
-                    </a:p>
-                  </a:txBody>
-                  <a:tcPr>
-                    <a:solidFill>
-                      <a:srgbClr val="E7E6E6"/>
-                    </a:solidFill>
-                  </a:tcPr>
-                </a:tc>
-                <a:tc>
-                  <a:txBody>
-                    <a:bodyPr/>
-                    <a:lstStyle/>
-                    <a:p>
-                      <a:r>
-                        <a:rPr sz="1100"/>
-                        <a:t>($2,000)</a:t>
-                      </a:r>
-                    </a:p>
-                  </a:txBody>
-                  <a:tcPr>
-                    <a:solidFill>
-                      <a:srgbClr val="E7E6E6"/>
-                    </a:solidFill>
-                  </a:tcPr>
-                </a:tc>
-                <a:tc>
-                  <a:txBody>
-                    <a:bodyPr/>
-                    <a:lstStyle/>
-                    <a:p>
-                      <a:r>
-                        <a:rPr sz="1100"/>
-                        <a:t>$53,000</a:t>
-                      </a:r>
-                    </a:p>
-                  </a:txBody>
-                  <a:tcPr>
-                    <a:solidFill>
-                      <a:srgbClr val="E7E6E6"/>
-                    </a:solidFill>
-                  </a:tcPr>
-                </a:tc>
-                <a:tc>
-                  <a:txBody>
-                    <a:bodyPr/>
-                    <a:lstStyle/>
-                    <a:p>
-                      <a:r>
-                        <a:rPr sz="1100"/>
-                        <a:t>$0</a:t>
-                      </a:r>
-                    </a:p>
-                  </a:txBody>
-                  <a:tcPr>
-                    <a:solidFill>
-                      <a:srgbClr val="E7E6E6"/>
-                    </a:solidFill>
-                  </a:tcPr>
-                </a:tc>
-                <a:tc>
-                  <a:txBody>
-                    <a:bodyPr/>
-                    <a:lstStyle/>
-                    <a:p>
-                      <a:r>
-                        <a:rPr sz="1100"/>
-                        <a:t>$0</a:t>
-                      </a:r>
-                    </a:p>
-                  </a:txBody>
-                  <a:tcPr>
-                    <a:solidFill>
-                      <a:srgbClr val="E7E6E6"/>
-                    </a:solidFill>
-                  </a:tcPr>
-                </a:tc>
-                <a:tc>
-                  <a:txBody>
-                    <a:bodyPr/>
-                    <a:lstStyle/>
-                    <a:p>
-                      <a:r>
-                        <a:rPr sz="1100"/>
-                        <a:t>$53,000</a:t>
-                      </a:r>
-                    </a:p>
-                  </a:txBody>
-                  <a:tcPr>
-                    <a:solidFill>
-                      <a:srgbClr val="E7E6E6"/>
-                    </a:solidFill>
-                  </a:tcPr>
-                </a:tc>
-              </a:tr>
-              <a:tr h="370840">
-                <a:tc>
-                  <a:txBody>
-                    <a:bodyPr/>
-                    <a:lstStyle/>
-                    <a:p>
-                      <a:r>
-                        <a:rPr sz="1100"/>
-                        <a:t>Software Licenses &amp; Subscriptions</a:t>
-                      </a:r>
-                    </a:p>
-                  </a:txBody>
-                  <a:tcPr>
-                    <a:solidFill>
-                      <a:srgbClr val="E7E6E6"/>
-                    </a:solidFill>
-                  </a:tcPr>
-                </a:tc>
-                <a:tc>
-                  <a:txBody>
-                    <a:bodyPr/>
-                    <a:lstStyle/>
-                    <a:p>
-                      <a:r>
-                        <a:rPr sz="1100"/>
-                        <a:t>$12,000</a:t>
-                      </a:r>
-                    </a:p>
-                  </a:txBody>
-                  <a:tcPr>
-                    <a:solidFill>
-                      <a:srgbClr val="E7E6E6"/>
-                    </a:solidFill>
-                  </a:tcPr>
-                </a:tc>
-                <a:tc>
-                  <a:txBody>
-                    <a:bodyPr/>
-                    <a:lstStyle/>
-                    <a:p>
-                      <a:r>
-                        <a:rPr sz="1100"/>
-                        <a:t>$0</a:t>
-                      </a:r>
-                    </a:p>
-                  </a:txBody>
-                  <a:tcPr>
-                    <a:solidFill>
-                      <a:srgbClr val="E7E6E6"/>
-                    </a:solidFill>
-                  </a:tcPr>
-                </a:tc>
-                <a:tc>
-                  <a:txBody>
-                    <a:bodyPr/>
-                    <a:lstStyle/>
-                    <a:p>
-                      <a:r>
-                        <a:rPr sz="1100"/>
-                        <a:t>$12,000</a:t>
-                      </a:r>
-                    </a:p>
-                  </a:txBody>
-                  <a:tcPr>
-                    <a:solidFill>
-                      <a:srgbClr val="E7E6E6"/>
-                    </a:solidFill>
-                  </a:tcPr>
-                </a:tc>
-                <a:tc>
-                  <a:txBody>
-                    <a:bodyPr/>
-                    <a:lstStyle/>
-                    <a:p>
-                      <a:r>
-                        <a:rPr sz="1100"/>
-                        <a:t>$12,000</a:t>
-                      </a:r>
-                    </a:p>
-                  </a:txBody>
-                  <a:tcPr>
-                    <a:solidFill>
-                      <a:srgbClr val="E7E6E6"/>
-                    </a:solidFill>
-                  </a:tcPr>
-                </a:tc>
-                <a:tc>
-                  <a:txBody>
-                    <a:bodyPr/>
-                    <a:lstStyle/>
-                    <a:p>
-                      <a:r>
-                        <a:rPr sz="1100"/>
-                        <a:t>$12,000</a:t>
-                      </a:r>
-                    </a:p>
-                  </a:txBody>
-                  <a:tcPr>
-                    <a:solidFill>
-                      <a:srgbClr val="E7E6E6"/>
-                    </a:solidFill>
-                  </a:tcPr>
-                </a:tc>
-                <a:tc>
-                  <a:txBody>
-                    <a:bodyPr/>
-                    <a:lstStyle/>
-                    <a:p>
-                      <a:r>
-                        <a:rPr sz="1100"/>
-                        <a:t>$36,000</a:t>
-                      </a:r>
-                    </a:p>
-                  </a:txBody>
-                  <a:tcPr>
-                    <a:solidFill>
-                      <a:srgbClr val="E7E6E6"/>
-                    </a:solidFill>
-                  </a:tcPr>
-                </a:tc>
-              </a:tr>
-              <a:tr h="370840">
-                <a:tc>
-                  <a:txBody>
-                    <a:bodyPr/>
-                    <a:lstStyle/>
-                    <a:p>
-                      <a:r>
-                        <a:rPr sz="1100"/>
-                        <a:t>Support &amp; Maintenance</a:t>
-                      </a:r>
-                    </a:p>
-                  </a:txBody>
-                  <a:tcPr>
-                    <a:solidFill>
-                      <a:srgbClr val="E7E6E6"/>
-                    </a:solidFill>
-                  </a:tcPr>
-                </a:tc>
-                <a:tc>
-                  <a:txBody>
-                    <a:bodyPr/>
-                    <a:lstStyle/>
-                    <a:p>
-                      <a:r>
-                        <a:rPr sz="1100"/>
-                        <a:t>$3,500</a:t>
-                      </a:r>
-                    </a:p>
-                  </a:txBody>
-                  <a:tcPr>
-                    <a:solidFill>
-                      <a:srgbClr val="E7E6E6"/>
-                    </a:solidFill>
-                  </a:tcPr>
-                </a:tc>
-                <a:tc>
-                  <a:txBody>
-                    <a:bodyPr/>
-                    <a:lstStyle/>
-                    <a:p>
-                      <a:r>
-                        <a:rPr sz="1100"/>
-                        <a:t>$0</a:t>
-                      </a:r>
-                    </a:p>
-                  </a:txBody>
-                  <a:tcPr>
-                    <a:solidFill>
-                      <a:srgbClr val="E7E6E6"/>
-                    </a:solidFill>
-                  </a:tcPr>
-                </a:tc>
-                <a:tc>
-                  <a:txBody>
-                    <a:bodyPr/>
-                    <a:lstStyle/>
-                    <a:p>
-                      <a:r>
-                        <a:rPr sz="1100"/>
-                        <a:t>$3,500</a:t>
-                      </a:r>
-                    </a:p>
-                  </a:txBody>
-                  <a:tcPr>
-                    <a:solidFill>
-                      <a:srgbClr val="E7E6E6"/>
-                    </a:solidFill>
-                  </a:tcPr>
-                </a:tc>
-                <a:tc>
-                  <a:txBody>
-                    <a:bodyPr/>
-                    <a:lstStyle/>
-                    <a:p>
-                      <a:r>
-                        <a:rPr sz="1100"/>
-                        <a:t>$3,500</a:t>
-                      </a:r>
-                    </a:p>
-                  </a:txBody>
-                  <a:tcPr>
-                    <a:solidFill>
-                      <a:srgbClr val="E7E6E6"/>
-                    </a:solidFill>
-                  </a:tcPr>
-                </a:tc>
-                <a:tc>
-                  <a:txBody>
-                    <a:bodyPr/>
-                    <a:lstStyle/>
-                    <a:p>
-                      <a:r>
-                        <a:rPr sz="1100"/>
-                        <a:t>$3,500</a:t>
-                      </a:r>
-                    </a:p>
-                  </a:txBody>
-                  <a:tcPr>
-                    <a:solidFill>
-                      <a:srgbClr val="E7E6E6"/>
-                    </a:solidFill>
-                  </a:tcPr>
-                </a:tc>
-                <a:tc>
-                  <a:txBody>
-                    <a:bodyPr/>
-                    <a:lstStyle/>
-                    <a:p>
-                      <a:r>
-                        <a:rPr sz="1100"/>
-                        <a:t>$10,500</a:t>
-                      </a:r>
-                    </a:p>
-                  </a:txBody>
-                  <a:tcPr>
-                    <a:solidFill>
-                      <a:srgbClr val="E7E6E6"/>
-                    </a:solidFill>
-                  </a:tcPr>
-                </a:tc>
-              </a:tr>
-              <a:tr h="370840">
-                <a:tc>
-                  <a:txBody>
-                    <a:bodyPr/>
-                    <a:lstStyle/>
-                    <a:p>
-                      <a:r>
                         <a:rPr b="1" sz="1100"/>
                         <a:t>TOTAL INVESTMENT</a:t>
                       </a:r>
@@ -6843,7 +6247,7 @@
                     <a:p>
                       <a:r>
                         <a:rPr b="1" sz="1100"/>
-                        <a:t>$98,500</a:t>
+                        <a:t>$0</a:t>
                       </a:r>
                     </a:p>
                   </a:txBody>
@@ -6860,7 +6264,7 @@
                     <a:p>
                       <a:r>
                         <a:rPr b="1" sz="1100"/>
-                        <a:t>($6,000)</a:t>
+                        <a:t>$0</a:t>
                       </a:r>
                     </a:p>
                   </a:txBody>
@@ -6877,7 +6281,7 @@
                     <a:p>
                       <a:r>
                         <a:rPr b="1" sz="1100"/>
-                        <a:t>$92,500</a:t>
+                        <a:t>$0</a:t>
                       </a:r>
                     </a:p>
                   </a:txBody>
@@ -6894,7 +6298,7 @@
                     <a:p>
                       <a:r>
                         <a:rPr b="1" sz="1100"/>
-                        <a:t>$43,500</a:t>
+                        <a:t>$0</a:t>
                       </a:r>
                     </a:p>
                   </a:txBody>
@@ -6911,7 +6315,7 @@
                     <a:p>
                       <a:r>
                         <a:rPr b="1" sz="1100"/>
-                        <a:t>$43,500</a:t>
+                        <a:t>$0</a:t>
                       </a:r>
                     </a:p>
                   </a:txBody>
@@ -6928,7 +6332,7 @@
                     <a:p>
                       <a:r>
                         <a:rPr b="1" sz="1100"/>
-                        <a:t>$179,500</a:t>
+                        <a:t>$0</a:t>
                       </a:r>
                     </a:p>
                   </a:txBody>

--- a/solutions/azure/modern-workspace/virtual-desktop/presales/solution-briefing.pptx
+++ b/solutions/azure/modern-workspace/virtual-desktop/presales/solution-briefing.pptx
@@ -3361,7 +3361,7 @@
           <a:lstStyle/>
           <a:p>
             <a:r>
-              <a:t>Enterprise Solutions Architect | November 17, 2025</a:t>
+              <a:t>Enterprise Solutions Architect | November 18, 2025</a:t>
             </a:r>
           </a:p>
         </p:txBody>
@@ -5091,7 +5091,7 @@
               <a:t>Phase 1: Assessment &amp; Design</a:t>
             </a:r>
             <a:r>
-              <a:t> *(Weeks 1-3)*</a:t>
+              <a:t> (Weeks 1-3)</a:t>
             </a:r>
           </a:p>
           <a:p>
@@ -5125,7 +5125,7 @@
               <a:t>Phase 2: Infrastructure &amp; Golden Image</a:t>
             </a:r>
             <a:r>
-              <a:t> *(Weeks 4-6)*</a:t>
+              <a:t> (Weeks 4-6)</a:t>
             </a:r>
           </a:p>
           <a:p>
@@ -5159,7 +5159,7 @@
               <a:t>Phase 3: Deployment &amp; Validation</a:t>
             </a:r>
             <a:r>
-              <a:t> *(Weeks 7-10)*</a:t>
+              <a:t> (Weeks 7-10)</a:t>
             </a:r>
           </a:p>
           <a:p>

--- a/solutions/azure/modern-workspace/virtual-desktop/presales/solution-briefing.pptx
+++ b/solutions/azure/modern-workspace/virtual-desktop/presales/solution-briefing.pptx
@@ -118,6 +118,9 @@
     <p:ext uri="{EFAFB233-063F-42B5-8137-9DF3F51BA10A}">
       <p15:sldGuideLst xmlns:p15="http://schemas.microsoft.com/office/powerpoint/2012/main"/>
     </p:ext>
+    <p:ext uri="{2D200454-40CA-4A62-9FC3-DE9A4176ACB9}">
+      <p15:notesGuideLst xmlns:p15="http://schemas.microsoft.com/office/powerpoint/2012/main"/>
+    </p:ext>
   </p:extLst>
 </p:presentation>
 </file>
@@ -144,6 +147,59 @@
           <a:chExt cx="0" cy="0"/>
         </a:xfrm>
       </p:grpSpPr>
+      <p:sp>
+        <p:nvSpPr>
+          <p:cNvPr id="2" name="Slide Image Placeholder 1"/>
+          <p:cNvSpPr>
+            <a:spLocks noGrp="1" noRot="1" noChangeAspect="1"/>
+          </p:cNvSpPr>
+          <p:nvPr>
+            <p:ph type="sldImg"/>
+          </p:nvPr>
+        </p:nvSpPr>
+        <p:spPr>
+          <a:xfrm>
+            <a:off x="-171450" y="1143000"/>
+            <a:ext cx="5486400" cy="3086100"/>
+          </a:xfrm>
+          <a:prstGeom prst="rect">
+            <a:avLst/>
+          </a:prstGeom>
+          <a:noFill/>
+          <a:ln w="12700">
+            <a:solidFill>
+              <a:prstClr val="black"/>
+            </a:solidFill>
+          </a:ln>
+        </p:spPr>
+      </p:sp>
+      <p:sp>
+        <p:nvSpPr>
+          <p:cNvPr id="3" name="Notes Placeholder 2"/>
+          <p:cNvSpPr>
+            <a:spLocks noGrp="1"/>
+          </p:cNvSpPr>
+          <p:nvPr>
+            <p:ph type="body" idx="1"/>
+          </p:nvPr>
+        </p:nvSpPr>
+        <p:spPr>
+          <a:xfrm>
+            <a:off x="514350" y="4400550"/>
+            <a:ext cx="4114800" cy="3600450"/>
+          </a:xfrm>
+          <a:prstGeom prst="rect">
+            <a:avLst/>
+          </a:prstGeom>
+        </p:spPr>
+        <p:txBody>
+          <a:bodyPr/>
+          <a:lstStyle/>
+          <a:p>
+            <a:endParaRPr lang="en-US"/>
+          </a:p>
+        </p:txBody>
+      </p:sp>
     </p:spTree>
     <p:extLst>
       <p:ext uri="{BB962C8B-B14F-4D97-AF65-F5344CB8AC3E}">
@@ -247,131 +303,6 @@
 </p:notesMaster>
 </file>
 
-<file path=ppt/notesSlides/notesSlide1.xml><?xml version="1.0" encoding="utf-8"?>
-<p:notes xmlns:a="http://schemas.openxmlformats.org/drawingml/2006/main" xmlns:p="http://schemas.openxmlformats.org/presentationml/2006/main" xmlns:r="http://schemas.openxmlformats.org/officeDocument/2006/relationships">
-  <p:cSld>
-    <p:spTree>
-      <p:nvGrpSpPr>
-        <p:cNvPr id="1" name=""/>
-        <p:cNvGrpSpPr/>
-        <p:nvPr/>
-      </p:nvGrpSpPr>
-      <p:grpSpPr>
-        <a:xfrm>
-          <a:off x="0" y="0"/>
-          <a:ext cx="0" cy="0"/>
-          <a:chOff x="0" y="0"/>
-          <a:chExt cx="0" cy="0"/>
-        </a:xfrm>
-      </p:grpSpPr>
-    </p:spTree>
-  </p:cSld>
-  <p:clrMapOvr>
-    <a:masterClrMapping/>
-  </p:clrMapOvr>
-</p:notes>
-</file>
-
-<file path=ppt/notesSlides/notesSlide2.xml><?xml version="1.0" encoding="utf-8"?>
-<p:notes xmlns:a="http://schemas.openxmlformats.org/drawingml/2006/main" xmlns:p="http://schemas.openxmlformats.org/presentationml/2006/main" xmlns:r="http://schemas.openxmlformats.org/officeDocument/2006/relationships">
-  <p:cSld>
-    <p:spTree>
-      <p:nvGrpSpPr>
-        <p:cNvPr id="1" name=""/>
-        <p:cNvGrpSpPr/>
-        <p:nvPr/>
-      </p:nvGrpSpPr>
-      <p:grpSpPr>
-        <a:xfrm>
-          <a:off x="0" y="0"/>
-          <a:ext cx="0" cy="0"/>
-          <a:chOff x="0" y="0"/>
-          <a:chExt cx="0" cy="0"/>
-        </a:xfrm>
-      </p:grpSpPr>
-    </p:spTree>
-  </p:cSld>
-  <p:clrMapOvr>
-    <a:masterClrMapping/>
-  </p:clrMapOvr>
-</p:notes>
-</file>
-
-<file path=ppt/notesSlides/notesSlide3.xml><?xml version="1.0" encoding="utf-8"?>
-<p:notes xmlns:a="http://schemas.openxmlformats.org/drawingml/2006/main" xmlns:p="http://schemas.openxmlformats.org/presentationml/2006/main" xmlns:r="http://schemas.openxmlformats.org/officeDocument/2006/relationships">
-  <p:cSld>
-    <p:spTree>
-      <p:nvGrpSpPr>
-        <p:cNvPr id="1" name=""/>
-        <p:cNvGrpSpPr/>
-        <p:nvPr/>
-      </p:nvGrpSpPr>
-      <p:grpSpPr>
-        <a:xfrm>
-          <a:off x="0" y="0"/>
-          <a:ext cx="0" cy="0"/>
-          <a:chOff x="0" y="0"/>
-          <a:chExt cx="0" cy="0"/>
-        </a:xfrm>
-      </p:grpSpPr>
-    </p:spTree>
-  </p:cSld>
-  <p:clrMapOvr>
-    <a:masterClrMapping/>
-  </p:clrMapOvr>
-</p:notes>
-</file>
-
-<file path=ppt/notesSlides/notesSlide4.xml><?xml version="1.0" encoding="utf-8"?>
-<p:notes xmlns:a="http://schemas.openxmlformats.org/drawingml/2006/main" xmlns:p="http://schemas.openxmlformats.org/presentationml/2006/main" xmlns:r="http://schemas.openxmlformats.org/officeDocument/2006/relationships">
-  <p:cSld>
-    <p:spTree>
-      <p:nvGrpSpPr>
-        <p:cNvPr id="1" name=""/>
-        <p:cNvGrpSpPr/>
-        <p:nvPr/>
-      </p:nvGrpSpPr>
-      <p:grpSpPr>
-        <a:xfrm>
-          <a:off x="0" y="0"/>
-          <a:ext cx="0" cy="0"/>
-          <a:chOff x="0" y="0"/>
-          <a:chExt cx="0" cy="0"/>
-        </a:xfrm>
-      </p:grpSpPr>
-    </p:spTree>
-  </p:cSld>
-  <p:clrMapOvr>
-    <a:masterClrMapping/>
-  </p:clrMapOvr>
-</p:notes>
-</file>
-
-<file path=ppt/notesSlides/notesSlide5.xml><?xml version="1.0" encoding="utf-8"?>
-<p:notes xmlns:a="http://schemas.openxmlformats.org/drawingml/2006/main" xmlns:p="http://schemas.openxmlformats.org/presentationml/2006/main" xmlns:r="http://schemas.openxmlformats.org/officeDocument/2006/relationships">
-  <p:cSld>
-    <p:spTree>
-      <p:nvGrpSpPr>
-        <p:cNvPr id="1" name=""/>
-        <p:cNvGrpSpPr/>
-        <p:nvPr/>
-      </p:nvGrpSpPr>
-      <p:grpSpPr>
-        <a:xfrm>
-          <a:off x="0" y="0"/>
-          <a:ext cx="0" cy="0"/>
-          <a:chOff x="0" y="0"/>
-          <a:chExt cx="0" cy="0"/>
-        </a:xfrm>
-      </p:grpSpPr>
-    </p:spTree>
-  </p:cSld>
-  <p:clrMapOvr>
-    <a:masterClrMapping/>
-  </p:clrMapOvr>
-</p:notes>
-</file>
-
 <file path=ppt/slideLayouts/slideLayout1.xml><?xml version="1.0" encoding="utf-8"?>
 <p:sldLayout xmlns:a="http://schemas.openxmlformats.org/drawingml/2006/main" xmlns:r="http://schemas.openxmlformats.org/officeDocument/2006/relationships" xmlns:p="http://schemas.openxmlformats.org/presentationml/2006/main" preserve="1" userDrawn="1">
   <p:cSld name="EO Title Slide">
@@ -887,36 +818,6 @@
           </a:p>
         </p:txBody>
       </p:sp>
-      <p:pic>
-        <p:nvPicPr>
-          <p:cNvPr id="13" name="Image 0" descr="/home/claude/eo-framework-logo.png">
-            <a:extLst>
-              <a:ext uri="{FF2B5EF4-FFF2-40B4-BE49-F238E27FC236}">
-                <a16:creationId xmlns:a16="http://schemas.microsoft.com/office/drawing/2014/main" id="{25116040-BB88-891D-9118-628A78E99872}"/>
-              </a:ext>
-            </a:extLst>
-          </p:cNvPr>
-          <p:cNvPicPr>
-            <a:picLocks noChangeAspect="1"/>
-          </p:cNvPicPr>
-          <p:nvPr userDrawn="1"/>
-        </p:nvPicPr>
-        <p:blipFill>
-          <a:blip r:embed="rId2"/>
-          <a:stretch>
-            <a:fillRect/>
-          </a:stretch>
-        </p:blipFill>
-        <p:spPr>
-          <a:xfrm>
-            <a:off x="6945879" y="4648200"/>
-            <a:ext cx="1952244" cy="417576"/>
-          </a:xfrm>
-          <a:prstGeom prst="rect">
-            <a:avLst/>
-          </a:prstGeom>
-        </p:spPr>
-      </p:pic>
       <p:sp>
         <p:nvSpPr>
           <p:cNvPr id="4" name="Text Placeholder 3">
@@ -946,7 +847,7 @@
           <a:bodyPr/>
           <a:lstStyle>
             <a:lvl1pPr>
-              <a:defRPr sz="2000" baseline="0">
+              <a:defRPr sz="2000" b="1" baseline="0">
                 <a:solidFill>
                   <a:srgbClr val="C00000"/>
                 </a:solidFill>
@@ -992,6 +893,48 @@
             <a:r>
               <a:rPr lang="en-US" dirty="0"/>
               <a:t>Fourth level</a:t>
+            </a:r>
+          </a:p>
+        </p:txBody>
+      </p:sp>
+      <p:sp>
+        <p:nvSpPr>
+          <p:cNvPr id="5" name="Text Placeholder 4">
+            <a:extLst>
+              <a:ext uri="{FF2B5EF4-FFF2-40B4-BE49-F238E27FC236}">
+                <a16:creationId xmlns:a16="http://schemas.microsoft.com/office/drawing/2014/main" id="{57F71806-AFEA-DD6D-E6AA-E2A002E682DE}"/>
+              </a:ext>
+            </a:extLst>
+          </p:cNvPr>
+          <p:cNvSpPr>
+            <a:spLocks noGrp="1"/>
+          </p:cNvSpPr>
+          <p:nvPr>
+            <p:ph type="body" sz="quarter" idx="15" hasCustomPrompt="1"/>
+          </p:nvPr>
+        </p:nvSpPr>
+        <p:spPr>
+          <a:xfrm>
+            <a:off x="5627076" y="4738688"/>
+            <a:ext cx="3218473" cy="238125"/>
+          </a:xfrm>
+          <a:prstGeom prst="rect">
+            <a:avLst/>
+          </a:prstGeom>
+        </p:spPr>
+        <p:txBody>
+          <a:bodyPr/>
+          <a:lstStyle>
+            <a:lvl5pPr algn="r">
+              <a:buNone/>
+              <a:defRPr sz="1100"/>
+            </a:lvl5pPr>
+          </a:lstStyle>
+          <a:p>
+            <a:pPr lvl="4"/>
+            <a:r>
+              <a:rPr lang="en-US" dirty="0"/>
+              <a:t>Project Name</a:t>
             </a:r>
           </a:p>
         </p:txBody>
@@ -1153,36 +1096,6 @@
           </a:p>
         </p:txBody>
       </p:sp>
-      <p:pic>
-        <p:nvPicPr>
-          <p:cNvPr id="13" name="Image 0" descr="/home/claude/eo-framework-logo.png">
-            <a:extLst>
-              <a:ext uri="{FF2B5EF4-FFF2-40B4-BE49-F238E27FC236}">
-                <a16:creationId xmlns:a16="http://schemas.microsoft.com/office/drawing/2014/main" id="{25116040-BB88-891D-9118-628A78E99872}"/>
-              </a:ext>
-            </a:extLst>
-          </p:cNvPr>
-          <p:cNvPicPr>
-            <a:picLocks noChangeAspect="1"/>
-          </p:cNvPicPr>
-          <p:nvPr userDrawn="1"/>
-        </p:nvPicPr>
-        <p:blipFill>
-          <a:blip r:embed="rId2"/>
-          <a:stretch>
-            <a:fillRect/>
-          </a:stretch>
-        </p:blipFill>
-        <p:spPr>
-          <a:xfrm>
-            <a:off x="6945879" y="4648200"/>
-            <a:ext cx="1952244" cy="417576"/>
-          </a:xfrm>
-          <a:prstGeom prst="rect">
-            <a:avLst/>
-          </a:prstGeom>
-        </p:spPr>
-      </p:pic>
       <p:sp>
         <p:nvSpPr>
           <p:cNvPr id="4" name="Text Placeholder 3">
@@ -1244,6 +1157,48 @@
             <a:r>
               <a:rPr lang="en-US" dirty="0"/>
               <a:t>Bullet Point 2</a:t>
+            </a:r>
+          </a:p>
+        </p:txBody>
+      </p:sp>
+      <p:sp>
+        <p:nvSpPr>
+          <p:cNvPr id="5" name="Text Placeholder 4">
+            <a:extLst>
+              <a:ext uri="{FF2B5EF4-FFF2-40B4-BE49-F238E27FC236}">
+                <a16:creationId xmlns:a16="http://schemas.microsoft.com/office/drawing/2014/main" id="{162079A5-28FD-9D2F-2B9B-2FC8F9339A31}"/>
+              </a:ext>
+            </a:extLst>
+          </p:cNvPr>
+          <p:cNvSpPr>
+            <a:spLocks noGrp="1"/>
+          </p:cNvSpPr>
+          <p:nvPr>
+            <p:ph type="body" sz="quarter" idx="15" hasCustomPrompt="1"/>
+          </p:nvPr>
+        </p:nvSpPr>
+        <p:spPr>
+          <a:xfrm>
+            <a:off x="5627076" y="4738688"/>
+            <a:ext cx="3218473" cy="238125"/>
+          </a:xfrm>
+          <a:prstGeom prst="rect">
+            <a:avLst/>
+          </a:prstGeom>
+        </p:spPr>
+        <p:txBody>
+          <a:bodyPr/>
+          <a:lstStyle>
+            <a:lvl5pPr algn="r">
+              <a:buNone/>
+              <a:defRPr sz="1100"/>
+            </a:lvl5pPr>
+          </a:lstStyle>
+          <a:p>
+            <a:pPr lvl="4"/>
+            <a:r>
+              <a:rPr lang="en-US" dirty="0"/>
+              <a:t>Project Name</a:t>
             </a:r>
           </a:p>
         </p:txBody>
@@ -1372,36 +1327,6 @@
           </a:p>
         </p:txBody>
       </p:sp>
-      <p:pic>
-        <p:nvPicPr>
-          <p:cNvPr id="8" name="Image 0" descr="/home/claude/eo-framework-logo.png">
-            <a:extLst>
-              <a:ext uri="{FF2B5EF4-FFF2-40B4-BE49-F238E27FC236}">
-                <a16:creationId xmlns:a16="http://schemas.microsoft.com/office/drawing/2014/main" id="{4B7035C6-0EF1-6BD3-318E-553D1AAD6709}"/>
-              </a:ext>
-            </a:extLst>
-          </p:cNvPr>
-          <p:cNvPicPr>
-            <a:picLocks noChangeAspect="1"/>
-          </p:cNvPicPr>
-          <p:nvPr userDrawn="1"/>
-        </p:nvPicPr>
-        <p:blipFill>
-          <a:blip r:embed="rId2"/>
-          <a:stretch>
-            <a:fillRect/>
-          </a:stretch>
-        </p:blipFill>
-        <p:spPr>
-          <a:xfrm>
-            <a:off x="6945879" y="4648200"/>
-            <a:ext cx="1952244" cy="417576"/>
-          </a:xfrm>
-          <a:prstGeom prst="rect">
-            <a:avLst/>
-          </a:prstGeom>
-        </p:spPr>
-      </p:pic>
       <p:sp>
         <p:nvSpPr>
           <p:cNvPr id="10" name="Picture Placeholder 13">
@@ -1464,7 +1389,7 @@
           <a:bodyPr/>
           <a:lstStyle>
             <a:lvl1pPr>
-              <a:defRPr sz="1800">
+              <a:defRPr sz="1800" b="1">
                 <a:solidFill>
                   <a:srgbClr val="C00000"/>
                 </a:solidFill>
@@ -1549,7 +1474,7 @@
           <a:bodyPr/>
           <a:lstStyle>
             <a:lvl1pPr>
-              <a:defRPr sz="1800">
+              <a:defRPr sz="1800" b="1">
                 <a:solidFill>
                   <a:srgbClr val="C00000"/>
                 </a:solidFill>
@@ -1601,6 +1526,48 @@
             <a:r>
               <a:rPr lang="en-US" dirty="0"/>
               <a:t>Fifth level</a:t>
+            </a:r>
+          </a:p>
+        </p:txBody>
+      </p:sp>
+      <p:sp>
+        <p:nvSpPr>
+          <p:cNvPr id="4" name="Text Placeholder 4">
+            <a:extLst>
+              <a:ext uri="{FF2B5EF4-FFF2-40B4-BE49-F238E27FC236}">
+                <a16:creationId xmlns:a16="http://schemas.microsoft.com/office/drawing/2014/main" id="{5DF49ED0-89F0-F008-ADD7-D71F338C8B9B}"/>
+              </a:ext>
+            </a:extLst>
+          </p:cNvPr>
+          <p:cNvSpPr>
+            <a:spLocks noGrp="1"/>
+          </p:cNvSpPr>
+          <p:nvPr>
+            <p:ph type="body" sz="quarter" idx="15" hasCustomPrompt="1"/>
+          </p:nvPr>
+        </p:nvSpPr>
+        <p:spPr>
+          <a:xfrm>
+            <a:off x="5697414" y="4681864"/>
+            <a:ext cx="3218473" cy="238125"/>
+          </a:xfrm>
+          <a:prstGeom prst="rect">
+            <a:avLst/>
+          </a:prstGeom>
+        </p:spPr>
+        <p:txBody>
+          <a:bodyPr/>
+          <a:lstStyle>
+            <a:lvl5pPr algn="r">
+              <a:buNone/>
+              <a:defRPr sz="1100"/>
+            </a:lvl5pPr>
+          </a:lstStyle>
+          <a:p>
+            <a:pPr lvl="4"/>
+            <a:r>
+              <a:rPr lang="en-US" dirty="0"/>
+              <a:t>Project Name</a:t>
             </a:r>
           </a:p>
         </p:txBody>
@@ -1789,36 +1756,6 @@
           </a:p>
         </p:txBody>
       </p:sp>
-      <p:pic>
-        <p:nvPicPr>
-          <p:cNvPr id="13" name="Image 0" descr="/home/claude/eo-framework-logo.png">
-            <a:extLst>
-              <a:ext uri="{FF2B5EF4-FFF2-40B4-BE49-F238E27FC236}">
-                <a16:creationId xmlns:a16="http://schemas.microsoft.com/office/drawing/2014/main" id="{25116040-BB88-891D-9118-628A78E99872}"/>
-              </a:ext>
-            </a:extLst>
-          </p:cNvPr>
-          <p:cNvPicPr>
-            <a:picLocks noChangeAspect="1"/>
-          </p:cNvPicPr>
-          <p:nvPr userDrawn="1"/>
-        </p:nvPicPr>
-        <p:blipFill>
-          <a:blip r:embed="rId2"/>
-          <a:stretch>
-            <a:fillRect/>
-          </a:stretch>
-        </p:blipFill>
-        <p:spPr>
-          <a:xfrm>
-            <a:off x="6945879" y="4648200"/>
-            <a:ext cx="1952244" cy="417576"/>
-          </a:xfrm>
-          <a:prstGeom prst="rect">
-            <a:avLst/>
-          </a:prstGeom>
-        </p:spPr>
-      </p:pic>
       <p:sp>
         <p:nvSpPr>
           <p:cNvPr id="5" name="Table Placeholder 4">
@@ -1849,6 +1786,48 @@
           <a:lstStyle/>
           <a:p>
             <a:endParaRPr lang="en-US"/>
+          </a:p>
+        </p:txBody>
+      </p:sp>
+      <p:sp>
+        <p:nvSpPr>
+          <p:cNvPr id="4" name="Text Placeholder 4">
+            <a:extLst>
+              <a:ext uri="{FF2B5EF4-FFF2-40B4-BE49-F238E27FC236}">
+                <a16:creationId xmlns:a16="http://schemas.microsoft.com/office/drawing/2014/main" id="{A00DC936-676C-1BAA-B4B4-D45CC5951D6E}"/>
+              </a:ext>
+            </a:extLst>
+          </p:cNvPr>
+          <p:cNvSpPr>
+            <a:spLocks noGrp="1"/>
+          </p:cNvSpPr>
+          <p:nvPr>
+            <p:ph type="body" sz="quarter" idx="15" hasCustomPrompt="1"/>
+          </p:nvPr>
+        </p:nvSpPr>
+        <p:spPr>
+          <a:xfrm>
+            <a:off x="5749315" y="4681864"/>
+            <a:ext cx="3218473" cy="238125"/>
+          </a:xfrm>
+          <a:prstGeom prst="rect">
+            <a:avLst/>
+          </a:prstGeom>
+        </p:spPr>
+        <p:txBody>
+          <a:bodyPr/>
+          <a:lstStyle>
+            <a:lvl5pPr algn="r">
+              <a:buNone/>
+              <a:defRPr sz="1100"/>
+            </a:lvl5pPr>
+          </a:lstStyle>
+          <a:p>
+            <a:pPr lvl="4"/>
+            <a:r>
+              <a:rPr lang="en-US" dirty="0"/>
+              <a:t>Project Name</a:t>
+            </a:r>
           </a:p>
         </p:txBody>
       </p:sp>
@@ -1976,36 +1955,6 @@
           </a:p>
         </p:txBody>
       </p:sp>
-      <p:pic>
-        <p:nvPicPr>
-          <p:cNvPr id="8" name="Image 0" descr="/home/claude/eo-framework-logo.png">
-            <a:extLst>
-              <a:ext uri="{FF2B5EF4-FFF2-40B4-BE49-F238E27FC236}">
-                <a16:creationId xmlns:a16="http://schemas.microsoft.com/office/drawing/2014/main" id="{4B7035C6-0EF1-6BD3-318E-553D1AAD6709}"/>
-              </a:ext>
-            </a:extLst>
-          </p:cNvPr>
-          <p:cNvPicPr>
-            <a:picLocks noChangeAspect="1"/>
-          </p:cNvPicPr>
-          <p:nvPr userDrawn="1"/>
-        </p:nvPicPr>
-        <p:blipFill>
-          <a:blip r:embed="rId2"/>
-          <a:stretch>
-            <a:fillRect/>
-          </a:stretch>
-        </p:blipFill>
-        <p:spPr>
-          <a:xfrm>
-            <a:off x="6945879" y="4648200"/>
-            <a:ext cx="1952244" cy="417576"/>
-          </a:xfrm>
-          <a:prstGeom prst="rect">
-            <a:avLst/>
-          </a:prstGeom>
-        </p:spPr>
-      </p:pic>
       <p:sp>
         <p:nvSpPr>
           <p:cNvPr id="10" name="Picture Placeholder 13">
@@ -2101,7 +2050,7 @@
           <a:bodyPr/>
           <a:lstStyle>
             <a:lvl1pPr>
-              <a:defRPr sz="1800">
+              <a:defRPr sz="1800" b="1">
                 <a:solidFill>
                   <a:srgbClr val="C00000"/>
                 </a:solidFill>
@@ -2153,6 +2102,48 @@
             <a:r>
               <a:rPr lang="en-US" dirty="0"/>
               <a:t>Fifth level</a:t>
+            </a:r>
+          </a:p>
+        </p:txBody>
+      </p:sp>
+      <p:sp>
+        <p:nvSpPr>
+          <p:cNvPr id="2" name="Text Placeholder 4">
+            <a:extLst>
+              <a:ext uri="{FF2B5EF4-FFF2-40B4-BE49-F238E27FC236}">
+                <a16:creationId xmlns:a16="http://schemas.microsoft.com/office/drawing/2014/main" id="{6D03683B-7C4B-D474-74C5-EC53E3BB515B}"/>
+              </a:ext>
+            </a:extLst>
+          </p:cNvPr>
+          <p:cNvSpPr>
+            <a:spLocks noGrp="1"/>
+          </p:cNvSpPr>
+          <p:nvPr>
+            <p:ph type="body" sz="quarter" idx="17" hasCustomPrompt="1"/>
+          </p:nvPr>
+        </p:nvSpPr>
+        <p:spPr>
+          <a:xfrm>
+            <a:off x="5781065" y="4729530"/>
+            <a:ext cx="3218473" cy="238125"/>
+          </a:xfrm>
+          <a:prstGeom prst="rect">
+            <a:avLst/>
+          </a:prstGeom>
+        </p:spPr>
+        <p:txBody>
+          <a:bodyPr/>
+          <a:lstStyle>
+            <a:lvl5pPr algn="r">
+              <a:buNone/>
+              <a:defRPr sz="1100"/>
+            </a:lvl5pPr>
+          </a:lstStyle>
+          <a:p>
+            <a:pPr lvl="4"/>
+            <a:r>
+              <a:rPr lang="en-US" dirty="0"/>
+              <a:t>Project Name</a:t>
             </a:r>
           </a:p>
         </p:txBody>
@@ -2281,36 +2272,6 @@
           </a:p>
         </p:txBody>
       </p:sp>
-      <p:pic>
-        <p:nvPicPr>
-          <p:cNvPr id="8" name="Image 0" descr="/home/claude/eo-framework-logo.png">
-            <a:extLst>
-              <a:ext uri="{FF2B5EF4-FFF2-40B4-BE49-F238E27FC236}">
-                <a16:creationId xmlns:a16="http://schemas.microsoft.com/office/drawing/2014/main" id="{4B7035C6-0EF1-6BD3-318E-553D1AAD6709}"/>
-              </a:ext>
-            </a:extLst>
-          </p:cNvPr>
-          <p:cNvPicPr>
-            <a:picLocks noChangeAspect="1"/>
-          </p:cNvPicPr>
-          <p:nvPr userDrawn="1"/>
-        </p:nvPicPr>
-        <p:blipFill>
-          <a:blip r:embed="rId2"/>
-          <a:stretch>
-            <a:fillRect/>
-          </a:stretch>
-        </p:blipFill>
-        <p:spPr>
-          <a:xfrm>
-            <a:off x="6945879" y="4648200"/>
-            <a:ext cx="1952244" cy="417576"/>
-          </a:xfrm>
-          <a:prstGeom prst="rect">
-            <a:avLst/>
-          </a:prstGeom>
-        </p:spPr>
-      </p:pic>
       <p:sp>
         <p:nvSpPr>
           <p:cNvPr id="10" name="Picture Placeholder 13">
@@ -2406,7 +2367,7 @@
           <a:bodyPr/>
           <a:lstStyle>
             <a:lvl1pPr>
-              <a:defRPr sz="1800">
+              <a:defRPr sz="1800" b="1">
                 <a:solidFill>
                   <a:srgbClr val="C00000"/>
                 </a:solidFill>
@@ -2458,6 +2419,48 @@
             <a:r>
               <a:rPr lang="en-US" dirty="0"/>
               <a:t>Fifth level</a:t>
+            </a:r>
+          </a:p>
+        </p:txBody>
+      </p:sp>
+      <p:sp>
+        <p:nvSpPr>
+          <p:cNvPr id="4" name="Text Placeholder 4">
+            <a:extLst>
+              <a:ext uri="{FF2B5EF4-FFF2-40B4-BE49-F238E27FC236}">
+                <a16:creationId xmlns:a16="http://schemas.microsoft.com/office/drawing/2014/main" id="{A1231DFE-6A5A-950E-159E-9E1D3D45FD36}"/>
+              </a:ext>
+            </a:extLst>
+          </p:cNvPr>
+          <p:cNvSpPr>
+            <a:spLocks noGrp="1"/>
+          </p:cNvSpPr>
+          <p:nvPr>
+            <p:ph type="body" sz="quarter" idx="17" hasCustomPrompt="1"/>
+          </p:nvPr>
+        </p:nvSpPr>
+        <p:spPr>
+          <a:xfrm>
+            <a:off x="5679465" y="4681864"/>
+            <a:ext cx="3218473" cy="238125"/>
+          </a:xfrm>
+          <a:prstGeom prst="rect">
+            <a:avLst/>
+          </a:prstGeom>
+        </p:spPr>
+        <p:txBody>
+          <a:bodyPr/>
+          <a:lstStyle>
+            <a:lvl5pPr algn="r">
+              <a:buNone/>
+              <a:defRPr sz="900"/>
+            </a:lvl5pPr>
+          </a:lstStyle>
+          <a:p>
+            <a:pPr lvl="4"/>
+            <a:r>
+              <a:rPr lang="en-US" dirty="0"/>
+              <a:t>Project Name</a:t>
             </a:r>
           </a:p>
         </p:txBody>
@@ -3265,25 +3268,6 @@
         <p:nvPr/>
       </p:nvGrpSpPr>
       <p:grpSpPr/>
-      <p:pic>
-        <p:nvPicPr>
-          <p:cNvPr id="2" name="Picture Placeholder 1" descr="client_logo.png"/>
-          <p:cNvPicPr>
-            <a:picLocks noGrp="1" noChangeAspect="1"/>
-          </p:cNvPicPr>
-          <p:nvPr>
-            <p:ph type="pic" idx="10" sz="quarter"/>
-          </p:nvPr>
-        </p:nvPicPr>
-        <p:blipFill>
-          <a:blip r:embed="rId2"/>
-          <a:srcRect t="433" b="433"/>
-          <a:stretch>
-            <a:fillRect/>
-          </a:stretch>
-        </p:blipFill>
-        <p:spPr/>
-      </p:pic>
       <p:sp>
         <p:nvSpPr>
           <p:cNvPr id="3" name="Text Placeholder 2"/>
@@ -3305,25 +3289,6 @@
           </a:p>
         </p:txBody>
       </p:sp>
-      <p:pic>
-        <p:nvPicPr>
-          <p:cNvPr id="4" name="Picture Placeholder 3" descr="consulting_company_logo.png"/>
-          <p:cNvPicPr>
-            <a:picLocks noGrp="1" noChangeAspect="1"/>
-          </p:cNvPicPr>
-          <p:nvPr>
-            <p:ph type="pic" idx="13" sz="quarter"/>
-          </p:nvPr>
-        </p:nvPicPr>
-        <p:blipFill>
-          <a:blip r:embed="rId3"/>
-          <a:srcRect t="5856" b="5856"/>
-          <a:stretch>
-            <a:fillRect/>
-          </a:stretch>
-        </p:blipFill>
-        <p:spPr/>
-      </p:pic>
       <p:sp>
         <p:nvSpPr>
           <p:cNvPr id="5" name="Text Placeholder 4"/>
@@ -3361,14 +3326,62 @@
           <a:lstStyle/>
           <a:p>
             <a:r>
-              <a:t>Enterprise Solutions Architect | November 18, 2025</a:t>
+              <a:t>Enterprise Solutions Architect | November 22, 2025</a:t>
             </a:r>
           </a:p>
         </p:txBody>
       </p:sp>
       <p:pic>
         <p:nvPicPr>
-          <p:cNvPr id="7" name="Picture 6" descr="eo-framework-logo-real.png"/>
+          <p:cNvPr id="7" name="Picture 6" descr="client_logo.png"/>
+          <p:cNvPicPr>
+            <a:picLocks noChangeAspect="1"/>
+          </p:cNvPicPr>
+          <p:nvPr/>
+        </p:nvPicPr>
+        <p:blipFill>
+          <a:blip r:embed="rId2"/>
+          <a:stretch>
+            <a:fillRect/>
+          </a:stretch>
+        </p:blipFill>
+        <p:spPr>
+          <a:xfrm>
+            <a:off x="2180492" y="171206"/>
+            <a:ext cx="3978520" cy="1314694"/>
+          </a:xfrm>
+          <a:prstGeom prst="rect">
+            <a:avLst/>
+          </a:prstGeom>
+        </p:spPr>
+      </p:pic>
+      <p:pic>
+        <p:nvPicPr>
+          <p:cNvPr id="8" name="Picture 7" descr="consulting_company_logo.png"/>
+          <p:cNvPicPr>
+            <a:picLocks noChangeAspect="1"/>
+          </p:cNvPicPr>
+          <p:nvPr/>
+        </p:nvPicPr>
+        <p:blipFill>
+          <a:blip r:embed="rId3"/>
+          <a:stretch>
+            <a:fillRect/>
+          </a:stretch>
+        </p:blipFill>
+        <p:spPr>
+          <a:xfrm>
+            <a:off x="313591" y="4536078"/>
+            <a:ext cx="2099897" cy="529698"/>
+          </a:xfrm>
+          <a:prstGeom prst="rect">
+            <a:avLst/>
+          </a:prstGeom>
+        </p:spPr>
+      </p:pic>
+      <p:pic>
+        <p:nvPicPr>
+          <p:cNvPr id="9" name="Picture 8" descr="eo-framework-logo-real.png"/>
           <p:cNvPicPr>
             <a:picLocks noChangeAspect="1"/>
           </p:cNvPicPr>
@@ -3423,31 +3436,13 @@
           <a:bodyPr/>
           <a:lstStyle/>
           <a:p>
+            <a:pPr algn="l"/>
             <a:r>
               <a:t>Next Steps</a:t>
             </a:r>
           </a:p>
         </p:txBody>
       </p:sp>
-      <p:pic>
-        <p:nvPicPr>
-          <p:cNvPr id="3" name="Picture Placeholder 2" descr="consulting_company_logo.png"/>
-          <p:cNvPicPr>
-            <a:picLocks noGrp="1" noChangeAspect="1"/>
-          </p:cNvPicPr>
-          <p:nvPr>
-            <p:ph type="pic" idx="13" sz="quarter"/>
-          </p:nvPr>
-        </p:nvPicPr>
-        <p:blipFill>
-          <a:blip r:embed="rId2"/>
-          <a:srcRect t="6762" b="6762"/>
-          <a:stretch>
-            <a:fillRect/>
-          </a:stretch>
-        </p:blipFill>
-        <p:spPr/>
-      </p:pic>
       <p:sp>
         <p:nvSpPr>
           <p:cNvPr id="4" name="Text Placeholder 3"/>
@@ -3469,7 +3464,7 @@
               <a:t>Decision:</a:t>
             </a:r>
             <a:r>
-              <a:t> Board approval for AVD initiative by [specific date]</a:t>
+              <a:t> Board approval for AVD initiative by [Target Date]</a:t>
             </a:r>
           </a:p>
           <a:p>
@@ -3479,7 +3474,7 @@
               <a:t>Kickoff:</a:t>
             </a:r>
             <a:r>
-              <a:t> Project start date of [target start date]</a:t>
+              <a:t> Project start scheduled for [Start Date] with IT lead, network architect, and user champions</a:t>
             </a:r>
           </a:p>
           <a:p>
@@ -3489,69 +3484,78 @@
               <a:t>Team Formation:</a:t>
             </a:r>
             <a:r>
-              <a:t> Designate IT lead, network architect, and user champions</a:t>
+              <a:t> Designate IT lead, network architect, and user champions for engagement</a:t>
             </a:r>
           </a:p>
           <a:p>
             <a:pPr/>
             <a:r>
               <a:rPr b="1"/>
-              <a:t>Week 1:</a:t>
-            </a:r>
-            <a:r>
-              <a:t> Contract finalization and project initiation</a:t>
+              <a:t>Week 1-2:</a:t>
+            </a:r>
+            <a:r>
+              <a:t> Contract finalization, project initiation, discovery sessions, and requirements gathering</a:t>
             </a:r>
           </a:p>
           <a:p>
             <a:pPr/>
             <a:r>
               <a:rPr b="1"/>
-              <a:t>Week 2:</a:t>
-            </a:r>
-            <a:r>
-              <a:t> Discovery sessions and requirements gathering</a:t>
-            </a:r>
-          </a:p>
-          <a:p>
-            <a:pPr/>
-            <a:r>
-              <a:rPr b="1"/>
-              <a:t>Week 3:</a:t>
-            </a:r>
-            <a:r>
-              <a:t> Architecture design and golden image planning</a:t>
-            </a:r>
-          </a:p>
-          <a:p>
-            <a:pPr/>
-            <a:r>
-              <a:rPr b="1"/>
-              <a:t>Week 4:</a:t>
-            </a:r>
-            <a:r>
-              <a:t> Environment setup and pilot user selection</a:t>
+              <a:t>Week 3-4:</a:t>
+            </a:r>
+            <a:r>
+              <a:t> Architecture design, golden image planning, environment setup, and pilot user selection</a:t>
+            </a:r>
+          </a:p>
+        </p:txBody>
+      </p:sp>
+      <p:sp>
+        <p:nvSpPr>
+          <p:cNvPr id="5" name="Text Placeholder 4"/>
+          <p:cNvSpPr>
+            <a:spLocks noGrp="1"/>
+          </p:cNvSpPr>
+          <p:nvPr>
+            <p:ph type="body" idx="15" sz="quarter"/>
+          </p:nvPr>
+        </p:nvSpPr>
+        <p:spPr/>
+        <p:txBody>
+          <a:bodyPr/>
+          <a:lstStyle/>
+          <a:p>
+            <a:pPr algn="r">
+              <a:buNone/>
+            </a:pPr>
+            <a:r>
+              <a:rPr sz="1100">
+                <a:solidFill>
+                  <a:srgbClr val="CC0000"/>
+                </a:solidFill>
+              </a:rPr>
+              <a:t>Azure Virtual Desktop</a:t>
             </a:r>
           </a:p>
         </p:txBody>
       </p:sp>
       <p:pic>
         <p:nvPicPr>
-          <p:cNvPr id="5" name="Picture 4" descr="eo-framework-logo-real.png"/>
+          <p:cNvPr id="6" name="Picture 5" descr="consulting_company_logo.png"/>
           <p:cNvPicPr>
             <a:picLocks noChangeAspect="1"/>
           </p:cNvPicPr>
           <p:nvPr/>
         </p:nvPicPr>
         <p:blipFill>
-          <a:blip r:embed="rId3"/>
+          <a:blip r:embed="rId2"/>
           <a:stretch>
             <a:fillRect/>
           </a:stretch>
         </p:blipFill>
         <p:spPr>
           <a:xfrm>
-            <a:off x="6684264" y="4535424"/>
-            <a:ext cx="2139696" cy="530352"/>
+            <a:off x="313593" y="4536078"/>
+            <a:ext cx="2143858" cy="529698"/>
           </a:xfrm>
           <a:prstGeom prst="rect">
             <a:avLst/>
@@ -3576,25 +3580,6 @@
         <p:nvPr/>
       </p:nvGrpSpPr>
       <p:grpSpPr/>
-      <p:pic>
-        <p:nvPicPr>
-          <p:cNvPr id="2" name="Picture Placeholder 1" descr="client_logo.png"/>
-          <p:cNvPicPr>
-            <a:picLocks noGrp="1" noChangeAspect="1"/>
-          </p:cNvPicPr>
-          <p:nvPr>
-            <p:ph type="pic" idx="10" sz="quarter"/>
-          </p:nvPr>
-        </p:nvPicPr>
-        <p:blipFill>
-          <a:blip r:embed="rId2"/>
-          <a:srcRect t="433" b="433"/>
-          <a:stretch>
-            <a:fillRect/>
-          </a:stretch>
-        </p:blipFill>
-        <p:spPr/>
-      </p:pic>
       <p:sp>
         <p:nvSpPr>
           <p:cNvPr id="3" name="Text Placeholder 2"/>
@@ -3616,25 +3601,6 @@
           </a:p>
         </p:txBody>
       </p:sp>
-      <p:pic>
-        <p:nvPicPr>
-          <p:cNvPr id="4" name="Picture Placeholder 3" descr="consulting_company_logo.png"/>
-          <p:cNvPicPr>
-            <a:picLocks noGrp="1" noChangeAspect="1"/>
-          </p:cNvPicPr>
-          <p:nvPr>
-            <p:ph type="pic" idx="13" sz="quarter"/>
-          </p:nvPr>
-        </p:nvPicPr>
-        <p:blipFill>
-          <a:blip r:embed="rId3"/>
-          <a:srcRect t="7166" b="7166"/>
-          <a:stretch>
-            <a:fillRect/>
-          </a:stretch>
-        </p:blipFill>
-        <p:spPr/>
-      </p:pic>
       <p:sp>
         <p:nvSpPr>
           <p:cNvPr id="5" name="Text Placeholder 4"/>
@@ -3666,21 +3632,60 @@
         <p:txBody>
           <a:bodyPr/>
           <a:lstStyle/>
-          <a:p>
-            <a:pPr/>
-            <a:r>
-              <a:rPr b="1"/>
-              <a:t>Your Account Manager:</a:t>
-            </a:r>
-            <a:r>
-              <a:t> [Name, Title] | [Email] | [Phone]</a:t>
-            </a:r>
-          </a:p>
+          <a:p/>
         </p:txBody>
       </p:sp>
       <p:pic>
         <p:nvPicPr>
-          <p:cNvPr id="7" name="Picture 6" descr="eo-framework-logo-real.png"/>
+          <p:cNvPr id="7" name="Picture 6" descr="client_logo.png"/>
+          <p:cNvPicPr>
+            <a:picLocks noChangeAspect="1"/>
+          </p:cNvPicPr>
+          <p:nvPr/>
+        </p:nvPicPr>
+        <p:blipFill>
+          <a:blip r:embed="rId2"/>
+          <a:stretch>
+            <a:fillRect/>
+          </a:stretch>
+        </p:blipFill>
+        <p:spPr>
+          <a:xfrm>
+            <a:off x="2180492" y="171206"/>
+            <a:ext cx="3978520" cy="1314694"/>
+          </a:xfrm>
+          <a:prstGeom prst="rect">
+            <a:avLst/>
+          </a:prstGeom>
+        </p:spPr>
+      </p:pic>
+      <p:pic>
+        <p:nvPicPr>
+          <p:cNvPr id="8" name="Picture 7" descr="consulting_company_logo.png"/>
+          <p:cNvPicPr>
+            <a:picLocks noChangeAspect="1"/>
+          </p:cNvPicPr>
+          <p:nvPr/>
+        </p:nvPicPr>
+        <p:blipFill>
+          <a:blip r:embed="rId3"/>
+          <a:stretch>
+            <a:fillRect/>
+          </a:stretch>
+        </p:blipFill>
+        <p:spPr>
+          <a:xfrm>
+            <a:off x="313592" y="4536078"/>
+            <a:ext cx="2164114" cy="529698"/>
+          </a:xfrm>
+          <a:prstGeom prst="rect">
+            <a:avLst/>
+          </a:prstGeom>
+        </p:spPr>
+      </p:pic>
+      <p:pic>
+        <p:nvPicPr>
+          <p:cNvPr id="9" name="Picture 8" descr="eo-framework-logo-real.png"/>
           <p:cNvPicPr>
             <a:picLocks noChangeAspect="1"/>
           </p:cNvPicPr>
@@ -3735,31 +3740,13 @@
           <a:bodyPr/>
           <a:lstStyle/>
           <a:p>
+            <a:pPr algn="l"/>
             <a:r>
               <a:t>Business Opportunity</a:t>
             </a:r>
           </a:p>
         </p:txBody>
       </p:sp>
-      <p:pic>
-        <p:nvPicPr>
-          <p:cNvPr id="3" name="Picture Placeholder 2" descr="consulting_company_logo.png"/>
-          <p:cNvPicPr>
-            <a:picLocks noGrp="1" noChangeAspect="1"/>
-          </p:cNvPicPr>
-          <p:nvPr>
-            <p:ph type="pic" idx="14" sz="quarter"/>
-          </p:nvPr>
-        </p:nvPicPr>
-        <p:blipFill>
-          <a:blip r:embed="rId2"/>
-          <a:srcRect t="6314" b="6314"/>
-          <a:stretch>
-            <a:fillRect/>
-          </a:stretch>
-        </p:blipFill>
-        <p:spPr/>
-      </p:pic>
       <p:sp>
         <p:nvSpPr>
           <p:cNvPr id="4" name="Text Placeholder 3"/>
@@ -3796,13 +3783,7 @@
           <a:p>
             <a:pPr lvl="1"/>
             <a:r>
-              <a:t>Enable employees to access corporate desktops from any device, location, or network connection</a:t>
-            </a:r>
-          </a:p>
-          <a:p>
-            <a:pPr lvl="1"/>
-            <a:r>
-              <a:t>Implement enterprise-grade security and compliance controls with multi-session efficiency</a:t>
+              <a:t>Enable employees to access corporate desktops from any device with enterprise-grade security</a:t>
             </a:r>
           </a:p>
         </p:txBody>
@@ -3846,32 +3827,55 @@
               <a:t>Reduce per-user infrastructure costs by 35-45% compared to traditional VDI solutions</a:t>
             </a:r>
           </a:p>
-          <a:p>
-            <a:pPr lvl="1"/>
-            <a:r>
-              <a:t>Enable seamless user experience with sub-200ms latency across geographies</a:t>
+        </p:txBody>
+      </p:sp>
+      <p:sp>
+        <p:nvSpPr>
+          <p:cNvPr id="6" name="Text Placeholder 5"/>
+          <p:cNvSpPr>
+            <a:spLocks noGrp="1"/>
+          </p:cNvSpPr>
+          <p:nvPr>
+            <p:ph type="body" idx="15" sz="quarter"/>
+          </p:nvPr>
+        </p:nvSpPr>
+        <p:spPr/>
+        <p:txBody>
+          <a:bodyPr/>
+          <a:lstStyle/>
+          <a:p>
+            <a:pPr algn="r">
+              <a:buNone/>
+            </a:pPr>
+            <a:r>
+              <a:rPr sz="1100">
+                <a:solidFill>
+                  <a:srgbClr val="CC0000"/>
+                </a:solidFill>
+              </a:rPr>
+              <a:t>Azure Virtual Desktop</a:t>
             </a:r>
           </a:p>
         </p:txBody>
       </p:sp>
       <p:pic>
         <p:nvPicPr>
-          <p:cNvPr id="6" name="Picture 5" descr="eo-framework-logo-real.png"/>
+          <p:cNvPr id="7" name="Picture 6" descr="consulting_company_logo.png"/>
           <p:cNvPicPr>
             <a:picLocks noChangeAspect="1"/>
           </p:cNvPicPr>
           <p:nvPr/>
         </p:nvPicPr>
         <p:blipFill>
-          <a:blip r:embed="rId3"/>
+          <a:blip r:embed="rId2"/>
           <a:stretch>
             <a:fillRect/>
           </a:stretch>
         </p:blipFill>
         <p:spPr>
           <a:xfrm>
-            <a:off x="6684264" y="4535424"/>
-            <a:ext cx="2139696" cy="530352"/>
+            <a:off x="313592" y="4536078"/>
+            <a:ext cx="2121877" cy="529698"/>
           </a:xfrm>
           <a:prstGeom prst="rect">
             <a:avLst/>
@@ -3913,31 +3917,11 @@
           <a:p>
             <a:pPr algn="l"/>
             <a:r>
-              <a:rPr b="1"/>
               <a:t>Engagement Scope</a:t>
             </a:r>
           </a:p>
         </p:txBody>
       </p:sp>
-      <p:pic>
-        <p:nvPicPr>
-          <p:cNvPr id="3" name="Picture Placeholder 2" descr="consulting_company_logo.png"/>
-          <p:cNvPicPr>
-            <a:picLocks noGrp="1" noChangeAspect="1"/>
-          </p:cNvPicPr>
-          <p:nvPr>
-            <p:ph type="pic" idx="13" sz="quarter"/>
-          </p:nvPr>
-        </p:nvPicPr>
-        <p:blipFill>
-          <a:blip r:embed="rId2"/>
-          <a:srcRect t="6404" b="6404"/>
-          <a:stretch>
-            <a:fillRect/>
-          </a:stretch>
-        </p:blipFill>
-        <p:spPr/>
-      </p:pic>
       <p:graphicFrame>
         <p:nvGraphicFramePr>
           <p:cNvPr id="4" name="Table Placeholder 3"/>
@@ -4018,11 +4002,6 @@
                     <a:solidFill>
                       <a:srgbClr val="FFFFFF"/>
                     </a:solidFill>
-                    <a:lnL w="12700">
-                      <a:solidFill>
-                        <a:srgbClr val="D0D0D0"/>
-                      </a:solidFill>
-                    </a:lnL>
                   </a:tcPr>
                 </a:tc>
                 <a:tc>
@@ -4113,11 +4092,580 @@
                     <a:solidFill>
                       <a:srgbClr val="FFFFFF"/>
                     </a:solidFill>
-                    <a:lnL w="12700">
-                      <a:solidFill>
-                        <a:srgbClr val="D0D0D0"/>
-                      </a:solidFill>
-                    </a:lnL>
+                  </a:tcPr>
+                </a:tc>
+                <a:tc>
+                  <a:txBody>
+                    <a:bodyPr/>
+                    <a:lstStyle/>
+                    <a:p>
+                      <a:r>
+                        <a:rPr b="1" sz="1100"/>
+                        <a:t>Availability Requirements</a:t>
+                      </a:r>
+                    </a:p>
+                  </a:txBody>
+                  <a:tcPr>
+                    <a:solidFill>
+                      <a:srgbClr val="E7E6E6"/>
+                    </a:solidFill>
+                  </a:tcPr>
+                </a:tc>
+                <a:tc>
+                  <a:txBody>
+                    <a:bodyPr/>
+                    <a:lstStyle/>
+                    <a:p>
+                      <a:r>
+                        <a:rPr sz="1100"/>
+                        <a:t>Standard (99.9%)</a:t>
+                      </a:r>
+                    </a:p>
+                  </a:txBody>
+                  <a:tcPr>
+                    <a:solidFill>
+                      <a:srgbClr val="E7E6E6"/>
+                    </a:solidFill>
+                  </a:tcPr>
+                </a:tc>
+              </a:tr>
+              <a:tr h="370840">
+                <a:tc>
+                  <a:txBody>
+                    <a:bodyPr/>
+                    <a:lstStyle/>
+                    <a:p>
+                      <a:r>
+                        <a:rPr b="1" sz="1100"/>
+                        <a:t>Application Groups</a:t>
+                      </a:r>
+                    </a:p>
+                  </a:txBody>
+                  <a:tcPr>
+                    <a:solidFill>
+                      <a:srgbClr val="E7E6E6"/>
+                    </a:solidFill>
+                  </a:tcPr>
+                </a:tc>
+                <a:tc>
+                  <a:txBody>
+                    <a:bodyPr/>
+                    <a:lstStyle/>
+                    <a:p>
+                      <a:r>
+                        <a:rPr sz="1100"/>
+                        <a:t>5-10 app groups</a:t>
+                      </a:r>
+                    </a:p>
+                  </a:txBody>
+                  <a:tcPr>
+                    <a:solidFill>
+                      <a:srgbClr val="E7E6E6"/>
+                    </a:solidFill>
+                  </a:tcPr>
+                </a:tc>
+                <a:tc>
+                  <a:txBody>
+                    <a:bodyPr/>
+                    <a:lstStyle/>
+                    <a:p/>
+                  </a:txBody>
+                  <a:tcPr>
+                    <a:solidFill>
+                      <a:srgbClr val="FFFFFF"/>
+                    </a:solidFill>
+                  </a:tcPr>
+                </a:tc>
+                <a:tc>
+                  <a:txBody>
+                    <a:bodyPr/>
+                    <a:lstStyle/>
+                    <a:p>
+                      <a:r>
+                        <a:rPr b="1" sz="1100"/>
+                        <a:t>Infrastructure Complexity</a:t>
+                      </a:r>
+                    </a:p>
+                  </a:txBody>
+                  <a:tcPr>
+                    <a:solidFill>
+                      <a:srgbClr val="E7E6E6"/>
+                    </a:solidFill>
+                  </a:tcPr>
+                </a:tc>
+                <a:tc>
+                  <a:txBody>
+                    <a:bodyPr/>
+                    <a:lstStyle/>
+                    <a:p>
+                      <a:r>
+                        <a:rPr sz="1100"/>
+                        <a:t>Multi-session Windows 11 hosts</a:t>
+                      </a:r>
+                    </a:p>
+                  </a:txBody>
+                  <a:tcPr>
+                    <a:solidFill>
+                      <a:srgbClr val="E7E6E6"/>
+                    </a:solidFill>
+                  </a:tcPr>
+                </a:tc>
+              </a:tr>
+              <a:tr h="370840">
+                <a:tc>
+                  <a:txBody>
+                    <a:bodyPr/>
+                    <a:lstStyle/>
+                    <a:p>
+                      <a:r>
+                        <a:rPr b="1" sz="1100"/>
+                        <a:t>Identity Integration</a:t>
+                      </a:r>
+                    </a:p>
+                  </a:txBody>
+                  <a:tcPr>
+                    <a:solidFill>
+                      <a:srgbClr val="E7E6E6"/>
+                    </a:solidFill>
+                  </a:tcPr>
+                </a:tc>
+                <a:tc>
+                  <a:txBody>
+                    <a:bodyPr/>
+                    <a:lstStyle/>
+                    <a:p>
+                      <a:r>
+                        <a:rPr sz="1100"/>
+                        <a:t>Azure AD hybrid join</a:t>
+                      </a:r>
+                    </a:p>
+                  </a:txBody>
+                  <a:tcPr>
+                    <a:solidFill>
+                      <a:srgbClr val="E7E6E6"/>
+                    </a:solidFill>
+                  </a:tcPr>
+                </a:tc>
+                <a:tc>
+                  <a:txBody>
+                    <a:bodyPr/>
+                    <a:lstStyle/>
+                    <a:p/>
+                  </a:txBody>
+                  <a:tcPr>
+                    <a:solidFill>
+                      <a:srgbClr val="FFFFFF"/>
+                    </a:solidFill>
+                  </a:tcPr>
+                </a:tc>
+                <a:tc>
+                  <a:txBody>
+                    <a:bodyPr/>
+                    <a:lstStyle/>
+                    <a:p>
+                      <a:r>
+                        <a:rPr b="1" sz="1100"/>
+                        <a:t>Security Requirements</a:t>
+                      </a:r>
+                    </a:p>
+                  </a:txBody>
+                  <a:tcPr>
+                    <a:solidFill>
+                      <a:srgbClr val="E7E6E6"/>
+                    </a:solidFill>
+                  </a:tcPr>
+                </a:tc>
+                <a:tc>
+                  <a:txBody>
+                    <a:bodyPr/>
+                    <a:lstStyle/>
+                    <a:p>
+                      <a:r>
+                        <a:rPr sz="1100"/>
+                        <a:t>Conditional Access MFA Intune</a:t>
+                      </a:r>
+                    </a:p>
+                  </a:txBody>
+                  <a:tcPr>
+                    <a:solidFill>
+                      <a:srgbClr val="E7E6E6"/>
+                    </a:solidFill>
+                  </a:tcPr>
+                </a:tc>
+              </a:tr>
+              <a:tr h="370840">
+                <a:tc>
+                  <a:txBody>
+                    <a:bodyPr/>
+                    <a:lstStyle/>
+                    <a:p>
+                      <a:r>
+                        <a:rPr b="1" sz="1100"/>
+                        <a:t>Profile Management</a:t>
+                      </a:r>
+                    </a:p>
+                  </a:txBody>
+                  <a:tcPr>
+                    <a:solidFill>
+                      <a:srgbClr val="E7E6E6"/>
+                    </a:solidFill>
+                  </a:tcPr>
+                </a:tc>
+                <a:tc>
+                  <a:txBody>
+                    <a:bodyPr/>
+                    <a:lstStyle/>
+                    <a:p>
+                      <a:r>
+                        <a:rPr sz="1100"/>
+                        <a:t>FSLogix profile containers</a:t>
+                      </a:r>
+                    </a:p>
+                  </a:txBody>
+                  <a:tcPr>
+                    <a:solidFill>
+                      <a:srgbClr val="E7E6E6"/>
+                    </a:solidFill>
+                  </a:tcPr>
+                </a:tc>
+                <a:tc>
+                  <a:txBody>
+                    <a:bodyPr/>
+                    <a:lstStyle/>
+                    <a:p/>
+                  </a:txBody>
+                  <a:tcPr>
+                    <a:solidFill>
+                      <a:srgbClr val="FFFFFF"/>
+                    </a:solidFill>
+                  </a:tcPr>
+                </a:tc>
+                <a:tc>
+                  <a:txBody>
+                    <a:bodyPr/>
+                    <a:lstStyle/>
+                    <a:p>
+                      <a:r>
+                        <a:rPr b="1" sz="1100"/>
+                        <a:t>Compliance Frameworks</a:t>
+                      </a:r>
+                    </a:p>
+                  </a:txBody>
+                  <a:tcPr>
+                    <a:solidFill>
+                      <a:srgbClr val="E7E6E6"/>
+                    </a:solidFill>
+                  </a:tcPr>
+                </a:tc>
+                <a:tc>
+                  <a:txBody>
+                    <a:bodyPr/>
+                    <a:lstStyle/>
+                    <a:p>
+                      <a:r>
+                        <a:rPr sz="1100"/>
+                        <a:t>SOC2</a:t>
+                      </a:r>
+                    </a:p>
+                  </a:txBody>
+                  <a:tcPr>
+                    <a:solidFill>
+                      <a:srgbClr val="E7E6E6"/>
+                    </a:solidFill>
+                  </a:tcPr>
+                </a:tc>
+              </a:tr>
+              <a:tr h="370840">
+                <a:tc>
+                  <a:txBody>
+                    <a:bodyPr/>
+                    <a:lstStyle/>
+                    <a:p>
+                      <a:r>
+                        <a:rPr b="1" sz="1100"/>
+                        <a:t>Total Users</a:t>
+                      </a:r>
+                    </a:p>
+                  </a:txBody>
+                  <a:tcPr>
+                    <a:solidFill>
+                      <a:srgbClr val="E7E6E6"/>
+                    </a:solidFill>
+                  </a:tcPr>
+                </a:tc>
+                <a:tc>
+                  <a:txBody>
+                    <a:bodyPr/>
+                    <a:lstStyle/>
+                    <a:p>
+                      <a:r>
+                        <a:rPr sz="1100"/>
+                        <a:t>200 concurrent users</a:t>
+                      </a:r>
+                    </a:p>
+                  </a:txBody>
+                  <a:tcPr>
+                    <a:solidFill>
+                      <a:srgbClr val="E7E6E6"/>
+                    </a:solidFill>
+                  </a:tcPr>
+                </a:tc>
+                <a:tc>
+                  <a:txBody>
+                    <a:bodyPr/>
+                    <a:lstStyle/>
+                    <a:p/>
+                  </a:txBody>
+                  <a:tcPr>
+                    <a:solidFill>
+                      <a:srgbClr val="FFFFFF"/>
+                    </a:solidFill>
+                  </a:tcPr>
+                </a:tc>
+                <a:tc>
+                  <a:txBody>
+                    <a:bodyPr/>
+                    <a:lstStyle/>
+                    <a:p>
+                      <a:r>
+                        <a:rPr b="1" sz="1100"/>
+                        <a:t>User Experience</a:t>
+                      </a:r>
+                    </a:p>
+                  </a:txBody>
+                  <a:tcPr>
+                    <a:solidFill>
+                      <a:srgbClr val="E7E6E6"/>
+                    </a:solidFill>
+                  </a:tcPr>
+                </a:tc>
+                <a:tc>
+                  <a:txBody>
+                    <a:bodyPr/>
+                    <a:lstStyle/>
+                    <a:p>
+                      <a:r>
+                        <a:rPr sz="1100"/>
+                        <a:t>Standard latency requirements</a:t>
+                      </a:r>
+                    </a:p>
+                  </a:txBody>
+                  <a:tcPr>
+                    <a:solidFill>
+                      <a:srgbClr val="E7E6E6"/>
+                    </a:solidFill>
+                  </a:tcPr>
+                </a:tc>
+              </a:tr>
+              <a:tr h="370840">
+                <a:tc>
+                  <a:txBody>
+                    <a:bodyPr/>
+                    <a:lstStyle/>
+                    <a:p>
+                      <a:r>
+                        <a:rPr b="1" sz="1100"/>
+                        <a:t>User Roles</a:t>
+                      </a:r>
+                    </a:p>
+                  </a:txBody>
+                  <a:tcPr>
+                    <a:solidFill>
+                      <a:srgbClr val="E7E6E6"/>
+                    </a:solidFill>
+                  </a:tcPr>
+                </a:tc>
+                <a:tc>
+                  <a:txBody>
+                    <a:bodyPr/>
+                    <a:lstStyle/>
+                    <a:p>
+                      <a:r>
+                        <a:rPr sz="1100"/>
+                        <a:t>3 roles (standard power admin)</a:t>
+                      </a:r>
+                    </a:p>
+                  </a:txBody>
+                  <a:tcPr>
+                    <a:solidFill>
+                      <a:srgbClr val="E7E6E6"/>
+                    </a:solidFill>
+                  </a:tcPr>
+                </a:tc>
+                <a:tc>
+                  <a:txBody>
+                    <a:bodyPr/>
+                    <a:lstStyle/>
+                    <a:p/>
+                  </a:txBody>
+                  <a:tcPr>
+                    <a:solidFill>
+                      <a:srgbClr val="FFFFFF"/>
+                    </a:solidFill>
+                  </a:tcPr>
+                </a:tc>
+                <a:tc>
+                  <a:txBody>
+                    <a:bodyPr/>
+                    <a:lstStyle/>
+                    <a:p>
+                      <a:r>
+                        <a:rPr b="1" sz="1100"/>
+                        <a:t>Graphics Requirements</a:t>
+                      </a:r>
+                    </a:p>
+                  </a:txBody>
+                  <a:tcPr>
+                    <a:solidFill>
+                      <a:srgbClr val="E7E6E6"/>
+                    </a:solidFill>
+                  </a:tcPr>
+                </a:tc>
+                <a:tc>
+                  <a:txBody>
+                    <a:bodyPr/>
+                    <a:lstStyle/>
+                    <a:p>
+                      <a:r>
+                        <a:rPr sz="1100"/>
+                        <a:t>Standard office workloads</a:t>
+                      </a:r>
+                    </a:p>
+                  </a:txBody>
+                  <a:tcPr>
+                    <a:solidFill>
+                      <a:srgbClr val="E7E6E6"/>
+                    </a:solidFill>
+                  </a:tcPr>
+                </a:tc>
+              </a:tr>
+              <a:tr h="370840">
+                <a:tc>
+                  <a:txBody>
+                    <a:bodyPr/>
+                    <a:lstStyle/>
+                    <a:p>
+                      <a:r>
+                        <a:rPr b="1" sz="1100"/>
+                        <a:t>User Profiles</a:t>
+                      </a:r>
+                    </a:p>
+                  </a:txBody>
+                  <a:tcPr>
+                    <a:solidFill>
+                      <a:srgbClr val="E7E6E6"/>
+                    </a:solidFill>
+                  </a:tcPr>
+                </a:tc>
+                <a:tc>
+                  <a:txBody>
+                    <a:bodyPr/>
+                    <a:lstStyle/>
+                    <a:p>
+                      <a:r>
+                        <a:rPr sz="1100"/>
+                        <a:t>10 GB per user</a:t>
+                      </a:r>
+                    </a:p>
+                  </a:txBody>
+                  <a:tcPr>
+                    <a:solidFill>
+                      <a:srgbClr val="E7E6E6"/>
+                    </a:solidFill>
+                  </a:tcPr>
+                </a:tc>
+                <a:tc>
+                  <a:txBody>
+                    <a:bodyPr/>
+                    <a:lstStyle/>
+                    <a:p/>
+                  </a:txBody>
+                  <a:tcPr>
+                    <a:solidFill>
+                      <a:srgbClr val="FFFFFF"/>
+                    </a:solidFill>
+                  </a:tcPr>
+                </a:tc>
+                <a:tc>
+                  <a:txBody>
+                    <a:bodyPr/>
+                    <a:lstStyle/>
+                    <a:p>
+                      <a:r>
+                        <a:rPr b="1" sz="1100"/>
+                        <a:t>Deployment Environments</a:t>
+                      </a:r>
+                    </a:p>
+                  </a:txBody>
+                  <a:tcPr>
+                    <a:solidFill>
+                      <a:srgbClr val="E7E6E6"/>
+                    </a:solidFill>
+                  </a:tcPr>
+                </a:tc>
+                <a:tc>
+                  <a:txBody>
+                    <a:bodyPr/>
+                    <a:lstStyle/>
+                    <a:p>
+                      <a:r>
+                        <a:rPr sz="1100"/>
+                        <a:t>2 environments (pilot prod)</a:t>
+                      </a:r>
+                    </a:p>
+                  </a:txBody>
+                  <a:tcPr>
+                    <a:solidFill>
+                      <a:srgbClr val="E7E6E6"/>
+                    </a:solidFill>
+                  </a:tcPr>
+                </a:tc>
+              </a:tr>
+              <a:tr h="370840">
+                <a:tc>
+                  <a:txBody>
+                    <a:bodyPr/>
+                    <a:lstStyle/>
+                    <a:p>
+                      <a:r>
+                        <a:rPr b="1" sz="1100"/>
+                        <a:t>Application Data</a:t>
+                      </a:r>
+                    </a:p>
+                  </a:txBody>
+                  <a:tcPr>
+                    <a:solidFill>
+                      <a:srgbClr val="E7E6E6"/>
+                    </a:solidFill>
+                  </a:tcPr>
+                </a:tc>
+                <a:tc>
+                  <a:txBody>
+                    <a:bodyPr/>
+                    <a:lstStyle/>
+                    <a:p>
+                      <a:r>
+                        <a:rPr sz="1100"/>
+                        <a:t>500 GB shared storage</a:t>
+                      </a:r>
+                    </a:p>
+                  </a:txBody>
+                  <a:tcPr>
+                    <a:solidFill>
+                      <a:srgbClr val="E7E6E6"/>
+                    </a:solidFill>
+                  </a:tcPr>
+                </a:tc>
+                <a:tc>
+                  <a:txBody>
+                    <a:bodyPr/>
+                    <a:lstStyle/>
+                    <a:p/>
+                  </a:txBody>
+                  <a:tcPr>
+                    <a:solidFill>
+                      <a:srgbClr val="FFFFFF"/>
+                    </a:solidFill>
                   </a:tcPr>
                 </a:tc>
                 <a:tc>
@@ -4145,615 +4693,6 @@
                       <a:r>
                         <a:rPr sz="1100"/>
                         <a:t>Single Azure region (East US)</a:t>
-                      </a:r>
-                    </a:p>
-                  </a:txBody>
-                  <a:tcPr>
-                    <a:solidFill>
-                      <a:srgbClr val="E7E6E6"/>
-                    </a:solidFill>
-                  </a:tcPr>
-                </a:tc>
-              </a:tr>
-              <a:tr h="370840">
-                <a:tc>
-                  <a:txBody>
-                    <a:bodyPr/>
-                    <a:lstStyle/>
-                    <a:p>
-                      <a:r>
-                        <a:rPr b="1" sz="1100"/>
-                        <a:t>Application Groups</a:t>
-                      </a:r>
-                    </a:p>
-                  </a:txBody>
-                  <a:tcPr>
-                    <a:solidFill>
-                      <a:srgbClr val="E7E6E6"/>
-                    </a:solidFill>
-                  </a:tcPr>
-                </a:tc>
-                <a:tc>
-                  <a:txBody>
-                    <a:bodyPr/>
-                    <a:lstStyle/>
-                    <a:p>
-                      <a:r>
-                        <a:rPr sz="1100"/>
-                        <a:t>5-10 app groups</a:t>
-                      </a:r>
-                    </a:p>
-                  </a:txBody>
-                  <a:tcPr>
-                    <a:solidFill>
-                      <a:srgbClr val="E7E6E6"/>
-                    </a:solidFill>
-                  </a:tcPr>
-                </a:tc>
-                <a:tc>
-                  <a:txBody>
-                    <a:bodyPr/>
-                    <a:lstStyle/>
-                    <a:p/>
-                  </a:txBody>
-                  <a:tcPr>
-                    <a:solidFill>
-                      <a:srgbClr val="FFFFFF"/>
-                    </a:solidFill>
-                    <a:lnL w="12700">
-                      <a:solidFill>
-                        <a:srgbClr val="D0D0D0"/>
-                      </a:solidFill>
-                    </a:lnL>
-                  </a:tcPr>
-                </a:tc>
-                <a:tc>
-                  <a:txBody>
-                    <a:bodyPr/>
-                    <a:lstStyle/>
-                    <a:p>
-                      <a:r>
-                        <a:rPr b="1" sz="1100"/>
-                        <a:t>Availability Requirements</a:t>
-                      </a:r>
-                    </a:p>
-                  </a:txBody>
-                  <a:tcPr>
-                    <a:solidFill>
-                      <a:srgbClr val="E7E6E6"/>
-                    </a:solidFill>
-                  </a:tcPr>
-                </a:tc>
-                <a:tc>
-                  <a:txBody>
-                    <a:bodyPr/>
-                    <a:lstStyle/>
-                    <a:p>
-                      <a:r>
-                        <a:rPr sz="1100"/>
-                        <a:t>Standard (99.9%)</a:t>
-                      </a:r>
-                    </a:p>
-                  </a:txBody>
-                  <a:tcPr>
-                    <a:solidFill>
-                      <a:srgbClr val="E7E6E6"/>
-                    </a:solidFill>
-                  </a:tcPr>
-                </a:tc>
-              </a:tr>
-              <a:tr h="370840">
-                <a:tc>
-                  <a:txBody>
-                    <a:bodyPr/>
-                    <a:lstStyle/>
-                    <a:p>
-                      <a:r>
-                        <a:rPr b="1" sz="1100"/>
-                        <a:t>Identity Integration</a:t>
-                      </a:r>
-                    </a:p>
-                  </a:txBody>
-                  <a:tcPr>
-                    <a:solidFill>
-                      <a:srgbClr val="E7E6E6"/>
-                    </a:solidFill>
-                  </a:tcPr>
-                </a:tc>
-                <a:tc>
-                  <a:txBody>
-                    <a:bodyPr/>
-                    <a:lstStyle/>
-                    <a:p>
-                      <a:r>
-                        <a:rPr sz="1100"/>
-                        <a:t>Azure AD hybrid join</a:t>
-                      </a:r>
-                    </a:p>
-                  </a:txBody>
-                  <a:tcPr>
-                    <a:solidFill>
-                      <a:srgbClr val="E7E6E6"/>
-                    </a:solidFill>
-                  </a:tcPr>
-                </a:tc>
-                <a:tc>
-                  <a:txBody>
-                    <a:bodyPr/>
-                    <a:lstStyle/>
-                    <a:p/>
-                  </a:txBody>
-                  <a:tcPr>
-                    <a:solidFill>
-                      <a:srgbClr val="FFFFFF"/>
-                    </a:solidFill>
-                    <a:lnL w="12700">
-                      <a:solidFill>
-                        <a:srgbClr val="D0D0D0"/>
-                      </a:solidFill>
-                    </a:lnL>
-                  </a:tcPr>
-                </a:tc>
-                <a:tc>
-                  <a:txBody>
-                    <a:bodyPr/>
-                    <a:lstStyle/>
-                    <a:p>
-                      <a:r>
-                        <a:rPr b="1" sz="1100"/>
-                        <a:t>Infrastructure Complexity</a:t>
-                      </a:r>
-                    </a:p>
-                  </a:txBody>
-                  <a:tcPr>
-                    <a:solidFill>
-                      <a:srgbClr val="E7E6E6"/>
-                    </a:solidFill>
-                  </a:tcPr>
-                </a:tc>
-                <a:tc>
-                  <a:txBody>
-                    <a:bodyPr/>
-                    <a:lstStyle/>
-                    <a:p>
-                      <a:r>
-                        <a:rPr sz="1100"/>
-                        <a:t>Multi-session Windows 11 hosts</a:t>
-                      </a:r>
-                    </a:p>
-                  </a:txBody>
-                  <a:tcPr>
-                    <a:solidFill>
-                      <a:srgbClr val="E7E6E6"/>
-                    </a:solidFill>
-                  </a:tcPr>
-                </a:tc>
-              </a:tr>
-              <a:tr h="370840">
-                <a:tc>
-                  <a:txBody>
-                    <a:bodyPr/>
-                    <a:lstStyle/>
-                    <a:p>
-                      <a:r>
-                        <a:rPr b="1" sz="1100"/>
-                        <a:t>Profile Management</a:t>
-                      </a:r>
-                    </a:p>
-                  </a:txBody>
-                  <a:tcPr>
-                    <a:solidFill>
-                      <a:srgbClr val="E7E6E6"/>
-                    </a:solidFill>
-                  </a:tcPr>
-                </a:tc>
-                <a:tc>
-                  <a:txBody>
-                    <a:bodyPr/>
-                    <a:lstStyle/>
-                    <a:p>
-                      <a:r>
-                        <a:rPr sz="1100"/>
-                        <a:t>FSLogix profile containers</a:t>
-                      </a:r>
-                    </a:p>
-                  </a:txBody>
-                  <a:tcPr>
-                    <a:solidFill>
-                      <a:srgbClr val="E7E6E6"/>
-                    </a:solidFill>
-                  </a:tcPr>
-                </a:tc>
-                <a:tc>
-                  <a:txBody>
-                    <a:bodyPr/>
-                    <a:lstStyle/>
-                    <a:p/>
-                  </a:txBody>
-                  <a:tcPr>
-                    <a:solidFill>
-                      <a:srgbClr val="FFFFFF"/>
-                    </a:solidFill>
-                    <a:lnL w="12700">
-                      <a:solidFill>
-                        <a:srgbClr val="D0D0D0"/>
-                      </a:solidFill>
-                    </a:lnL>
-                  </a:tcPr>
-                </a:tc>
-                <a:tc>
-                  <a:txBody>
-                    <a:bodyPr/>
-                    <a:lstStyle/>
-                    <a:p>
-                      <a:r>
-                        <a:rPr b="1" sz="1100"/>
-                        <a:t>Security Requirements</a:t>
-                      </a:r>
-                    </a:p>
-                  </a:txBody>
-                  <a:tcPr>
-                    <a:solidFill>
-                      <a:srgbClr val="E7E6E6"/>
-                    </a:solidFill>
-                  </a:tcPr>
-                </a:tc>
-                <a:tc>
-                  <a:txBody>
-                    <a:bodyPr/>
-                    <a:lstStyle/>
-                    <a:p>
-                      <a:r>
-                        <a:rPr sz="1100"/>
-                        <a:t>Conditional Access MFA Intune</a:t>
-                      </a:r>
-                    </a:p>
-                  </a:txBody>
-                  <a:tcPr>
-                    <a:solidFill>
-                      <a:srgbClr val="E7E6E6"/>
-                    </a:solidFill>
-                  </a:tcPr>
-                </a:tc>
-              </a:tr>
-              <a:tr h="370840">
-                <a:tc>
-                  <a:txBody>
-                    <a:bodyPr/>
-                    <a:lstStyle/>
-                    <a:p>
-                      <a:r>
-                        <a:rPr b="1" sz="1100"/>
-                        <a:t>Total Users</a:t>
-                      </a:r>
-                    </a:p>
-                  </a:txBody>
-                  <a:tcPr>
-                    <a:solidFill>
-                      <a:srgbClr val="E7E6E6"/>
-                    </a:solidFill>
-                  </a:tcPr>
-                </a:tc>
-                <a:tc>
-                  <a:txBody>
-                    <a:bodyPr/>
-                    <a:lstStyle/>
-                    <a:p>
-                      <a:r>
-                        <a:rPr sz="1100"/>
-                        <a:t>200 concurrent users</a:t>
-                      </a:r>
-                    </a:p>
-                  </a:txBody>
-                  <a:tcPr>
-                    <a:solidFill>
-                      <a:srgbClr val="E7E6E6"/>
-                    </a:solidFill>
-                  </a:tcPr>
-                </a:tc>
-                <a:tc>
-                  <a:txBody>
-                    <a:bodyPr/>
-                    <a:lstStyle/>
-                    <a:p/>
-                  </a:txBody>
-                  <a:tcPr>
-                    <a:solidFill>
-                      <a:srgbClr val="FFFFFF"/>
-                    </a:solidFill>
-                    <a:lnL w="12700">
-                      <a:solidFill>
-                        <a:srgbClr val="D0D0D0"/>
-                      </a:solidFill>
-                    </a:lnL>
-                  </a:tcPr>
-                </a:tc>
-                <a:tc>
-                  <a:txBody>
-                    <a:bodyPr/>
-                    <a:lstStyle/>
-                    <a:p>
-                      <a:r>
-                        <a:rPr b="1" sz="1100"/>
-                        <a:t>Compliance Frameworks</a:t>
-                      </a:r>
-                    </a:p>
-                  </a:txBody>
-                  <a:tcPr>
-                    <a:solidFill>
-                      <a:srgbClr val="E7E6E6"/>
-                    </a:solidFill>
-                  </a:tcPr>
-                </a:tc>
-                <a:tc>
-                  <a:txBody>
-                    <a:bodyPr/>
-                    <a:lstStyle/>
-                    <a:p>
-                      <a:r>
-                        <a:rPr sz="1100"/>
-                        <a:t>SOC2</a:t>
-                      </a:r>
-                    </a:p>
-                  </a:txBody>
-                  <a:tcPr>
-                    <a:solidFill>
-                      <a:srgbClr val="E7E6E6"/>
-                    </a:solidFill>
-                  </a:tcPr>
-                </a:tc>
-              </a:tr>
-              <a:tr h="370840">
-                <a:tc>
-                  <a:txBody>
-                    <a:bodyPr/>
-                    <a:lstStyle/>
-                    <a:p>
-                      <a:r>
-                        <a:rPr b="1" sz="1100"/>
-                        <a:t>User Roles</a:t>
-                      </a:r>
-                    </a:p>
-                  </a:txBody>
-                  <a:tcPr>
-                    <a:solidFill>
-                      <a:srgbClr val="E7E6E6"/>
-                    </a:solidFill>
-                  </a:tcPr>
-                </a:tc>
-                <a:tc>
-                  <a:txBody>
-                    <a:bodyPr/>
-                    <a:lstStyle/>
-                    <a:p>
-                      <a:r>
-                        <a:rPr sz="1100"/>
-                        <a:t>3 roles (standard power admin)</a:t>
-                      </a:r>
-                    </a:p>
-                  </a:txBody>
-                  <a:tcPr>
-                    <a:solidFill>
-                      <a:srgbClr val="E7E6E6"/>
-                    </a:solidFill>
-                  </a:tcPr>
-                </a:tc>
-                <a:tc>
-                  <a:txBody>
-                    <a:bodyPr/>
-                    <a:lstStyle/>
-                    <a:p/>
-                  </a:txBody>
-                  <a:tcPr>
-                    <a:solidFill>
-                      <a:srgbClr val="FFFFFF"/>
-                    </a:solidFill>
-                    <a:lnL w="12700">
-                      <a:solidFill>
-                        <a:srgbClr val="D0D0D0"/>
-                      </a:solidFill>
-                    </a:lnL>
-                  </a:tcPr>
-                </a:tc>
-                <a:tc>
-                  <a:txBody>
-                    <a:bodyPr/>
-                    <a:lstStyle/>
-                    <a:p>
-                      <a:r>
-                        <a:rPr b="1" sz="1100"/>
-                        <a:t>User Experience</a:t>
-                      </a:r>
-                    </a:p>
-                  </a:txBody>
-                  <a:tcPr>
-                    <a:solidFill>
-                      <a:srgbClr val="E7E6E6"/>
-                    </a:solidFill>
-                  </a:tcPr>
-                </a:tc>
-                <a:tc>
-                  <a:txBody>
-                    <a:bodyPr/>
-                    <a:lstStyle/>
-                    <a:p>
-                      <a:r>
-                        <a:rPr sz="1100"/>
-                        <a:t>Standard latency requirements</a:t>
-                      </a:r>
-                    </a:p>
-                  </a:txBody>
-                  <a:tcPr>
-                    <a:solidFill>
-                      <a:srgbClr val="E7E6E6"/>
-                    </a:solidFill>
-                  </a:tcPr>
-                </a:tc>
-              </a:tr>
-              <a:tr h="370840">
-                <a:tc>
-                  <a:txBody>
-                    <a:bodyPr/>
-                    <a:lstStyle/>
-                    <a:p>
-                      <a:r>
-                        <a:rPr b="1" sz="1100"/>
-                        <a:t>User Profiles</a:t>
-                      </a:r>
-                    </a:p>
-                  </a:txBody>
-                  <a:tcPr>
-                    <a:solidFill>
-                      <a:srgbClr val="E7E6E6"/>
-                    </a:solidFill>
-                  </a:tcPr>
-                </a:tc>
-                <a:tc>
-                  <a:txBody>
-                    <a:bodyPr/>
-                    <a:lstStyle/>
-                    <a:p>
-                      <a:r>
-                        <a:rPr sz="1100"/>
-                        <a:t>10 GB per user</a:t>
-                      </a:r>
-                    </a:p>
-                  </a:txBody>
-                  <a:tcPr>
-                    <a:solidFill>
-                      <a:srgbClr val="E7E6E6"/>
-                    </a:solidFill>
-                  </a:tcPr>
-                </a:tc>
-                <a:tc>
-                  <a:txBody>
-                    <a:bodyPr/>
-                    <a:lstStyle/>
-                    <a:p/>
-                  </a:txBody>
-                  <a:tcPr>
-                    <a:solidFill>
-                      <a:srgbClr val="FFFFFF"/>
-                    </a:solidFill>
-                    <a:lnL w="12700">
-                      <a:solidFill>
-                        <a:srgbClr val="D0D0D0"/>
-                      </a:solidFill>
-                    </a:lnL>
-                  </a:tcPr>
-                </a:tc>
-                <a:tc>
-                  <a:txBody>
-                    <a:bodyPr/>
-                    <a:lstStyle/>
-                    <a:p>
-                      <a:r>
-                        <a:rPr b="1" sz="1100"/>
-                        <a:t>Graphics Requirements</a:t>
-                      </a:r>
-                    </a:p>
-                  </a:txBody>
-                  <a:tcPr>
-                    <a:solidFill>
-                      <a:srgbClr val="E7E6E6"/>
-                    </a:solidFill>
-                  </a:tcPr>
-                </a:tc>
-                <a:tc>
-                  <a:txBody>
-                    <a:bodyPr/>
-                    <a:lstStyle/>
-                    <a:p>
-                      <a:r>
-                        <a:rPr sz="1100"/>
-                        <a:t>Standard office workloads</a:t>
-                      </a:r>
-                    </a:p>
-                  </a:txBody>
-                  <a:tcPr>
-                    <a:solidFill>
-                      <a:srgbClr val="E7E6E6"/>
-                    </a:solidFill>
-                  </a:tcPr>
-                </a:tc>
-              </a:tr>
-              <a:tr h="370840">
-                <a:tc>
-                  <a:txBody>
-                    <a:bodyPr/>
-                    <a:lstStyle/>
-                    <a:p>
-                      <a:r>
-                        <a:rPr b="1" sz="1100"/>
-                        <a:t>Application Data</a:t>
-                      </a:r>
-                    </a:p>
-                  </a:txBody>
-                  <a:tcPr>
-                    <a:solidFill>
-                      <a:srgbClr val="E7E6E6"/>
-                    </a:solidFill>
-                  </a:tcPr>
-                </a:tc>
-                <a:tc>
-                  <a:txBody>
-                    <a:bodyPr/>
-                    <a:lstStyle/>
-                    <a:p>
-                      <a:r>
-                        <a:rPr sz="1100"/>
-                        <a:t>500 GB shared storage</a:t>
-                      </a:r>
-                    </a:p>
-                  </a:txBody>
-                  <a:tcPr>
-                    <a:solidFill>
-                      <a:srgbClr val="E7E6E6"/>
-                    </a:solidFill>
-                  </a:tcPr>
-                </a:tc>
-                <a:tc>
-                  <a:txBody>
-                    <a:bodyPr/>
-                    <a:lstStyle/>
-                    <a:p/>
-                  </a:txBody>
-                  <a:tcPr>
-                    <a:solidFill>
-                      <a:srgbClr val="FFFFFF"/>
-                    </a:solidFill>
-                    <a:lnL w="12700">
-                      <a:solidFill>
-                        <a:srgbClr val="D0D0D0"/>
-                      </a:solidFill>
-                    </a:lnL>
-                  </a:tcPr>
-                </a:tc>
-                <a:tc>
-                  <a:txBody>
-                    <a:bodyPr/>
-                    <a:lstStyle/>
-                    <a:p>
-                      <a:r>
-                        <a:rPr b="1" sz="1100"/>
-                        <a:t>Deployment Environments</a:t>
-                      </a:r>
-                    </a:p>
-                  </a:txBody>
-                  <a:tcPr>
-                    <a:solidFill>
-                      <a:srgbClr val="E7E6E6"/>
-                    </a:solidFill>
-                  </a:tcPr>
-                </a:tc>
-                <a:tc>
-                  <a:txBody>
-                    <a:bodyPr/>
-                    <a:lstStyle/>
-                    <a:p>
-                      <a:r>
-                        <a:rPr sz="1100"/>
-                        <a:t>2 environments (pilot prod)</a:t>
                       </a:r>
                     </a:p>
                   </a:txBody>
@@ -4768,24 +4707,53 @@
           </a:graphicData>
         </a:graphic>
       </p:graphicFrame>
+      <p:sp>
+        <p:nvSpPr>
+          <p:cNvPr id="5" name="Text Placeholder 4"/>
+          <p:cNvSpPr>
+            <a:spLocks noGrp="1"/>
+          </p:cNvSpPr>
+          <p:nvPr>
+            <p:ph type="body" idx="15" sz="quarter"/>
+          </p:nvPr>
+        </p:nvSpPr>
+        <p:spPr/>
+        <p:txBody>
+          <a:bodyPr/>
+          <a:lstStyle/>
+          <a:p>
+            <a:pPr algn="r">
+              <a:buNone/>
+            </a:pPr>
+            <a:r>
+              <a:rPr sz="1100">
+                <a:solidFill>
+                  <a:srgbClr val="CC0000"/>
+                </a:solidFill>
+              </a:rPr>
+              <a:t>Azure Virtual Desktop</a:t>
+            </a:r>
+          </a:p>
+        </p:txBody>
+      </p:sp>
       <p:pic>
         <p:nvPicPr>
-          <p:cNvPr id="5" name="Picture 4" descr="eo-framework-logo-real.png"/>
+          <p:cNvPr id="6" name="Picture 5" descr="consulting_company_logo.png"/>
           <p:cNvPicPr>
             <a:picLocks noChangeAspect="1"/>
           </p:cNvPicPr>
           <p:nvPr/>
         </p:nvPicPr>
         <p:blipFill>
-          <a:blip r:embed="rId3"/>
+          <a:blip r:embed="rId2"/>
           <a:stretch>
             <a:fillRect/>
           </a:stretch>
         </p:blipFill>
         <p:spPr>
           <a:xfrm>
-            <a:off x="6684264" y="4535424"/>
-            <a:ext cx="2139696" cy="530352"/>
+            <a:off x="313592" y="4536078"/>
+            <a:ext cx="2126273" cy="529698"/>
           </a:xfrm>
           <a:prstGeom prst="rect">
             <a:avLst/>
@@ -4825,42 +4793,12 @@
           <a:bodyPr/>
           <a:lstStyle/>
           <a:p>
+            <a:pPr algn="l"/>
             <a:r>
               <a:t>Solution Overview</a:t>
             </a:r>
           </a:p>
         </p:txBody>
-      </p:sp>
-      <p:pic>
-        <p:nvPicPr>
-          <p:cNvPr id="3" name="Picture Placeholder 2" descr="consulting_company_logo.png"/>
-          <p:cNvPicPr>
-            <a:picLocks noGrp="1" noChangeAspect="1"/>
-          </p:cNvPicPr>
-          <p:nvPr>
-            <p:ph type="pic" idx="14" sz="quarter"/>
-          </p:nvPr>
-        </p:nvPicPr>
-        <p:blipFill>
-          <a:blip r:embed="rId2"/>
-          <a:srcRect t="6494" b="6494"/>
-          <a:stretch>
-            <a:fillRect/>
-          </a:stretch>
-        </p:blipFill>
-        <p:spPr/>
-      </p:pic>
-      <p:sp>
-        <p:nvSpPr>
-          <p:cNvPr id="4" name="Picture Placeholder 3"/>
-          <p:cNvSpPr>
-            <a:spLocks noGrp="1"/>
-          </p:cNvSpPr>
-          <p:nvPr>
-            <p:ph type="pic" idx="15" sz="quarter"/>
-          </p:nvPr>
-        </p:nvSpPr>
-        <p:spPr/>
       </p:sp>
       <p:sp>
         <p:nvSpPr>
@@ -4887,60 +4825,30 @@
             <a:pPr lvl="1"/>
             <a:r>
               <a:rPr b="1"/>
-              <a:t>Host Pools:</a:t>
-            </a:r>
-            <a:r>
-              <a:t> Pooled (multi-session Windows 10/11) or personal (dedicated per-user) configurations</a:t>
+              <a:t>Host Pools &amp; Session Hosts:</a:t>
+            </a:r>
+            <a:r>
+              <a:t> Pooled or personal desktop configurations with Azure VMs running Windows 10/11 Multi-session</a:t>
             </a:r>
           </a:p>
           <a:p>
             <a:pPr lvl="1"/>
             <a:r>
               <a:rPr b="1"/>
-              <a:t>Session Hosts:</a:t>
-            </a:r>
-            <a:r>
-              <a:t> Azure VMs (D4s_v5 series) running Windows 10/11 Multi-session with load balancing</a:t>
+              <a:t>FSLogix &amp; Azure Files:</a:t>
+            </a:r>
+            <a:r>
+              <a:t> Profile containers with SMB-based storage for persistent user data and seamless roaming</a:t>
             </a:r>
           </a:p>
           <a:p>
             <a:pPr lvl="1"/>
             <a:r>
               <a:rPr b="1"/>
-              <a:t>FSLogix Profile Management:</a:t>
-            </a:r>
-            <a:r>
-              <a:t> Unified profile containers and Office containers for persistent user data</a:t>
-            </a:r>
-          </a:p>
-          <a:p>
-            <a:pPr lvl="1"/>
-            <a:r>
-              <a:rPr b="1"/>
-              <a:t>Azure Files:</a:t>
-            </a:r>
-            <a:r>
-              <a:t> SMB-based storage for profile and user-specific data with fast access</a:t>
-            </a:r>
-          </a:p>
-          <a:p>
-            <a:pPr lvl="1"/>
-            <a:r>
-              <a:rPr b="1"/>
-              <a:t>Azure AD &amp; Conditional Access:</a:t>
-            </a:r>
-            <a:r>
-              <a:t> Enterprise identity management with policy-driven access control</a:t>
-            </a:r>
-          </a:p>
-          <a:p>
-            <a:pPr lvl="1"/>
-            <a:r>
-              <a:rPr b="1"/>
-              <a:t>Azure Monitor:</a:t>
-            </a:r>
-            <a:r>
-              <a:t> Real-time diagnostics, performance monitoring, and health alerts</a:t>
+              <a:t>Azure AD &amp; Monitoring:</a:t>
+            </a:r>
+            <a:r>
+              <a:t> Enterprise identity management with conditional access policies and real-time performance diagnostics</a:t>
             </a:r>
           </a:p>
           <a:p>
@@ -4988,24 +4896,83 @@
           </a:p>
         </p:txBody>
       </p:sp>
+      <p:sp>
+        <p:nvSpPr>
+          <p:cNvPr id="6" name="Text Placeholder 5"/>
+          <p:cNvSpPr>
+            <a:spLocks noGrp="1"/>
+          </p:cNvSpPr>
+          <p:nvPr>
+            <p:ph type="body" idx="17" sz="quarter"/>
+          </p:nvPr>
+        </p:nvSpPr>
+        <p:spPr/>
+        <p:txBody>
+          <a:bodyPr/>
+          <a:lstStyle/>
+          <a:p>
+            <a:pPr algn="r">
+              <a:buNone/>
+            </a:pPr>
+            <a:r>
+              <a:rPr sz="1100">
+                <a:solidFill>
+                  <a:srgbClr val="CC0000"/>
+                </a:solidFill>
+              </a:rPr>
+              <a:t>Azure Virtual Desktop</a:t>
+            </a:r>
+          </a:p>
+        </p:txBody>
+      </p:sp>
       <p:pic>
         <p:nvPicPr>
-          <p:cNvPr id="6" name="Picture 5" descr="architecture-diagram.png"/>
+          <p:cNvPr id="7" name="Picture 6" descr="architecture-diagram.png"/>
           <p:cNvPicPr>
             <a:picLocks noChangeAspect="1"/>
           </p:cNvPicPr>
           <p:nvPr/>
         </p:nvPicPr>
         <p:blipFill>
-          <a:blip r:embed="rId4"/>
+          <a:blip r:embed="rId2"/>
           <a:stretch>
             <a:fillRect/>
           </a:stretch>
         </p:blipFill>
         <p:spPr>
           <a:xfrm>
-            <a:off x="4662488" y="1303034"/>
-            <a:ext cx="4337050" cy="2581389"/>
+            <a:off x="4662488" y="685799"/>
+            <a:ext cx="4337050" cy="3815859"/>
+          </a:xfrm>
+          <a:prstGeom prst="rect">
+            <a:avLst/>
+          </a:prstGeom>
+          <a:ln w="12700">
+            <a:solidFill>
+              <a:srgbClr val="C0C0C0"/>
+            </a:solidFill>
+            <a:prstDash val="solid"/>
+          </a:ln>
+        </p:spPr>
+      </p:pic>
+      <p:pic>
+        <p:nvPicPr>
+          <p:cNvPr id="8" name="Picture 7" descr="consulting_company_logo.png"/>
+          <p:cNvPicPr>
+            <a:picLocks noChangeAspect="1"/>
+          </p:cNvPicPr>
+          <p:nvPr/>
+        </p:nvPicPr>
+        <p:blipFill>
+          <a:blip r:embed="rId3"/>
+          <a:stretch>
+            <a:fillRect/>
+          </a:stretch>
+        </p:blipFill>
+        <p:spPr>
+          <a:xfrm>
+            <a:off x="313592" y="4536078"/>
+            <a:ext cx="2130670" cy="529698"/>
           </a:xfrm>
           <a:prstGeom prst="rect">
             <a:avLst/>
@@ -5045,31 +5012,13 @@
           <a:bodyPr/>
           <a:lstStyle/>
           <a:p>
+            <a:pPr algn="l"/>
             <a:r>
               <a:t>Implementation Approach</a:t>
             </a:r>
           </a:p>
         </p:txBody>
       </p:sp>
-      <p:pic>
-        <p:nvPicPr>
-          <p:cNvPr id="3" name="Picture Placeholder 2" descr="consulting_company_logo.png"/>
-          <p:cNvPicPr>
-            <a:picLocks noGrp="1" noChangeAspect="1"/>
-          </p:cNvPicPr>
-          <p:nvPr>
-            <p:ph type="pic" idx="13" sz="quarter"/>
-          </p:nvPr>
-        </p:nvPicPr>
-        <p:blipFill>
-          <a:blip r:embed="rId2"/>
-          <a:srcRect t="6762" b="6762"/>
-          <a:stretch>
-            <a:fillRect/>
-          </a:stretch>
-        </p:blipFill>
-        <p:spPr/>
-      </p:pic>
       <p:sp>
         <p:nvSpPr>
           <p:cNvPr id="4" name="Text Placeholder 3"/>
@@ -5097,19 +5046,13 @@
           <a:p>
             <a:pPr lvl="1"/>
             <a:r>
-              <a:t>Current desktop environment discovery and user requirements</a:t>
+              <a:t>Current desktop environment discovery and user requirements analysis</a:t>
             </a:r>
           </a:p>
           <a:p>
             <a:pPr lvl="1"/>
             <a:r>
-              <a:t>AVD architecture design (pooled vs. personal selection)</a:t>
-            </a:r>
-          </a:p>
-          <a:p>
-            <a:pPr lvl="1"/>
-            <a:r>
-              <a:t>Golden image strategy and application packaging</a:t>
+              <a:t>AVD architecture design including pooled vs. personal selection and golden image strategy</a:t>
             </a:r>
           </a:p>
           <a:p>
@@ -5131,25 +5074,19 @@
           <a:p>
             <a:pPr lvl="1"/>
             <a:r>
-              <a:t>Azure infrastructure provisioning (host pools, Azure Files, networking)</a:t>
+              <a:t>Azure infrastructure provisioning including host pools, Azure Files, and networking</a:t>
             </a:r>
           </a:p>
           <a:p>
             <a:pPr lvl="1"/>
             <a:r>
-              <a:t>Golden image creation and application deployment</a:t>
+              <a:t>Golden image creation with application deployment and FSLogix profile configuration</a:t>
             </a:r>
           </a:p>
           <a:p>
             <a:pPr lvl="1"/>
             <a:r>
-              <a:t>FSLogix profile configuration and testing</a:t>
-            </a:r>
-          </a:p>
-          <a:p>
-            <a:pPr lvl="1"/>
-            <a:r>
-              <a:t>Azure Monitor setup and baseline metrics</a:t>
+              <a:t>Azure Monitor setup and baseline metrics establishment</a:t>
             </a:r>
           </a:p>
           <a:p>
@@ -5165,47 +5102,70 @@
           <a:p>
             <a:pPr lvl="1"/>
             <a:r>
-              <a:t>User and group assignment to host pools</a:t>
+              <a:t>Pilot deployment with business users and performance validation</a:t>
             </a:r>
           </a:p>
           <a:p>
             <a:pPr lvl="1"/>
             <a:r>
-              <a:t>Pilot deployment with business users (10-15 users)</a:t>
+              <a:t>User and group assignment to production host pools</a:t>
             </a:r>
           </a:p>
           <a:p>
             <a:pPr lvl="1"/>
             <a:r>
-              <a:t>Performance validation and optimization</a:t>
-            </a:r>
-          </a:p>
-          <a:p>
-            <a:pPr lvl="1"/>
-            <a:r>
               <a:t>Training and handover to support team</a:t>
+            </a:r>
+          </a:p>
+        </p:txBody>
+      </p:sp>
+      <p:sp>
+        <p:nvSpPr>
+          <p:cNvPr id="5" name="Text Placeholder 4"/>
+          <p:cNvSpPr>
+            <a:spLocks noGrp="1"/>
+          </p:cNvSpPr>
+          <p:nvPr>
+            <p:ph type="body" idx="15" sz="quarter"/>
+          </p:nvPr>
+        </p:nvSpPr>
+        <p:spPr/>
+        <p:txBody>
+          <a:bodyPr/>
+          <a:lstStyle/>
+          <a:p>
+            <a:pPr algn="r">
+              <a:buNone/>
+            </a:pPr>
+            <a:r>
+              <a:rPr sz="1100">
+                <a:solidFill>
+                  <a:srgbClr val="CC0000"/>
+                </a:solidFill>
+              </a:rPr>
+              <a:t>Azure Virtual Desktop</a:t>
             </a:r>
           </a:p>
         </p:txBody>
       </p:sp>
       <p:pic>
         <p:nvPicPr>
-          <p:cNvPr id="5" name="Picture 4" descr="eo-framework-logo-real.png"/>
+          <p:cNvPr id="6" name="Picture 5" descr="consulting_company_logo.png"/>
           <p:cNvPicPr>
             <a:picLocks noChangeAspect="1"/>
           </p:cNvPicPr>
           <p:nvPr/>
         </p:nvPicPr>
         <p:blipFill>
-          <a:blip r:embed="rId3"/>
+          <a:blip r:embed="rId2"/>
           <a:stretch>
             <a:fillRect/>
           </a:stretch>
         </p:blipFill>
         <p:spPr>
           <a:xfrm>
-            <a:off x="6684264" y="4535424"/>
-            <a:ext cx="2139696" cy="530352"/>
+            <a:off x="313593" y="4536078"/>
+            <a:ext cx="2143858" cy="529698"/>
           </a:xfrm>
           <a:prstGeom prst="rect">
             <a:avLst/>
@@ -5247,31 +5207,11 @@
           <a:p>
             <a:pPr algn="l"/>
             <a:r>
-              <a:rPr b="1"/>
               <a:t>Timeline &amp; Milestones</a:t>
             </a:r>
           </a:p>
         </p:txBody>
       </p:sp>
-      <p:pic>
-        <p:nvPicPr>
-          <p:cNvPr id="3" name="Picture Placeholder 2" descr="consulting_company_logo.png"/>
-          <p:cNvPicPr>
-            <a:picLocks noGrp="1" noChangeAspect="1"/>
-          </p:cNvPicPr>
-          <p:nvPr>
-            <p:ph type="pic" idx="13" sz="quarter"/>
-          </p:nvPr>
-        </p:nvPicPr>
-        <p:blipFill>
-          <a:blip r:embed="rId2"/>
-          <a:srcRect t="6404" b="6404"/>
-          <a:stretch>
-            <a:fillRect/>
-          </a:stretch>
-        </p:blipFill>
-        <p:spPr/>
-      </p:pic>
       <p:graphicFrame>
         <p:nvGraphicFramePr>
           <p:cNvPr id="4" name="Table Placeholder 3"/>
@@ -5598,24 +5538,53 @@
           </a:graphicData>
         </a:graphic>
       </p:graphicFrame>
+      <p:sp>
+        <p:nvSpPr>
+          <p:cNvPr id="5" name="Text Placeholder 4"/>
+          <p:cNvSpPr>
+            <a:spLocks noGrp="1"/>
+          </p:cNvSpPr>
+          <p:nvPr>
+            <p:ph type="body" idx="15" sz="quarter"/>
+          </p:nvPr>
+        </p:nvSpPr>
+        <p:spPr/>
+        <p:txBody>
+          <a:bodyPr/>
+          <a:lstStyle/>
+          <a:p>
+            <a:pPr algn="r">
+              <a:buNone/>
+            </a:pPr>
+            <a:r>
+              <a:rPr sz="1100">
+                <a:solidFill>
+                  <a:srgbClr val="CC0000"/>
+                </a:solidFill>
+              </a:rPr>
+              <a:t>Azure Virtual Desktop</a:t>
+            </a:r>
+          </a:p>
+        </p:txBody>
+      </p:sp>
       <p:pic>
         <p:nvPicPr>
-          <p:cNvPr id="5" name="Picture 4" descr="eo-framework-logo-real.png"/>
+          <p:cNvPr id="6" name="Picture 5" descr="consulting_company_logo.png"/>
           <p:cNvPicPr>
             <a:picLocks noChangeAspect="1"/>
           </p:cNvPicPr>
           <p:nvPr/>
         </p:nvPicPr>
         <p:blipFill>
-          <a:blip r:embed="rId3"/>
+          <a:blip r:embed="rId2"/>
           <a:stretch>
             <a:fillRect/>
           </a:stretch>
         </p:blipFill>
         <p:spPr>
           <a:xfrm>
-            <a:off x="6684264" y="4535424"/>
-            <a:ext cx="2139696" cy="530352"/>
+            <a:off x="313592" y="4536078"/>
+            <a:ext cx="2126273" cy="529698"/>
           </a:xfrm>
           <a:prstGeom prst="rect">
             <a:avLst/>
@@ -5655,31 +5624,13 @@
           <a:bodyPr/>
           <a:lstStyle/>
           <a:p>
+            <a:pPr algn="l"/>
             <a:r>
               <a:t>Success Stories</a:t>
             </a:r>
           </a:p>
         </p:txBody>
       </p:sp>
-      <p:pic>
-        <p:nvPicPr>
-          <p:cNvPr id="3" name="Picture Placeholder 2" descr="consulting_company_logo.png"/>
-          <p:cNvPicPr>
-            <a:picLocks noGrp="1" noChangeAspect="1"/>
-          </p:cNvPicPr>
-          <p:nvPr>
-            <p:ph type="pic" idx="13" sz="quarter"/>
-          </p:nvPr>
-        </p:nvPicPr>
-        <p:blipFill>
-          <a:blip r:embed="rId2"/>
-          <a:srcRect t="6762" b="6762"/>
-          <a:stretch>
-            <a:fillRect/>
-          </a:stretch>
-        </p:blipFill>
-        <p:spPr/>
-      </p:pic>
       <p:sp>
         <p:nvSpPr>
           <p:cNvPr id="4" name="Text Placeholder 3"/>
@@ -5708,7 +5659,7 @@
               <a:t>Client:</a:t>
             </a:r>
             <a:r>
-              <a:t> Fortune 500 Financial Services company with 8,000+ employees in 45 countries</a:t>
+              <a:t> Fortune 500 Financial Services company with 8,000+ employees globally</a:t>
             </a:r>
           </a:p>
           <a:p>
@@ -5728,7 +5679,7 @@
               <a:t>Solution:</a:t>
             </a:r>
             <a:r>
-              <a:t> Deployed Azure Virtual Desktop with pooled desktops for 70% of workforce and personal desktops for executives; integrated FSLogix for seamless profile access across any device; implemented conditional access policies; centralized monitoring and management</a:t>
+              <a:t> Deployed Azure Virtual Desktop with pooled and personal desktops, FSLogix profiles, conditional access policies, and centralized monitoring</a:t>
             </a:r>
           </a:p>
           <a:p>
@@ -5748,36 +5699,65 @@
               <a:t>Testimonial:</a:t>
             </a:r>
             <a:r>
-              <a:t> "Azure Virtual Desktop enabled us to embrace distributed work while actually improving security and reducing costs. Our users love the seamless experience, and our IT team finally has visibility and control. This was a game-changer for our business continuity." — </a:t>
+              <a:t> "Azure Virtual Desktop enabled us to embrace distributed work while improving security and reducing costs. Our users love the seamless experience, and our IT team finally has visibility and control." — </a:t>
             </a:r>
             <a:r>
               <a:rPr b="1"/>
-              <a:t>Patricia Wong, Chief Information Officer</a:t>
+              <a:t>Patricia Wong, CIO</a:t>
             </a:r>
             <a:r>
               <a:t>, Global Financial Services</a:t>
+            </a:r>
+          </a:p>
+        </p:txBody>
+      </p:sp>
+      <p:sp>
+        <p:nvSpPr>
+          <p:cNvPr id="5" name="Text Placeholder 4"/>
+          <p:cNvSpPr>
+            <a:spLocks noGrp="1"/>
+          </p:cNvSpPr>
+          <p:nvPr>
+            <p:ph type="body" idx="15" sz="quarter"/>
+          </p:nvPr>
+        </p:nvSpPr>
+        <p:spPr/>
+        <p:txBody>
+          <a:bodyPr/>
+          <a:lstStyle/>
+          <a:p>
+            <a:pPr algn="r">
+              <a:buNone/>
+            </a:pPr>
+            <a:r>
+              <a:rPr sz="1100">
+                <a:solidFill>
+                  <a:srgbClr val="CC0000"/>
+                </a:solidFill>
+              </a:rPr>
+              <a:t>Azure Virtual Desktop</a:t>
             </a:r>
           </a:p>
         </p:txBody>
       </p:sp>
       <p:pic>
         <p:nvPicPr>
-          <p:cNvPr id="5" name="Picture 4" descr="eo-framework-logo-real.png"/>
+          <p:cNvPr id="6" name="Picture 5" descr="consulting_company_logo.png"/>
           <p:cNvPicPr>
             <a:picLocks noChangeAspect="1"/>
           </p:cNvPicPr>
           <p:nvPr/>
         </p:nvPicPr>
         <p:blipFill>
-          <a:blip r:embed="rId3"/>
+          <a:blip r:embed="rId2"/>
           <a:stretch>
             <a:fillRect/>
           </a:stretch>
         </p:blipFill>
         <p:spPr>
           <a:xfrm>
-            <a:off x="6684264" y="4535424"/>
-            <a:ext cx="2139696" cy="530352"/>
+            <a:off x="313593" y="4536078"/>
+            <a:ext cx="2143858" cy="529698"/>
           </a:xfrm>
           <a:prstGeom prst="rect">
             <a:avLst/>
@@ -5817,31 +5797,13 @@
           <a:bodyPr/>
           <a:lstStyle/>
           <a:p>
+            <a:pPr algn="l"/>
             <a:r>
               <a:t>Our Partnership Advantage</a:t>
             </a:r>
           </a:p>
         </p:txBody>
       </p:sp>
-      <p:pic>
-        <p:nvPicPr>
-          <p:cNvPr id="3" name="Picture Placeholder 2" descr="consulting_company_logo.png"/>
-          <p:cNvPicPr>
-            <a:picLocks noGrp="1" noChangeAspect="1"/>
-          </p:cNvPicPr>
-          <p:nvPr>
-            <p:ph type="pic" idx="14" sz="quarter"/>
-          </p:nvPr>
-        </p:nvPicPr>
-        <p:blipFill>
-          <a:blip r:embed="rId2"/>
-          <a:srcRect t="6314" b="6314"/>
-          <a:stretch>
-            <a:fillRect/>
-          </a:stretch>
-        </p:blipFill>
-        <p:spPr/>
-      </p:pic>
       <p:sp>
         <p:nvSpPr>
           <p:cNvPr id="4" name="Text Placeholder 3"/>
@@ -5887,18 +5849,6 @@
               <a:t>Deep expertise in FSLogix, golden image optimization, and performance tuning</a:t>
             </a:r>
           </a:p>
-          <a:p>
-            <a:pPr lvl="1"/>
-            <a:r>
-              <a:t>24/7 support with guaranteed response times</a:t>
-            </a:r>
-          </a:p>
-          <a:p>
-            <a:pPr lvl="1"/>
-            <a:r>
-              <a:t>Pre-built AVD accelerators for faster deployment</a:t>
-            </a:r>
-          </a:p>
         </p:txBody>
       </p:sp>
       <p:sp>
@@ -5937,47 +5887,64 @@
           <a:p>
             <a:pPr lvl="1"/>
             <a:r>
-              <a:t>Network design expertise ensures optimal user experience</a:t>
+              <a:t>Training ensures your team becomes self-sufficient</a:t>
             </a:r>
           </a:p>
           <a:p>
             <a:pPr lvl="1"/>
             <a:r>
-              <a:t>Training ensures your team becomes self-sufficient</a:t>
-            </a:r>
-          </a:p>
-          <a:p>
-            <a:pPr lvl="1"/>
-            <a:r>
               <a:t>Ongoing optimization recommendations for cost and performance</a:t>
             </a:r>
           </a:p>
-          <a:p>
-            <a:pPr lvl="1"/>
-            <a:r>
-              <a:t>Access to Microsoft AVD partner ecosystem and best practices</a:t>
+        </p:txBody>
+      </p:sp>
+      <p:sp>
+        <p:nvSpPr>
+          <p:cNvPr id="6" name="Text Placeholder 5"/>
+          <p:cNvSpPr>
+            <a:spLocks noGrp="1"/>
+          </p:cNvSpPr>
+          <p:nvPr>
+            <p:ph type="body" idx="15" sz="quarter"/>
+          </p:nvPr>
+        </p:nvSpPr>
+        <p:spPr/>
+        <p:txBody>
+          <a:bodyPr/>
+          <a:lstStyle/>
+          <a:p>
+            <a:pPr algn="r">
+              <a:buNone/>
+            </a:pPr>
+            <a:r>
+              <a:rPr sz="1100">
+                <a:solidFill>
+                  <a:srgbClr val="CC0000"/>
+                </a:solidFill>
+              </a:rPr>
+              <a:t>Azure Virtual Desktop</a:t>
             </a:r>
           </a:p>
         </p:txBody>
       </p:sp>
       <p:pic>
         <p:nvPicPr>
-          <p:cNvPr id="6" name="Picture 5" descr="eo-framework-logo-real.png"/>
+          <p:cNvPr id="7" name="Picture 6" descr="consulting_company_logo.png"/>
           <p:cNvPicPr>
             <a:picLocks noChangeAspect="1"/>
           </p:cNvPicPr>
           <p:nvPr/>
         </p:nvPicPr>
         <p:blipFill>
-          <a:blip r:embed="rId3"/>
+          <a:blip r:embed="rId2"/>
           <a:stretch>
             <a:fillRect/>
           </a:stretch>
         </p:blipFill>
         <p:spPr>
           <a:xfrm>
-            <a:off x="6684264" y="4535424"/>
-            <a:ext cx="2139696" cy="530352"/>
+            <a:off x="313592" y="4536078"/>
+            <a:ext cx="2121877" cy="529698"/>
           </a:xfrm>
           <a:prstGeom prst="rect">
             <a:avLst/>
@@ -6019,31 +5986,11 @@
           <a:p>
             <a:pPr algn="l"/>
             <a:r>
-              <a:rPr b="1"/>
               <a:t>Investment Summary</a:t>
             </a:r>
           </a:p>
         </p:txBody>
       </p:sp>
-      <p:pic>
-        <p:nvPicPr>
-          <p:cNvPr id="3" name="Picture Placeholder 2" descr="consulting_company_logo.png"/>
-          <p:cNvPicPr>
-            <a:picLocks noGrp="1" noChangeAspect="1"/>
-          </p:cNvPicPr>
-          <p:nvPr>
-            <p:ph type="pic" idx="13" sz="quarter"/>
-          </p:nvPr>
-        </p:nvPicPr>
-        <p:blipFill>
-          <a:blip r:embed="rId2"/>
-          <a:srcRect t="6404" b="6404"/>
-          <a:stretch>
-            <a:fillRect/>
-          </a:stretch>
-        </p:blipFill>
-        <p:spPr/>
-      </p:pic>
       <p:graphicFrame>
         <p:nvGraphicFramePr>
           <p:cNvPr id="4" name="Table Placeholder 3"/>
@@ -6056,7 +6003,7 @@
         </p:nvGraphicFramePr>
         <p:xfrm>
           <a:off x="256855" y="677011"/>
-          <a:ext cx="8710929" cy="741680"/>
+          <a:ext cx="8710930" cy="2225040"/>
         </p:xfrm>
         <a:graphic>
           <a:graphicData uri="http://schemas.openxmlformats.org/drawingml/2006/table">
@@ -6065,13 +6012,13 @@
                 <a:tableStyleId>{5C22544A-7EE6-4342-B048-85BDC9FD1C3A}</a:tableStyleId>
               </a:tblPr>
               <a:tblGrid>
-                <a:gridCol w="2177733"/>
-                <a:gridCol w="1306639"/>
-                <a:gridCol w="1306639"/>
-                <a:gridCol w="1306639"/>
-                <a:gridCol w="871093"/>
-                <a:gridCol w="871093"/>
-                <a:gridCol w="871093"/>
+                <a:gridCol w="1997920"/>
+                <a:gridCol w="1198752"/>
+                <a:gridCol w="1198752"/>
+                <a:gridCol w="1198752"/>
+                <a:gridCol w="959001"/>
+                <a:gridCol w="959001"/>
+                <a:gridCol w="1198752"/>
               </a:tblGrid>
               <a:tr h="370840">
                 <a:tc>
@@ -6127,7 +6074,7 @@
                             <a:srgbClr val="FFFFFF"/>
                           </a:solidFill>
                         </a:rPr>
-                        <a:t>Provider/Partner Credits</a:t>
+                        <a:t>Year 1 Credits</a:t>
                       </a:r>
                     </a:p>
                   </a:txBody>
@@ -6229,8 +6176,492 @@
                     <a:lstStyle/>
                     <a:p>
                       <a:r>
+                        <a:rPr sz="1100"/>
+                        <a:t>Professional Services</a:t>
+                      </a:r>
+                    </a:p>
+                  </a:txBody>
+                  <a:tcPr>
+                    <a:solidFill>
+                      <a:srgbClr val="E7E6E6"/>
+                    </a:solidFill>
+                  </a:tcPr>
+                </a:tc>
+                <a:tc>
+                  <a:txBody>
+                    <a:bodyPr/>
+                    <a:lstStyle/>
+                    <a:p>
+                      <a:r>
+                        <a:rPr sz="1100"/>
+                        <a:t>$78,400</a:t>
+                      </a:r>
+                    </a:p>
+                  </a:txBody>
+                  <a:tcPr>
+                    <a:solidFill>
+                      <a:srgbClr val="E7E6E6"/>
+                    </a:solidFill>
+                  </a:tcPr>
+                </a:tc>
+                <a:tc>
+                  <a:txBody>
+                    <a:bodyPr/>
+                    <a:lstStyle/>
+                    <a:p>
+                      <a:r>
+                        <a:rPr sz="1100"/>
+                        <a:t>($10,000)</a:t>
+                      </a:r>
+                    </a:p>
+                  </a:txBody>
+                  <a:tcPr>
+                    <a:solidFill>
+                      <a:srgbClr val="E7E6E6"/>
+                    </a:solidFill>
+                  </a:tcPr>
+                </a:tc>
+                <a:tc>
+                  <a:txBody>
+                    <a:bodyPr/>
+                    <a:lstStyle/>
+                    <a:p>
+                      <a:r>
+                        <a:rPr sz="1100"/>
+                        <a:t>$68,400</a:t>
+                      </a:r>
+                    </a:p>
+                  </a:txBody>
+                  <a:tcPr>
+                    <a:solidFill>
+                      <a:srgbClr val="E7E6E6"/>
+                    </a:solidFill>
+                  </a:tcPr>
+                </a:tc>
+                <a:tc>
+                  <a:txBody>
+                    <a:bodyPr/>
+                    <a:lstStyle/>
+                    <a:p>
+                      <a:r>
+                        <a:rPr sz="1100"/>
+                        <a:t>$0</a:t>
+                      </a:r>
+                    </a:p>
+                  </a:txBody>
+                  <a:tcPr>
+                    <a:solidFill>
+                      <a:srgbClr val="E7E6E6"/>
+                    </a:solidFill>
+                  </a:tcPr>
+                </a:tc>
+                <a:tc>
+                  <a:txBody>
+                    <a:bodyPr/>
+                    <a:lstStyle/>
+                    <a:p>
+                      <a:r>
+                        <a:rPr sz="1100"/>
+                        <a:t>$0</a:t>
+                      </a:r>
+                    </a:p>
+                  </a:txBody>
+                  <a:tcPr>
+                    <a:solidFill>
+                      <a:srgbClr val="E7E6E6"/>
+                    </a:solidFill>
+                  </a:tcPr>
+                </a:tc>
+                <a:tc>
+                  <a:txBody>
+                    <a:bodyPr/>
+                    <a:lstStyle/>
+                    <a:p>
+                      <a:r>
+                        <a:rPr sz="1100"/>
+                        <a:t>$68,400</a:t>
+                      </a:r>
+                    </a:p>
+                  </a:txBody>
+                  <a:tcPr>
+                    <a:solidFill>
+                      <a:srgbClr val="E7E6E6"/>
+                    </a:solidFill>
+                  </a:tcPr>
+                </a:tc>
+              </a:tr>
+              <a:tr h="370840">
+                <a:tc>
+                  <a:txBody>
+                    <a:bodyPr/>
+                    <a:lstStyle/>
+                    <a:p>
+                      <a:r>
+                        <a:rPr sz="1100"/>
+                        <a:t>Cloud Infrastructure</a:t>
+                      </a:r>
+                    </a:p>
+                  </a:txBody>
+                  <a:tcPr>
+                    <a:solidFill>
+                      <a:srgbClr val="E7E6E6"/>
+                    </a:solidFill>
+                  </a:tcPr>
+                </a:tc>
+                <a:tc>
+                  <a:txBody>
+                    <a:bodyPr/>
+                    <a:lstStyle/>
+                    <a:p>
+                      <a:r>
+                        <a:rPr sz="1100"/>
+                        <a:t>$39,600</a:t>
+                      </a:r>
+                    </a:p>
+                  </a:txBody>
+                  <a:tcPr>
+                    <a:solidFill>
+                      <a:srgbClr val="E7E6E6"/>
+                    </a:solidFill>
+                  </a:tcPr>
+                </a:tc>
+                <a:tc>
+                  <a:txBody>
+                    <a:bodyPr/>
+                    <a:lstStyle/>
+                    <a:p>
+                      <a:r>
+                        <a:rPr sz="1100"/>
+                        <a:t>$0</a:t>
+                      </a:r>
+                    </a:p>
+                  </a:txBody>
+                  <a:tcPr>
+                    <a:solidFill>
+                      <a:srgbClr val="E7E6E6"/>
+                    </a:solidFill>
+                  </a:tcPr>
+                </a:tc>
+                <a:tc>
+                  <a:txBody>
+                    <a:bodyPr/>
+                    <a:lstStyle/>
+                    <a:p>
+                      <a:r>
+                        <a:rPr sz="1100"/>
+                        <a:t>$39,600</a:t>
+                      </a:r>
+                    </a:p>
+                  </a:txBody>
+                  <a:tcPr>
+                    <a:solidFill>
+                      <a:srgbClr val="E7E6E6"/>
+                    </a:solidFill>
+                  </a:tcPr>
+                </a:tc>
+                <a:tc>
+                  <a:txBody>
+                    <a:bodyPr/>
+                    <a:lstStyle/>
+                    <a:p>
+                      <a:r>
+                        <a:rPr sz="1100"/>
+                        <a:t>$39,600</a:t>
+                      </a:r>
+                    </a:p>
+                  </a:txBody>
+                  <a:tcPr>
+                    <a:solidFill>
+                      <a:srgbClr val="E7E6E6"/>
+                    </a:solidFill>
+                  </a:tcPr>
+                </a:tc>
+                <a:tc>
+                  <a:txBody>
+                    <a:bodyPr/>
+                    <a:lstStyle/>
+                    <a:p>
+                      <a:r>
+                        <a:rPr sz="1100"/>
+                        <a:t>$39,600</a:t>
+                      </a:r>
+                    </a:p>
+                  </a:txBody>
+                  <a:tcPr>
+                    <a:solidFill>
+                      <a:srgbClr val="E7E6E6"/>
+                    </a:solidFill>
+                  </a:tcPr>
+                </a:tc>
+                <a:tc>
+                  <a:txBody>
+                    <a:bodyPr/>
+                    <a:lstStyle/>
+                    <a:p>
+                      <a:r>
+                        <a:rPr sz="1100"/>
+                        <a:t>$118,800</a:t>
+                      </a:r>
+                    </a:p>
+                  </a:txBody>
+                  <a:tcPr>
+                    <a:solidFill>
+                      <a:srgbClr val="E7E6E6"/>
+                    </a:solidFill>
+                  </a:tcPr>
+                </a:tc>
+              </a:tr>
+              <a:tr h="370840">
+                <a:tc>
+                  <a:txBody>
+                    <a:bodyPr/>
+                    <a:lstStyle/>
+                    <a:p>
+                      <a:r>
+                        <a:rPr sz="1100"/>
+                        <a:t>Software Licenses</a:t>
+                      </a:r>
+                    </a:p>
+                  </a:txBody>
+                  <a:tcPr>
+                    <a:solidFill>
+                      <a:srgbClr val="E7E6E6"/>
+                    </a:solidFill>
+                  </a:tcPr>
+                </a:tc>
+                <a:tc>
+                  <a:txBody>
+                    <a:bodyPr/>
+                    <a:lstStyle/>
+                    <a:p>
+                      <a:r>
+                        <a:rPr sz="1100"/>
+                        <a:t>$24,000</a:t>
+                      </a:r>
+                    </a:p>
+                  </a:txBody>
+                  <a:tcPr>
+                    <a:solidFill>
+                      <a:srgbClr val="E7E6E6"/>
+                    </a:solidFill>
+                  </a:tcPr>
+                </a:tc>
+                <a:tc>
+                  <a:txBody>
+                    <a:bodyPr/>
+                    <a:lstStyle/>
+                    <a:p>
+                      <a:r>
+                        <a:rPr sz="1100"/>
+                        <a:t>$0</a:t>
+                      </a:r>
+                    </a:p>
+                  </a:txBody>
+                  <a:tcPr>
+                    <a:solidFill>
+                      <a:srgbClr val="E7E6E6"/>
+                    </a:solidFill>
+                  </a:tcPr>
+                </a:tc>
+                <a:tc>
+                  <a:txBody>
+                    <a:bodyPr/>
+                    <a:lstStyle/>
+                    <a:p>
+                      <a:r>
+                        <a:rPr sz="1100"/>
+                        <a:t>$24,000</a:t>
+                      </a:r>
+                    </a:p>
+                  </a:txBody>
+                  <a:tcPr>
+                    <a:solidFill>
+                      <a:srgbClr val="E7E6E6"/>
+                    </a:solidFill>
+                  </a:tcPr>
+                </a:tc>
+                <a:tc>
+                  <a:txBody>
+                    <a:bodyPr/>
+                    <a:lstStyle/>
+                    <a:p>
+                      <a:r>
+                        <a:rPr sz="1100"/>
+                        <a:t>$24,000</a:t>
+                      </a:r>
+                    </a:p>
+                  </a:txBody>
+                  <a:tcPr>
+                    <a:solidFill>
+                      <a:srgbClr val="E7E6E6"/>
+                    </a:solidFill>
+                  </a:tcPr>
+                </a:tc>
+                <a:tc>
+                  <a:txBody>
+                    <a:bodyPr/>
+                    <a:lstStyle/>
+                    <a:p>
+                      <a:r>
+                        <a:rPr sz="1100"/>
+                        <a:t>$24,000</a:t>
+                      </a:r>
+                    </a:p>
+                  </a:txBody>
+                  <a:tcPr>
+                    <a:solidFill>
+                      <a:srgbClr val="E7E6E6"/>
+                    </a:solidFill>
+                  </a:tcPr>
+                </a:tc>
+                <a:tc>
+                  <a:txBody>
+                    <a:bodyPr/>
+                    <a:lstStyle/>
+                    <a:p>
+                      <a:r>
+                        <a:rPr sz="1100"/>
+                        <a:t>$72,000</a:t>
+                      </a:r>
+                    </a:p>
+                  </a:txBody>
+                  <a:tcPr>
+                    <a:solidFill>
+                      <a:srgbClr val="E7E6E6"/>
+                    </a:solidFill>
+                  </a:tcPr>
+                </a:tc>
+              </a:tr>
+              <a:tr h="370840">
+                <a:tc>
+                  <a:txBody>
+                    <a:bodyPr/>
+                    <a:lstStyle/>
+                    <a:p>
+                      <a:r>
+                        <a:rPr sz="1100"/>
+                        <a:t>Support &amp; Maintenance</a:t>
+                      </a:r>
+                    </a:p>
+                  </a:txBody>
+                  <a:tcPr>
+                    <a:solidFill>
+                      <a:srgbClr val="E7E6E6"/>
+                    </a:solidFill>
+                  </a:tcPr>
+                </a:tc>
+                <a:tc>
+                  <a:txBody>
+                    <a:bodyPr/>
+                    <a:lstStyle/>
+                    <a:p>
+                      <a:r>
+                        <a:rPr sz="1100"/>
+                        <a:t>$5,184</a:t>
+                      </a:r>
+                    </a:p>
+                  </a:txBody>
+                  <a:tcPr>
+                    <a:solidFill>
+                      <a:srgbClr val="E7E6E6"/>
+                    </a:solidFill>
+                  </a:tcPr>
+                </a:tc>
+                <a:tc>
+                  <a:txBody>
+                    <a:bodyPr/>
+                    <a:lstStyle/>
+                    <a:p>
+                      <a:r>
+                        <a:rPr sz="1100"/>
+                        <a:t>$0</a:t>
+                      </a:r>
+                    </a:p>
+                  </a:txBody>
+                  <a:tcPr>
+                    <a:solidFill>
+                      <a:srgbClr val="E7E6E6"/>
+                    </a:solidFill>
+                  </a:tcPr>
+                </a:tc>
+                <a:tc>
+                  <a:txBody>
+                    <a:bodyPr/>
+                    <a:lstStyle/>
+                    <a:p>
+                      <a:r>
+                        <a:rPr sz="1100"/>
+                        <a:t>$5,184</a:t>
+                      </a:r>
+                    </a:p>
+                  </a:txBody>
+                  <a:tcPr>
+                    <a:solidFill>
+                      <a:srgbClr val="E7E6E6"/>
+                    </a:solidFill>
+                  </a:tcPr>
+                </a:tc>
+                <a:tc>
+                  <a:txBody>
+                    <a:bodyPr/>
+                    <a:lstStyle/>
+                    <a:p>
+                      <a:r>
+                        <a:rPr sz="1100"/>
+                        <a:t>$5,184</a:t>
+                      </a:r>
+                    </a:p>
+                  </a:txBody>
+                  <a:tcPr>
+                    <a:solidFill>
+                      <a:srgbClr val="E7E6E6"/>
+                    </a:solidFill>
+                  </a:tcPr>
+                </a:tc>
+                <a:tc>
+                  <a:txBody>
+                    <a:bodyPr/>
+                    <a:lstStyle/>
+                    <a:p>
+                      <a:r>
+                        <a:rPr sz="1100"/>
+                        <a:t>$5,184</a:t>
+                      </a:r>
+                    </a:p>
+                  </a:txBody>
+                  <a:tcPr>
+                    <a:solidFill>
+                      <a:srgbClr val="E7E6E6"/>
+                    </a:solidFill>
+                  </a:tcPr>
+                </a:tc>
+                <a:tc>
+                  <a:txBody>
+                    <a:bodyPr/>
+                    <a:lstStyle/>
+                    <a:p>
+                      <a:r>
+                        <a:rPr sz="1100"/>
+                        <a:t>$15,552</a:t>
+                      </a:r>
+                    </a:p>
+                  </a:txBody>
+                  <a:tcPr>
+                    <a:solidFill>
+                      <a:srgbClr val="E7E6E6"/>
+                    </a:solidFill>
+                  </a:tcPr>
+                </a:tc>
+              </a:tr>
+              <a:tr h="370840">
+                <a:tc>
+                  <a:txBody>
+                    <a:bodyPr/>
+                    <a:lstStyle/>
+                    <a:p>
+                      <a:r>
                         <a:rPr b="1" sz="1100"/>
-                        <a:t>TOTAL INVESTMENT</a:t>
+                        <a:t>TOTAL</a:t>
                       </a:r>
                     </a:p>
                   </a:txBody>
@@ -6247,7 +6678,7 @@
                     <a:p>
                       <a:r>
                         <a:rPr b="1" sz="1100"/>
-                        <a:t>$0</a:t>
+                        <a:t>$147,184</a:t>
                       </a:r>
                     </a:p>
                   </a:txBody>
@@ -6264,7 +6695,7 @@
                     <a:p>
                       <a:r>
                         <a:rPr b="1" sz="1100"/>
-                        <a:t>$0</a:t>
+                        <a:t>($10,000)</a:t>
                       </a:r>
                     </a:p>
                   </a:txBody>
@@ -6281,7 +6712,7 @@
                     <a:p>
                       <a:r>
                         <a:rPr b="1" sz="1100"/>
-                        <a:t>$0</a:t>
+                        <a:t>$137,184</a:t>
                       </a:r>
                     </a:p>
                   </a:txBody>
@@ -6298,7 +6729,7 @@
                     <a:p>
                       <a:r>
                         <a:rPr b="1" sz="1100"/>
-                        <a:t>$0</a:t>
+                        <a:t>$68,784</a:t>
                       </a:r>
                     </a:p>
                   </a:txBody>
@@ -6315,7 +6746,7 @@
                     <a:p>
                       <a:r>
                         <a:rPr b="1" sz="1100"/>
-                        <a:t>$0</a:t>
+                        <a:t>$68,784</a:t>
                       </a:r>
                     </a:p>
                   </a:txBody>
@@ -6332,7 +6763,7 @@
                     <a:p>
                       <a:r>
                         <a:rPr b="1" sz="1100"/>
-                        <a:t>$0</a:t>
+                        <a:t>$274,752</a:t>
                       </a:r>
                     </a:p>
                   </a:txBody>
@@ -6347,24 +6778,53 @@
           </a:graphicData>
         </a:graphic>
       </p:graphicFrame>
+      <p:sp>
+        <p:nvSpPr>
+          <p:cNvPr id="5" name="Text Placeholder 4"/>
+          <p:cNvSpPr>
+            <a:spLocks noGrp="1"/>
+          </p:cNvSpPr>
+          <p:nvPr>
+            <p:ph type="body" idx="15" sz="quarter"/>
+          </p:nvPr>
+        </p:nvSpPr>
+        <p:spPr/>
+        <p:txBody>
+          <a:bodyPr/>
+          <a:lstStyle/>
+          <a:p>
+            <a:pPr algn="r">
+              <a:buNone/>
+            </a:pPr>
+            <a:r>
+              <a:rPr sz="1100">
+                <a:solidFill>
+                  <a:srgbClr val="CC0000"/>
+                </a:solidFill>
+              </a:rPr>
+              <a:t>Azure Virtual Desktop</a:t>
+            </a:r>
+          </a:p>
+        </p:txBody>
+      </p:sp>
       <p:pic>
         <p:nvPicPr>
-          <p:cNvPr id="5" name="Picture 4" descr="eo-framework-logo-real.png"/>
+          <p:cNvPr id="6" name="Picture 5" descr="consulting_company_logo.png"/>
           <p:cNvPicPr>
             <a:picLocks noChangeAspect="1"/>
           </p:cNvPicPr>
           <p:nvPr/>
         </p:nvPicPr>
         <p:blipFill>
-          <a:blip r:embed="rId3"/>
+          <a:blip r:embed="rId2"/>
           <a:stretch>
             <a:fillRect/>
           </a:stretch>
         </p:blipFill>
         <p:spPr>
           <a:xfrm>
-            <a:off x="6684264" y="4535424"/>
-            <a:ext cx="2139696" cy="530352"/>
+            <a:off x="313592" y="4536078"/>
+            <a:ext cx="2126273" cy="529698"/>
           </a:xfrm>
           <a:prstGeom prst="rect">
             <a:avLst/>

--- a/solutions/azure/modern-workspace/virtual-desktop/presales/solution-briefing.pptx
+++ b/solutions/azure/modern-workspace/virtual-desktop/presales/solution-briefing.pptx
@@ -4861,37 +4861,19 @@
           <a:p>
             <a:pPr lvl="1"/>
             <a:r>
-              <a:t>Platform: Azure Virtual Desktop (AVD)</a:t>
+              <a:t>Platform: Azure Virtual Desktop (AVD) with Windows 10/11 Multi-session hosts</a:t>
             </a:r>
           </a:p>
           <a:p>
             <a:pPr lvl="1"/>
             <a:r>
-              <a:t>Session Hosts: Windows 10/11 Multi-session (D4s_v5 VMs)</a:t>
+              <a:t>Storage &amp; Identity: Azure Files + FSLogix, Azure AD / Microsoft Entra ID</a:t>
             </a:r>
           </a:p>
           <a:p>
             <a:pPr lvl="1"/>
             <a:r>
-              <a:t>Storage: Azure Files + FSLogix</a:t>
-            </a:r>
-          </a:p>
-          <a:p>
-            <a:pPr lvl="1"/>
-            <a:r>
-              <a:t>Identity: Azure AD / Microsoft Entra ID</a:t>
-            </a:r>
-          </a:p>
-          <a:p>
-            <a:pPr lvl="1"/>
-            <a:r>
-              <a:t>Security: Network Security Groups, Private Endpoints</a:t>
-            </a:r>
-          </a:p>
-          <a:p>
-            <a:pPr lvl="1"/>
-            <a:r>
-              <a:t>Monitoring: Azure Monitor, Diagnostics Services</a:t>
+              <a:t>Security &amp; Monitoring: Network Security Groups, Private Endpoints, Azure Monitor</a:t>
             </a:r>
           </a:p>
         </p:txBody>

--- a/solutions/azure/modern-workspace/virtual-desktop/presales/solution-briefing.pptx
+++ b/solutions/azure/modern-workspace/virtual-desktop/presales/solution-briefing.pptx
@@ -693,6 +693,39 @@
       </p:grpSpPr>
       <p:sp>
         <p:nvSpPr>
+          <p:cNvPr id="12" name="Picture Placeholder 13">
+            <a:extLst>
+              <a:ext uri="{FF2B5EF4-FFF2-40B4-BE49-F238E27FC236}">
+                <a16:creationId xmlns:a16="http://schemas.microsoft.com/office/drawing/2014/main" id="{2DB97592-C4D5-B315-7F11-AA14F6EE8A62}"/>
+              </a:ext>
+            </a:extLst>
+          </p:cNvPr>
+          <p:cNvSpPr>
+            <a:spLocks noGrp="1"/>
+          </p:cNvSpPr>
+          <p:nvPr>
+            <p:ph type="pic" sz="quarter" idx="13"/>
+          </p:nvPr>
+        </p:nvSpPr>
+        <p:spPr>
+          <a:xfrm>
+            <a:off x="313593" y="4536078"/>
+            <a:ext cx="2143858" cy="529698"/>
+          </a:xfrm>
+          <a:prstGeom prst="rect">
+            <a:avLst/>
+          </a:prstGeom>
+        </p:spPr>
+        <p:txBody>
+          <a:bodyPr/>
+          <a:lstStyle/>
+          <a:p>
+            <a:endParaRPr lang="en-US" dirty="0"/>
+          </a:p>
+        </p:txBody>
+      </p:sp>
+      <p:sp>
+        <p:nvSpPr>
           <p:cNvPr id="3" name="Shape 1">
             <a:extLst>
               <a:ext uri="{FF2B5EF4-FFF2-40B4-BE49-F238E27FC236}">
@@ -782,39 +815,6 @@
               <a:rPr lang="en-US" dirty="0"/>
               <a:t>Slide Title</a:t>
             </a:r>
-          </a:p>
-        </p:txBody>
-      </p:sp>
-      <p:sp>
-        <p:nvSpPr>
-          <p:cNvPr id="12" name="Picture Placeholder 13">
-            <a:extLst>
-              <a:ext uri="{FF2B5EF4-FFF2-40B4-BE49-F238E27FC236}">
-                <a16:creationId xmlns:a16="http://schemas.microsoft.com/office/drawing/2014/main" id="{2DB97592-C4D5-B315-7F11-AA14F6EE8A62}"/>
-              </a:ext>
-            </a:extLst>
-          </p:cNvPr>
-          <p:cNvSpPr>
-            <a:spLocks noGrp="1"/>
-          </p:cNvSpPr>
-          <p:nvPr>
-            <p:ph type="pic" sz="quarter" idx="13"/>
-          </p:nvPr>
-        </p:nvSpPr>
-        <p:spPr>
-          <a:xfrm>
-            <a:off x="313593" y="4536078"/>
-            <a:ext cx="2143858" cy="529698"/>
-          </a:xfrm>
-          <a:prstGeom prst="rect">
-            <a:avLst/>
-          </a:prstGeom>
-        </p:spPr>
-        <p:txBody>
-          <a:bodyPr/>
-          <a:lstStyle/>
-          <a:p>
-            <a:endParaRPr lang="en-US" dirty="0"/>
           </a:p>
         </p:txBody>
       </p:sp>
@@ -971,6 +971,39 @@
       </p:grpSpPr>
       <p:sp>
         <p:nvSpPr>
+          <p:cNvPr id="12" name="Picture Placeholder 13">
+            <a:extLst>
+              <a:ext uri="{FF2B5EF4-FFF2-40B4-BE49-F238E27FC236}">
+                <a16:creationId xmlns:a16="http://schemas.microsoft.com/office/drawing/2014/main" id="{2DB97592-C4D5-B315-7F11-AA14F6EE8A62}"/>
+              </a:ext>
+            </a:extLst>
+          </p:cNvPr>
+          <p:cNvSpPr>
+            <a:spLocks noGrp="1"/>
+          </p:cNvSpPr>
+          <p:nvPr>
+            <p:ph type="pic" sz="quarter" idx="13"/>
+          </p:nvPr>
+        </p:nvSpPr>
+        <p:spPr>
+          <a:xfrm>
+            <a:off x="313593" y="4536078"/>
+            <a:ext cx="2143858" cy="529698"/>
+          </a:xfrm>
+          <a:prstGeom prst="rect">
+            <a:avLst/>
+          </a:prstGeom>
+        </p:spPr>
+        <p:txBody>
+          <a:bodyPr/>
+          <a:lstStyle/>
+          <a:p>
+            <a:endParaRPr lang="en-US" dirty="0"/>
+          </a:p>
+        </p:txBody>
+      </p:sp>
+      <p:sp>
+        <p:nvSpPr>
           <p:cNvPr id="3" name="Shape 1">
             <a:extLst>
               <a:ext uri="{FF2B5EF4-FFF2-40B4-BE49-F238E27FC236}">
@@ -1060,39 +1093,6 @@
               <a:rPr lang="en-US" dirty="0"/>
               <a:t>Bullet Points</a:t>
             </a:r>
-          </a:p>
-        </p:txBody>
-      </p:sp>
-      <p:sp>
-        <p:nvSpPr>
-          <p:cNvPr id="12" name="Picture Placeholder 13">
-            <a:extLst>
-              <a:ext uri="{FF2B5EF4-FFF2-40B4-BE49-F238E27FC236}">
-                <a16:creationId xmlns:a16="http://schemas.microsoft.com/office/drawing/2014/main" id="{2DB97592-C4D5-B315-7F11-AA14F6EE8A62}"/>
-              </a:ext>
-            </a:extLst>
-          </p:cNvPr>
-          <p:cNvSpPr>
-            <a:spLocks noGrp="1"/>
-          </p:cNvSpPr>
-          <p:nvPr>
-            <p:ph type="pic" sz="quarter" idx="13"/>
-          </p:nvPr>
-        </p:nvSpPr>
-        <p:spPr>
-          <a:xfrm>
-            <a:off x="313593" y="4536078"/>
-            <a:ext cx="2143858" cy="529698"/>
-          </a:xfrm>
-          <a:prstGeom prst="rect">
-            <a:avLst/>
-          </a:prstGeom>
-        </p:spPr>
-        <p:txBody>
-          <a:bodyPr/>
-          <a:lstStyle/>
-          <a:p>
-            <a:endParaRPr lang="en-US" dirty="0"/>
           </a:p>
         </p:txBody>
       </p:sp>
@@ -1235,6 +1235,39 @@
       </p:grpSpPr>
       <p:sp>
         <p:nvSpPr>
+          <p:cNvPr id="10" name="Picture Placeholder 13">
+            <a:extLst>
+              <a:ext uri="{FF2B5EF4-FFF2-40B4-BE49-F238E27FC236}">
+                <a16:creationId xmlns:a16="http://schemas.microsoft.com/office/drawing/2014/main" id="{6A0FA445-7602-F06E-EC73-5504EBF827CC}"/>
+              </a:ext>
+            </a:extLst>
+          </p:cNvPr>
+          <p:cNvSpPr>
+            <a:spLocks noGrp="1"/>
+          </p:cNvSpPr>
+          <p:nvPr>
+            <p:ph type="pic" sz="quarter" idx="14"/>
+          </p:nvPr>
+        </p:nvSpPr>
+        <p:spPr>
+          <a:xfrm>
+            <a:off x="313592" y="4536078"/>
+            <a:ext cx="2121877" cy="529698"/>
+          </a:xfrm>
+          <a:prstGeom prst="rect">
+            <a:avLst/>
+          </a:prstGeom>
+        </p:spPr>
+        <p:txBody>
+          <a:bodyPr/>
+          <a:lstStyle/>
+          <a:p>
+            <a:endParaRPr lang="en-US" dirty="0"/>
+          </a:p>
+        </p:txBody>
+      </p:sp>
+      <p:sp>
+        <p:nvSpPr>
           <p:cNvPr id="3" name="Shape 1">
             <a:extLst>
               <a:ext uri="{FF2B5EF4-FFF2-40B4-BE49-F238E27FC236}">
@@ -1324,39 +1357,6 @@
               <a:rPr lang="en-US" dirty="0"/>
               <a:t>Two Column Layout</a:t>
             </a:r>
-          </a:p>
-        </p:txBody>
-      </p:sp>
-      <p:sp>
-        <p:nvSpPr>
-          <p:cNvPr id="10" name="Picture Placeholder 13">
-            <a:extLst>
-              <a:ext uri="{FF2B5EF4-FFF2-40B4-BE49-F238E27FC236}">
-                <a16:creationId xmlns:a16="http://schemas.microsoft.com/office/drawing/2014/main" id="{6A0FA445-7602-F06E-EC73-5504EBF827CC}"/>
-              </a:ext>
-            </a:extLst>
-          </p:cNvPr>
-          <p:cNvSpPr>
-            <a:spLocks noGrp="1"/>
-          </p:cNvSpPr>
-          <p:nvPr>
-            <p:ph type="pic" sz="quarter" idx="14"/>
-          </p:nvPr>
-        </p:nvSpPr>
-        <p:spPr>
-          <a:xfrm>
-            <a:off x="313592" y="4536078"/>
-            <a:ext cx="2121877" cy="529698"/>
-          </a:xfrm>
-          <a:prstGeom prst="rect">
-            <a:avLst/>
-          </a:prstGeom>
-        </p:spPr>
-        <p:txBody>
-          <a:bodyPr/>
-          <a:lstStyle/>
-          <a:p>
-            <a:endParaRPr lang="en-US" dirty="0"/>
           </a:p>
         </p:txBody>
       </p:sp>
@@ -1604,6 +1604,39 @@
       </p:grpSpPr>
       <p:sp>
         <p:nvSpPr>
+          <p:cNvPr id="12" name="Picture Placeholder 13">
+            <a:extLst>
+              <a:ext uri="{FF2B5EF4-FFF2-40B4-BE49-F238E27FC236}">
+                <a16:creationId xmlns:a16="http://schemas.microsoft.com/office/drawing/2014/main" id="{2DB97592-C4D5-B315-7F11-AA14F6EE8A62}"/>
+              </a:ext>
+            </a:extLst>
+          </p:cNvPr>
+          <p:cNvSpPr>
+            <a:spLocks noGrp="1"/>
+          </p:cNvSpPr>
+          <p:nvPr>
+            <p:ph type="pic" sz="quarter" idx="13"/>
+          </p:nvPr>
+        </p:nvSpPr>
+        <p:spPr>
+          <a:xfrm>
+            <a:off x="313592" y="4536078"/>
+            <a:ext cx="2126273" cy="529698"/>
+          </a:xfrm>
+          <a:prstGeom prst="rect">
+            <a:avLst/>
+          </a:prstGeom>
+        </p:spPr>
+        <p:txBody>
+          <a:bodyPr/>
+          <a:lstStyle/>
+          <a:p>
+            <a:endParaRPr lang="en-US" dirty="0"/>
+          </a:p>
+        </p:txBody>
+      </p:sp>
+      <p:sp>
+        <p:nvSpPr>
           <p:cNvPr id="3" name="Shape 1">
             <a:extLst>
               <a:ext uri="{FF2B5EF4-FFF2-40B4-BE49-F238E27FC236}">
@@ -1719,39 +1752,6 @@
           </a:p>
           <a:p>
             <a:pPr lvl="0"/>
-            <a:endParaRPr lang="en-US" dirty="0"/>
-          </a:p>
-        </p:txBody>
-      </p:sp>
-      <p:sp>
-        <p:nvSpPr>
-          <p:cNvPr id="12" name="Picture Placeholder 13">
-            <a:extLst>
-              <a:ext uri="{FF2B5EF4-FFF2-40B4-BE49-F238E27FC236}">
-                <a16:creationId xmlns:a16="http://schemas.microsoft.com/office/drawing/2014/main" id="{2DB97592-C4D5-B315-7F11-AA14F6EE8A62}"/>
-              </a:ext>
-            </a:extLst>
-          </p:cNvPr>
-          <p:cNvSpPr>
-            <a:spLocks noGrp="1"/>
-          </p:cNvSpPr>
-          <p:nvPr>
-            <p:ph type="pic" sz="quarter" idx="13"/>
-          </p:nvPr>
-        </p:nvSpPr>
-        <p:spPr>
-          <a:xfrm>
-            <a:off x="313592" y="4536078"/>
-            <a:ext cx="2126273" cy="529698"/>
-          </a:xfrm>
-          <a:prstGeom prst="rect">
-            <a:avLst/>
-          </a:prstGeom>
-        </p:spPr>
-        <p:txBody>
-          <a:bodyPr/>
-          <a:lstStyle/>
-          <a:p>
             <a:endParaRPr lang="en-US" dirty="0"/>
           </a:p>
         </p:txBody>
@@ -1863,6 +1863,39 @@
       </p:grpSpPr>
       <p:sp>
         <p:nvSpPr>
+          <p:cNvPr id="10" name="Picture Placeholder 13">
+            <a:extLst>
+              <a:ext uri="{FF2B5EF4-FFF2-40B4-BE49-F238E27FC236}">
+                <a16:creationId xmlns:a16="http://schemas.microsoft.com/office/drawing/2014/main" id="{6A0FA445-7602-F06E-EC73-5504EBF827CC}"/>
+              </a:ext>
+            </a:extLst>
+          </p:cNvPr>
+          <p:cNvSpPr>
+            <a:spLocks noGrp="1"/>
+          </p:cNvSpPr>
+          <p:nvPr>
+            <p:ph type="pic" sz="quarter" idx="14"/>
+          </p:nvPr>
+        </p:nvSpPr>
+        <p:spPr>
+          <a:xfrm>
+            <a:off x="313592" y="4536078"/>
+            <a:ext cx="2130670" cy="529698"/>
+          </a:xfrm>
+          <a:prstGeom prst="rect">
+            <a:avLst/>
+          </a:prstGeom>
+        </p:spPr>
+        <p:txBody>
+          <a:bodyPr/>
+          <a:lstStyle/>
+          <a:p>
+            <a:endParaRPr lang="en-US" dirty="0"/>
+          </a:p>
+        </p:txBody>
+      </p:sp>
+      <p:sp>
+        <p:nvSpPr>
           <p:cNvPr id="3" name="Shape 1">
             <a:extLst>
               <a:ext uri="{FF2B5EF4-FFF2-40B4-BE49-F238E27FC236}">
@@ -1952,39 +1985,6 @@
               <a:rPr lang="en-US" dirty="0"/>
               <a:t>Visual Content</a:t>
             </a:r>
-          </a:p>
-        </p:txBody>
-      </p:sp>
-      <p:sp>
-        <p:nvSpPr>
-          <p:cNvPr id="10" name="Picture Placeholder 13">
-            <a:extLst>
-              <a:ext uri="{FF2B5EF4-FFF2-40B4-BE49-F238E27FC236}">
-                <a16:creationId xmlns:a16="http://schemas.microsoft.com/office/drawing/2014/main" id="{6A0FA445-7602-F06E-EC73-5504EBF827CC}"/>
-              </a:ext>
-            </a:extLst>
-          </p:cNvPr>
-          <p:cNvSpPr>
-            <a:spLocks noGrp="1"/>
-          </p:cNvSpPr>
-          <p:nvPr>
-            <p:ph type="pic" sz="quarter" idx="14"/>
-          </p:nvPr>
-        </p:nvSpPr>
-        <p:spPr>
-          <a:xfrm>
-            <a:off x="313592" y="4536078"/>
-            <a:ext cx="2130670" cy="529698"/>
-          </a:xfrm>
-          <a:prstGeom prst="rect">
-            <a:avLst/>
-          </a:prstGeom>
-        </p:spPr>
-        <p:txBody>
-          <a:bodyPr/>
-          <a:lstStyle/>
-          <a:p>
-            <a:endParaRPr lang="en-US" dirty="0"/>
           </a:p>
         </p:txBody>
       </p:sp>
@@ -2180,6 +2180,39 @@
       </p:grpSpPr>
       <p:sp>
         <p:nvSpPr>
+          <p:cNvPr id="10" name="Picture Placeholder 13">
+            <a:extLst>
+              <a:ext uri="{FF2B5EF4-FFF2-40B4-BE49-F238E27FC236}">
+                <a16:creationId xmlns:a16="http://schemas.microsoft.com/office/drawing/2014/main" id="{6A0FA445-7602-F06E-EC73-5504EBF827CC}"/>
+              </a:ext>
+            </a:extLst>
+          </p:cNvPr>
+          <p:cNvSpPr>
+            <a:spLocks noGrp="1"/>
+          </p:cNvSpPr>
+          <p:nvPr>
+            <p:ph type="pic" sz="quarter" idx="14"/>
+          </p:nvPr>
+        </p:nvSpPr>
+        <p:spPr>
+          <a:xfrm>
+            <a:off x="313592" y="4536078"/>
+            <a:ext cx="2104294" cy="529698"/>
+          </a:xfrm>
+          <a:prstGeom prst="rect">
+            <a:avLst/>
+          </a:prstGeom>
+        </p:spPr>
+        <p:txBody>
+          <a:bodyPr/>
+          <a:lstStyle/>
+          <a:p>
+            <a:endParaRPr lang="en-US" dirty="0"/>
+          </a:p>
+        </p:txBody>
+      </p:sp>
+      <p:sp>
+        <p:nvSpPr>
           <p:cNvPr id="3" name="Shape 1">
             <a:extLst>
               <a:ext uri="{FF2B5EF4-FFF2-40B4-BE49-F238E27FC236}">
@@ -2269,39 +2302,6 @@
               <a:rPr lang="en-US" dirty="0"/>
               <a:t>Data Visualization</a:t>
             </a:r>
-          </a:p>
-        </p:txBody>
-      </p:sp>
-      <p:sp>
-        <p:nvSpPr>
-          <p:cNvPr id="10" name="Picture Placeholder 13">
-            <a:extLst>
-              <a:ext uri="{FF2B5EF4-FFF2-40B4-BE49-F238E27FC236}">
-                <a16:creationId xmlns:a16="http://schemas.microsoft.com/office/drawing/2014/main" id="{6A0FA445-7602-F06E-EC73-5504EBF827CC}"/>
-              </a:ext>
-            </a:extLst>
-          </p:cNvPr>
-          <p:cNvSpPr>
-            <a:spLocks noGrp="1"/>
-          </p:cNvSpPr>
-          <p:nvPr>
-            <p:ph type="pic" sz="quarter" idx="14"/>
-          </p:nvPr>
-        </p:nvSpPr>
-        <p:spPr>
-          <a:xfrm>
-            <a:off x="313592" y="4536078"/>
-            <a:ext cx="2104294" cy="529698"/>
-          </a:xfrm>
-          <a:prstGeom prst="rect">
-            <a:avLst/>
-          </a:prstGeom>
-        </p:spPr>
-        <p:txBody>
-          <a:bodyPr/>
-          <a:lstStyle/>
-          <a:p>
-            <a:endParaRPr lang="en-US" dirty="0"/>
           </a:p>
         </p:txBody>
       </p:sp>
@@ -3423,7 +3423,7 @@
       <p:grpSpPr/>
       <p:sp>
         <p:nvSpPr>
-          <p:cNvPr id="2" name="Text Placeholder 1"/>
+          <p:cNvPr id="3" name="Text Placeholder 2"/>
           <p:cNvSpPr>
             <a:spLocks noGrp="1"/>
           </p:cNvSpPr>
@@ -3727,7 +3727,7 @@
       <p:grpSpPr/>
       <p:sp>
         <p:nvSpPr>
-          <p:cNvPr id="2" name="Text Placeholder 1"/>
+          <p:cNvPr id="3" name="Text Placeholder 2"/>
           <p:cNvSpPr>
             <a:spLocks noGrp="1"/>
           </p:cNvSpPr>
@@ -3902,7 +3902,7 @@
       <p:grpSpPr/>
       <p:sp>
         <p:nvSpPr>
-          <p:cNvPr id="2" name="Text Placeholder 1"/>
+          <p:cNvPr id="3" name="Text Placeholder 2"/>
           <p:cNvSpPr>
             <a:spLocks noGrp="1"/>
           </p:cNvSpPr>
@@ -4780,7 +4780,7 @@
       <p:grpSpPr/>
       <p:sp>
         <p:nvSpPr>
-          <p:cNvPr id="2" name="Text Placeholder 1"/>
+          <p:cNvPr id="3" name="Text Placeholder 2"/>
           <p:cNvSpPr>
             <a:spLocks noGrp="1"/>
           </p:cNvSpPr>
@@ -4981,7 +4981,7 @@
       <p:grpSpPr/>
       <p:sp>
         <p:nvSpPr>
-          <p:cNvPr id="2" name="Text Placeholder 1"/>
+          <p:cNvPr id="3" name="Text Placeholder 2"/>
           <p:cNvSpPr>
             <a:spLocks noGrp="1"/>
           </p:cNvSpPr>
@@ -5174,7 +5174,7 @@
       <p:grpSpPr/>
       <p:sp>
         <p:nvSpPr>
-          <p:cNvPr id="2" name="Text Placeholder 1"/>
+          <p:cNvPr id="3" name="Text Placeholder 2"/>
           <p:cNvSpPr>
             <a:spLocks noGrp="1"/>
           </p:cNvSpPr>
@@ -5593,7 +5593,7 @@
       <p:grpSpPr/>
       <p:sp>
         <p:nvSpPr>
-          <p:cNvPr id="2" name="Text Placeholder 1"/>
+          <p:cNvPr id="3" name="Text Placeholder 2"/>
           <p:cNvSpPr>
             <a:spLocks noGrp="1"/>
           </p:cNvSpPr>
@@ -5766,7 +5766,7 @@
       <p:grpSpPr/>
       <p:sp>
         <p:nvSpPr>
-          <p:cNvPr id="2" name="Text Placeholder 1"/>
+          <p:cNvPr id="3" name="Text Placeholder 2"/>
           <p:cNvSpPr>
             <a:spLocks noGrp="1"/>
           </p:cNvSpPr>
@@ -5953,7 +5953,7 @@
       <p:grpSpPr/>
       <p:sp>
         <p:nvSpPr>
-          <p:cNvPr id="2" name="Text Placeholder 1"/>
+          <p:cNvPr id="3" name="Text Placeholder 2"/>
           <p:cNvSpPr>
             <a:spLocks noGrp="1"/>
           </p:cNvSpPr>

--- a/solutions/azure/modern-workspace/virtual-desktop/presales/solution-briefing.pptx
+++ b/solutions/azure/modern-workspace/virtual-desktop/presales/solution-briefing.pptx
@@ -4828,7 +4828,7 @@
               <a:t>Host Pools &amp; Session Hosts:</a:t>
             </a:r>
             <a:r>
-              <a:t> Pooled or personal desktop configurations with Azure VMs running Windows 10/11 Multi-session</a:t>
+              <a:t> Pooled or personal desktop configurations with Windows 10/11 Multi-session VMs</a:t>
             </a:r>
           </a:p>
           <a:p>
@@ -4838,7 +4838,7 @@
               <a:t>FSLogix &amp; Azure Files:</a:t>
             </a:r>
             <a:r>
-              <a:t> Profile containers with SMB-based storage for persistent user data and seamless roaming</a:t>
+              <a:t> Profile containers with SMB storage for persistent user data and roaming</a:t>
             </a:r>
           </a:p>
           <a:p>
@@ -4848,7 +4848,7 @@
               <a:t>Azure AD &amp; Monitoring:</a:t>
             </a:r>
             <a:r>
-              <a:t> Enterprise identity management with conditional access policies and real-time performance diagnostics</a:t>
+              <a:t> Enterprise identity with conditional access and real-time performance diagnostics</a:t>
             </a:r>
           </a:p>
           <a:p>

--- a/solutions/azure/modern-workspace/virtual-desktop/presales/solution-briefing.pptx
+++ b/solutions/azure/modern-workspace/virtual-desktop/presales/solution-briefing.pptx
@@ -4828,7 +4828,7 @@
               <a:t>Host Pools &amp; Session Hosts:</a:t>
             </a:r>
             <a:r>
-              <a:t> Pooled or personal desktop configurations with Windows 10/11 Multi-session VMs</a:t>
+              <a:t> Pooled or personal desktops with Windows 10/11 Multi-session</a:t>
             </a:r>
           </a:p>
           <a:p>
@@ -4838,7 +4838,7 @@
               <a:t>FSLogix &amp; Azure Files:</a:t>
             </a:r>
             <a:r>
-              <a:t> Profile containers with SMB storage for persistent user data and roaming</a:t>
+              <a:t> Profile containers with SMB storage for user data roaming</a:t>
             </a:r>
           </a:p>
           <a:p>

--- a/solutions/azure/modern-workspace/virtual-desktop/presales/solution-briefing.pptx
+++ b/solutions/azure/modern-workspace/virtual-desktop/presales/solution-briefing.pptx
@@ -3326,7 +3326,7 @@
           <a:lstStyle/>
           <a:p>
             <a:r>
-              <a:t>Enterprise Solutions Architect | November 22, 2025</a:t>
+              <a:t>Enterprise Solutions Architect | November 24, 2025</a:t>
             </a:r>
           </a:p>
         </p:txBody>
@@ -6176,41 +6176,7 @@
                     <a:p>
                       <a:r>
                         <a:rPr sz="1100"/>
-                        <a:t>$78,400</a:t>
-                      </a:r>
-                    </a:p>
-                  </a:txBody>
-                  <a:tcPr>
-                    <a:solidFill>
-                      <a:srgbClr val="E7E6E6"/>
-                    </a:solidFill>
-                  </a:tcPr>
-                </a:tc>
-                <a:tc>
-                  <a:txBody>
-                    <a:bodyPr/>
-                    <a:lstStyle/>
-                    <a:p>
-                      <a:r>
-                        <a:rPr sz="1100"/>
-                        <a:t>($10,000)</a:t>
-                      </a:r>
-                    </a:p>
-                  </a:txBody>
-                  <a:tcPr>
-                    <a:solidFill>
-                      <a:srgbClr val="E7E6E6"/>
-                    </a:solidFill>
-                  </a:tcPr>
-                </a:tc>
-                <a:tc>
-                  <a:txBody>
-                    <a:bodyPr/>
-                    <a:lstStyle/>
-                    <a:p>
-                      <a:r>
-                        <a:rPr sz="1100"/>
-                        <a:t>$68,400</a:t>
+                        <a:t>$0</a:t>
                       </a:r>
                     </a:p>
                   </a:txBody>
@@ -6261,7 +6227,41 @@
                     <a:p>
                       <a:r>
                         <a:rPr sz="1100"/>
-                        <a:t>$68,400</a:t>
+                        <a:t>$0</a:t>
+                      </a:r>
+                    </a:p>
+                  </a:txBody>
+                  <a:tcPr>
+                    <a:solidFill>
+                      <a:srgbClr val="E7E6E6"/>
+                    </a:solidFill>
+                  </a:tcPr>
+                </a:tc>
+                <a:tc>
+                  <a:txBody>
+                    <a:bodyPr/>
+                    <a:lstStyle/>
+                    <a:p>
+                      <a:r>
+                        <a:rPr sz="1100"/>
+                        <a:t>$0</a:t>
+                      </a:r>
+                    </a:p>
+                  </a:txBody>
+                  <a:tcPr>
+                    <a:solidFill>
+                      <a:srgbClr val="E7E6E6"/>
+                    </a:solidFill>
+                  </a:tcPr>
+                </a:tc>
+                <a:tc>
+                  <a:txBody>
+                    <a:bodyPr/>
+                    <a:lstStyle/>
+                    <a:p>
+                      <a:r>
+                        <a:rPr sz="1100"/>
+                        <a:t>$0</a:t>
                       </a:r>
                     </a:p>
                   </a:txBody>
@@ -6280,7 +6280,7 @@
                     <a:p>
                       <a:r>
                         <a:rPr sz="1100"/>
-                        <a:t>Cloud Infrastructure</a:t>
+                        <a:t>Cloud Services</a:t>
                       </a:r>
                     </a:p>
                   </a:txBody>
@@ -6660,7 +6660,7 @@
                     <a:p>
                       <a:r>
                         <a:rPr b="1" sz="1100"/>
-                        <a:t>$147,184</a:t>
+                        <a:t>$68,784</a:t>
                       </a:r>
                     </a:p>
                   </a:txBody>
@@ -6677,24 +6677,7 @@
                     <a:p>
                       <a:r>
                         <a:rPr b="1" sz="1100"/>
-                        <a:t>($10,000)</a:t>
-                      </a:r>
-                    </a:p>
-                  </a:txBody>
-                  <a:tcPr>
-                    <a:solidFill>
-                      <a:srgbClr val="E7E6E6"/>
-                    </a:solidFill>
-                  </a:tcPr>
-                </a:tc>
-                <a:tc>
-                  <a:txBody>
-                    <a:bodyPr/>
-                    <a:lstStyle/>
-                    <a:p>
-                      <a:r>
-                        <a:rPr b="1" sz="1100"/>
-                        <a:t>$137,184</a:t>
+                        <a:t>$0</a:t>
                       </a:r>
                     </a:p>
                   </a:txBody>
@@ -6745,7 +6728,24 @@
                     <a:p>
                       <a:r>
                         <a:rPr b="1" sz="1100"/>
-                        <a:t>$274,752</a:t>
+                        <a:t>$68,784</a:t>
+                      </a:r>
+                    </a:p>
+                  </a:txBody>
+                  <a:tcPr>
+                    <a:solidFill>
+                      <a:srgbClr val="E7E6E6"/>
+                    </a:solidFill>
+                  </a:tcPr>
+                </a:tc>
+                <a:tc>
+                  <a:txBody>
+                    <a:bodyPr/>
+                    <a:lstStyle/>
+                    <a:p>
+                      <a:r>
+                        <a:rPr b="1" sz="1100"/>
+                        <a:t>$206,352</a:t>
                       </a:r>
                     </a:p>
                   </a:txBody>
